--- a/Lectures/week4/week4.pptx
+++ b/Lectures/week4/week4.pptx
@@ -6,7 +6,7 @@
     <p:sldMasterId id="2147483652" r:id="rId2"/>
   </p:sldMasterIdLst>
   <p:notesMasterIdLst>
-    <p:notesMasterId r:id="rId27"/>
+    <p:notesMasterId r:id="rId28"/>
   </p:notesMasterIdLst>
   <p:sldIdLst>
     <p:sldId id="256" r:id="rId3"/>
@@ -18,21 +18,22 @@
     <p:sldId id="261" r:id="rId9"/>
     <p:sldId id="262" r:id="rId10"/>
     <p:sldId id="263" r:id="rId11"/>
-    <p:sldId id="266" r:id="rId12"/>
-    <p:sldId id="281" r:id="rId13"/>
-    <p:sldId id="267" r:id="rId14"/>
-    <p:sldId id="270" r:id="rId15"/>
-    <p:sldId id="272" r:id="rId16"/>
-    <p:sldId id="271" r:id="rId17"/>
-    <p:sldId id="268" r:id="rId18"/>
-    <p:sldId id="269" r:id="rId19"/>
-    <p:sldId id="273" r:id="rId20"/>
-    <p:sldId id="276" r:id="rId21"/>
-    <p:sldId id="275" r:id="rId22"/>
-    <p:sldId id="274" r:id="rId23"/>
-    <p:sldId id="279" r:id="rId24"/>
-    <p:sldId id="278" r:id="rId25"/>
-    <p:sldId id="280" r:id="rId26"/>
+    <p:sldId id="282" r:id="rId12"/>
+    <p:sldId id="266" r:id="rId13"/>
+    <p:sldId id="281" r:id="rId14"/>
+    <p:sldId id="267" r:id="rId15"/>
+    <p:sldId id="270" r:id="rId16"/>
+    <p:sldId id="272" r:id="rId17"/>
+    <p:sldId id="271" r:id="rId18"/>
+    <p:sldId id="268" r:id="rId19"/>
+    <p:sldId id="269" r:id="rId20"/>
+    <p:sldId id="273" r:id="rId21"/>
+    <p:sldId id="276" r:id="rId22"/>
+    <p:sldId id="275" r:id="rId23"/>
+    <p:sldId id="274" r:id="rId24"/>
+    <p:sldId id="279" r:id="rId25"/>
+    <p:sldId id="278" r:id="rId26"/>
+    <p:sldId id="280" r:id="rId27"/>
   </p:sldIdLst>
   <p:sldSz cx="9144000" cy="6858000" type="screen4x3"/>
   <p:notesSz cx="6858000" cy="9144000"/>
@@ -232,7 +233,7 @@
           <a:p>
             <a:fld id="{FF2A01D5-2929-2D49-9E34-BDA5AC38E60C}" type="datetimeFigureOut">
               <a:rPr lang="en-US" smtClean="0"/>
-              <a:t>1/31/19</a:t>
+              <a:t>2/1/19</a:t>
             </a:fld>
             <a:endParaRPr lang="en-US"/>
           </a:p>
@@ -849,7 +850,7 @@
           <a:p>
             <a:fld id="{6FBDBEF2-5F4B-8045-A725-B6B19E48D826}" type="slidenum">
               <a:rPr lang="en-US" smtClean="0"/>
-              <a:t>10</a:t>
+              <a:t>11</a:t>
             </a:fld>
             <a:endParaRPr lang="en-US"/>
           </a:p>
@@ -963,7 +964,7 @@
           <a:p>
             <a:fld id="{6FBDBEF2-5F4B-8045-A725-B6B19E48D826}" type="slidenum">
               <a:rPr lang="en-US" smtClean="0"/>
-              <a:t>11</a:t>
+              <a:t>12</a:t>
             </a:fld>
             <a:endParaRPr lang="en-US"/>
           </a:p>
@@ -1055,7 +1056,7 @@
           <a:p>
             <a:fld id="{6FBDBEF2-5F4B-8045-A725-B6B19E48D826}" type="slidenum">
               <a:rPr lang="en-US" smtClean="0"/>
-              <a:t>12</a:t>
+              <a:t>13</a:t>
             </a:fld>
             <a:endParaRPr lang="en-US"/>
           </a:p>
@@ -1147,7 +1148,7 @@
           <a:p>
             <a:fld id="{6FBDBEF2-5F4B-8045-A725-B6B19E48D826}" type="slidenum">
               <a:rPr lang="en-US" smtClean="0"/>
-              <a:t>18</a:t>
+              <a:t>19</a:t>
             </a:fld>
             <a:endParaRPr lang="en-US"/>
           </a:p>
@@ -5148,16 +5149,70 @@
           <a:chExt cx="0" cy="0"/>
         </a:xfrm>
       </p:grpSpPr>
+      <p:sp>
+        <p:nvSpPr>
+          <p:cNvPr id="2" name="Text Placeholder 1"/>
+          <p:cNvSpPr>
+            <a:spLocks noGrp="1"/>
+          </p:cNvSpPr>
+          <p:nvPr>
+            <p:ph type="body" sz="quarter" idx="10"/>
+          </p:nvPr>
+        </p:nvSpPr>
+        <p:spPr/>
+        <p:txBody>
+          <a:bodyPr/>
+          <a:lstStyle/>
+          <a:p>
+            <a:r>
+              <a:rPr lang="en-US" dirty="0" smtClean="0"/>
+              <a:t>MD Basics</a:t>
+            </a:r>
+            <a:endParaRPr lang="en-US" dirty="0"/>
+          </a:p>
+        </p:txBody>
+      </p:sp>
+      <p:sp>
+        <p:nvSpPr>
+          <p:cNvPr id="4" name="Text Placeholder 3"/>
+          <p:cNvSpPr>
+            <a:spLocks noGrp="1"/>
+          </p:cNvSpPr>
+          <p:nvPr>
+            <p:ph type="body" sz="quarter" idx="12"/>
+          </p:nvPr>
+        </p:nvSpPr>
+        <p:spPr>
+          <a:xfrm>
+            <a:off x="671757" y="1157922"/>
+            <a:ext cx="8184662" cy="411171"/>
+          </a:xfrm>
+          <a:solidFill>
+            <a:schemeClr val="bg2"/>
+          </a:solidFill>
+        </p:spPr>
+        <p:txBody>
+          <a:bodyPr/>
+          <a:lstStyle/>
+          <a:p>
+            <a:r>
+              <a:rPr lang="en-US" dirty="0" smtClean="0"/>
+              <a:t>Potential function in a classical MD simulation....</a:t>
+            </a:r>
+            <a:endParaRPr lang="en-US" dirty="0"/>
+          </a:p>
+        </p:txBody>
+      </p:sp>
       <p:pic>
         <p:nvPicPr>
-          <p:cNvPr id="5" name="Picture 4"/>
+          <p:cNvPr id="6" name="Picture 5"/>
           <p:cNvPicPr>
             <a:picLocks noChangeAspect="1"/>
           </p:cNvPicPr>
           <p:nvPr/>
         </p:nvPicPr>
         <p:blipFill>
-          <a:blip r:embed="rId3">
+          <a:blip r:embed="rId2">
             <a:extLst>
               <a:ext uri="{28A0092B-C50C-407E-A947-70E740481C1C}">
                 <a14:useLocalDpi xmlns:a14="http://schemas.microsoft.com/office/drawing/2010/main" val="0"/>
@@ -5170,8 +5225,8 @@
         </p:blipFill>
         <p:spPr>
           <a:xfrm>
-            <a:off x="1365819" y="1485442"/>
-            <a:ext cx="7221905" cy="5262599"/>
+            <a:off x="210477" y="1870178"/>
+            <a:ext cx="7026156" cy="3667925"/>
           </a:xfrm>
           <a:prstGeom prst="rect">
             <a:avLst/>
@@ -5180,30 +5235,83 @@
       </p:pic>
       <p:sp>
         <p:nvSpPr>
-          <p:cNvPr id="2" name="Text Placeholder 1"/>
-          <p:cNvSpPr>
-            <a:spLocks noGrp="1"/>
-          </p:cNvSpPr>
-          <p:nvPr>
-            <p:ph type="body" sz="quarter" idx="10"/>
-          </p:nvPr>
-        </p:nvSpPr>
-        <p:spPr/>
-        <p:txBody>
-          <a:bodyPr/>
-          <a:lstStyle/>
-          <a:p>
-            <a:r>
-              <a:rPr lang="en-US" dirty="0" smtClean="0"/>
-              <a:t>MD Basics</a:t>
-            </a:r>
-            <a:endParaRPr lang="en-US" dirty="0"/>
-          </a:p>
-        </p:txBody>
-      </p:sp>
-      <p:sp>
-        <p:nvSpPr>
-          <p:cNvPr id="4" name="Text Placeholder 3"/>
+          <p:cNvPr id="10" name="Right Brace 9"/>
+          <p:cNvSpPr/>
+          <p:nvPr/>
+        </p:nvSpPr>
+        <p:spPr>
+          <a:xfrm>
+            <a:off x="6820668" y="2063383"/>
+            <a:ext cx="182880" cy="1795549"/>
+          </a:xfrm>
+          <a:prstGeom prst="rightBrace">
+            <a:avLst/>
+          </a:prstGeom>
+        </p:spPr>
+        <p:style>
+          <a:lnRef idx="2">
+            <a:schemeClr val="accent1"/>
+          </a:lnRef>
+          <a:fillRef idx="0">
+            <a:schemeClr val="accent1"/>
+          </a:fillRef>
+          <a:effectRef idx="1">
+            <a:schemeClr val="accent1"/>
+          </a:effectRef>
+          <a:fontRef idx="minor">
+            <a:schemeClr val="tx1"/>
+          </a:fontRef>
+        </p:style>
+        <p:txBody>
+          <a:bodyPr rtlCol="0" anchor="ctr"/>
+          <a:lstStyle/>
+          <a:p>
+            <a:pPr algn="ctr"/>
+            <a:endParaRPr lang="en-US"/>
+          </a:p>
+        </p:txBody>
+      </p:sp>
+      <p:sp>
+        <p:nvSpPr>
+          <p:cNvPr id="11" name="Right Brace 10"/>
+          <p:cNvSpPr/>
+          <p:nvPr/>
+        </p:nvSpPr>
+        <p:spPr>
+          <a:xfrm>
+            <a:off x="6820831" y="4064517"/>
+            <a:ext cx="182717" cy="1141077"/>
+          </a:xfrm>
+          <a:prstGeom prst="rightBrace">
+            <a:avLst/>
+          </a:prstGeom>
+        </p:spPr>
+        <p:style>
+          <a:lnRef idx="2">
+            <a:schemeClr val="accent1"/>
+          </a:lnRef>
+          <a:fillRef idx="0">
+            <a:schemeClr val="accent1"/>
+          </a:fillRef>
+          <a:effectRef idx="1">
+            <a:schemeClr val="accent1"/>
+          </a:effectRef>
+          <a:fontRef idx="minor">
+            <a:schemeClr val="tx1"/>
+          </a:fontRef>
+        </p:style>
+        <p:txBody>
+          <a:bodyPr rtlCol="0" anchor="ctr"/>
+          <a:lstStyle/>
+          <a:p>
+            <a:pPr algn="ctr"/>
+            <a:endParaRPr lang="en-US"/>
+          </a:p>
+        </p:txBody>
+      </p:sp>
+      <p:sp>
+        <p:nvSpPr>
+          <p:cNvPr id="12" name="Text Placeholder 3"/>
           <p:cNvSpPr>
             <a:spLocks noGrp="1"/>
           </p:cNvSpPr>
@@ -5213,218 +5321,99 @@
         </p:nvSpPr>
         <p:spPr>
           <a:xfrm>
-            <a:off x="3264490" y="1157922"/>
-            <a:ext cx="2372385" cy="411171"/>
-          </a:xfrm>
-        </p:spPr>
-        <p:txBody>
-          <a:bodyPr/>
-          <a:lstStyle/>
-          <a:p>
-            <a:r>
-              <a:rPr lang="en-US" dirty="0" smtClean="0"/>
-              <a:t>MD Algorithm</a:t>
-            </a:r>
-            <a:endParaRPr lang="en-US" dirty="0"/>
-          </a:p>
-        </p:txBody>
-      </p:sp>
-      <p:sp>
-        <p:nvSpPr>
-          <p:cNvPr id="6" name="Rectangle 5"/>
-          <p:cNvSpPr/>
-          <p:nvPr/>
-        </p:nvSpPr>
-        <p:spPr>
-          <a:xfrm>
-            <a:off x="8587723" y="6296628"/>
-            <a:ext cx="396019" cy="451413"/>
-          </a:xfrm>
-          <a:prstGeom prst="rect">
-            <a:avLst/>
-          </a:prstGeom>
+            <a:off x="7203383" y="2722321"/>
+            <a:ext cx="1653036" cy="411171"/>
+          </a:xfrm>
           <a:solidFill>
             <a:schemeClr val="bg2"/>
           </a:solidFill>
-          <a:ln>
-            <a:noFill/>
-          </a:ln>
-          <a:effectLst/>
-        </p:spPr>
-        <p:style>
-          <a:lnRef idx="1">
-            <a:schemeClr val="accent1"/>
-          </a:lnRef>
-          <a:fillRef idx="3">
-            <a:schemeClr val="accent1"/>
-          </a:fillRef>
-          <a:effectRef idx="2">
-            <a:schemeClr val="accent1"/>
-          </a:effectRef>
-          <a:fontRef idx="minor">
-            <a:schemeClr val="lt1"/>
-          </a:fontRef>
-        </p:style>
-        <p:txBody>
-          <a:bodyPr rtlCol="0" anchor="ctr"/>
-          <a:lstStyle/>
-          <a:p>
-            <a:pPr algn="ctr"/>
-            <a:endParaRPr lang="en-US">
-              <a:solidFill>
-                <a:schemeClr val="accent4">
-                  <a:lumMod val="10000"/>
-                </a:schemeClr>
-              </a:solidFill>
-            </a:endParaRPr>
-          </a:p>
-        </p:txBody>
-      </p:sp>
-      <p:sp>
-        <p:nvSpPr>
-          <p:cNvPr id="3" name="Rectangle 2"/>
-          <p:cNvSpPr/>
-          <p:nvPr/>
-        </p:nvSpPr>
-        <p:spPr>
-          <a:xfrm>
-            <a:off x="1365819" y="1569093"/>
-            <a:ext cx="5648439" cy="1961186"/>
-          </a:xfrm>
-          <a:prstGeom prst="rect">
-            <a:avLst/>
-          </a:prstGeom>
+        </p:spPr>
+        <p:txBody>
+          <a:bodyPr/>
+          <a:lstStyle/>
+          <a:p>
+            <a:r>
+              <a:rPr lang="en-US" smtClean="0"/>
+              <a:t>bonded</a:t>
+            </a:r>
+            <a:endParaRPr lang="en-US" dirty="0"/>
+          </a:p>
+        </p:txBody>
+      </p:sp>
+      <p:sp>
+        <p:nvSpPr>
+          <p:cNvPr id="13" name="Text Placeholder 3"/>
+          <p:cNvSpPr>
+            <a:spLocks noGrp="1"/>
+          </p:cNvSpPr>
+          <p:nvPr>
+            <p:ph type="body" sz="quarter" idx="12"/>
+          </p:nvPr>
+        </p:nvSpPr>
+        <p:spPr>
+          <a:xfrm>
+            <a:off x="7203383" y="4373510"/>
+            <a:ext cx="1653036" cy="411171"/>
+          </a:xfrm>
           <a:solidFill>
-            <a:schemeClr val="bg2">
-              <a:alpha val="76000"/>
-            </a:schemeClr>
+            <a:schemeClr val="bg2"/>
           </a:solidFill>
-          <a:ln>
-            <a:noFill/>
-          </a:ln>
-          <a:effectLst/>
-        </p:spPr>
-        <p:style>
-          <a:lnRef idx="1">
-            <a:schemeClr val="accent1"/>
-          </a:lnRef>
-          <a:fillRef idx="3">
-            <a:schemeClr val="accent1"/>
-          </a:fillRef>
-          <a:effectRef idx="2">
-            <a:schemeClr val="accent1"/>
-          </a:effectRef>
-          <a:fontRef idx="minor">
-            <a:schemeClr val="lt1"/>
-          </a:fontRef>
-        </p:style>
-        <p:txBody>
-          <a:bodyPr rtlCol="0" anchor="ctr"/>
-          <a:lstStyle/>
-          <a:p>
-            <a:pPr algn="ctr"/>
-            <a:endParaRPr lang="en-US"/>
-          </a:p>
-        </p:txBody>
-      </p:sp>
-      <p:sp>
-        <p:nvSpPr>
-          <p:cNvPr id="7" name="Rectangle 6"/>
-          <p:cNvSpPr/>
-          <p:nvPr/>
-        </p:nvSpPr>
-        <p:spPr>
-          <a:xfrm>
-            <a:off x="1365819" y="3992544"/>
-            <a:ext cx="7221904" cy="2766349"/>
-          </a:xfrm>
-          <a:prstGeom prst="rect">
-            <a:avLst/>
-          </a:prstGeom>
+        </p:spPr>
+        <p:txBody>
+          <a:bodyPr/>
+          <a:lstStyle/>
+          <a:p>
+            <a:r>
+              <a:rPr lang="en-US" dirty="0" smtClean="0"/>
+              <a:t>n</a:t>
+            </a:r>
+            <a:r>
+              <a:rPr lang="en-US" dirty="0" smtClean="0"/>
+              <a:t>on-bonded</a:t>
+            </a:r>
+            <a:endParaRPr lang="en-US" dirty="0"/>
+          </a:p>
+        </p:txBody>
+      </p:sp>
+      <p:sp>
+        <p:nvSpPr>
+          <p:cNvPr id="14" name="Text Placeholder 3"/>
+          <p:cNvSpPr>
+            <a:spLocks noGrp="1"/>
+          </p:cNvSpPr>
+          <p:nvPr>
+            <p:ph type="body" sz="quarter" idx="12"/>
+          </p:nvPr>
+        </p:nvSpPr>
+        <p:spPr>
+          <a:xfrm>
+            <a:off x="671756" y="5743688"/>
+            <a:ext cx="8184663" cy="1034433"/>
+          </a:xfrm>
           <a:solidFill>
-            <a:schemeClr val="bg2">
-              <a:alpha val="76000"/>
-            </a:schemeClr>
+            <a:schemeClr val="bg2"/>
           </a:solidFill>
-          <a:ln>
-            <a:noFill/>
-          </a:ln>
-          <a:effectLst/>
-        </p:spPr>
-        <p:style>
-          <a:lnRef idx="1">
-            <a:schemeClr val="accent1"/>
-          </a:lnRef>
-          <a:fillRef idx="3">
-            <a:schemeClr val="accent1"/>
-          </a:fillRef>
-          <a:effectRef idx="2">
-            <a:schemeClr val="accent1"/>
-          </a:effectRef>
-          <a:fontRef idx="minor">
-            <a:schemeClr val="lt1"/>
-          </a:fontRef>
-        </p:style>
-        <p:txBody>
-          <a:bodyPr rtlCol="0" anchor="ctr"/>
-          <a:lstStyle/>
-          <a:p>
-            <a:pPr algn="ctr"/>
-            <a:endParaRPr lang="en-US"/>
-          </a:p>
-        </p:txBody>
-      </p:sp>
-      <p:sp>
-        <p:nvSpPr>
-          <p:cNvPr id="9" name="Rectangle 8"/>
-          <p:cNvSpPr/>
-          <p:nvPr/>
-        </p:nvSpPr>
-        <p:spPr>
-          <a:xfrm>
-            <a:off x="579086" y="3414533"/>
-            <a:ext cx="1249714" cy="567156"/>
-          </a:xfrm>
-          <a:prstGeom prst="rect">
-            <a:avLst/>
-          </a:prstGeom>
-          <a:solidFill>
-            <a:schemeClr val="bg2">
-              <a:alpha val="76000"/>
-            </a:schemeClr>
-          </a:solidFill>
-          <a:ln>
-            <a:noFill/>
-          </a:ln>
-          <a:effectLst/>
-        </p:spPr>
-        <p:style>
-          <a:lnRef idx="1">
-            <a:schemeClr val="accent1"/>
-          </a:lnRef>
-          <a:fillRef idx="3">
-            <a:schemeClr val="accent1"/>
-          </a:fillRef>
-          <a:effectRef idx="2">
-            <a:schemeClr val="accent1"/>
-          </a:effectRef>
-          <a:fontRef idx="minor">
-            <a:schemeClr val="lt1"/>
-          </a:fontRef>
-        </p:style>
-        <p:txBody>
-          <a:bodyPr rtlCol="0" anchor="ctr"/>
-          <a:lstStyle/>
-          <a:p>
-            <a:pPr algn="ctr"/>
-            <a:endParaRPr lang="en-US"/>
+        </p:spPr>
+        <p:txBody>
+          <a:bodyPr/>
+          <a:lstStyle/>
+          <a:p>
+            <a:r>
+              <a:rPr lang="en-US" b="1" dirty="0" smtClean="0"/>
+              <a:t>Fun fact: </a:t>
+            </a:r>
+            <a:r>
+              <a:rPr lang="en-US" dirty="0" smtClean="0"/>
+              <a:t>our ES methods extend the potential function experienced by the atoms in our simulation.</a:t>
+            </a:r>
+            <a:endParaRPr lang="en-US" dirty="0"/>
           </a:p>
         </p:txBody>
       </p:sp>
     </p:spTree>
     <p:extLst>
       <p:ext uri="{BB962C8B-B14F-4D97-AF65-F5344CB8AC3E}">
-        <p14:creationId xmlns:p14="http://schemas.microsoft.com/office/powerpoint/2010/main" val="1984517544"/>
+        <p14:creationId xmlns:p14="http://schemas.microsoft.com/office/powerpoint/2010/main" val="588234001"/>
       </p:ext>
     </p:extLst>
   </p:cSld>
@@ -5458,67 +5447,9 @@
           <a:chExt cx="0" cy="0"/>
         </a:xfrm>
       </p:grpSpPr>
-      <p:sp>
-        <p:nvSpPr>
-          <p:cNvPr id="2" name="Text Placeholder 1"/>
-          <p:cNvSpPr>
-            <a:spLocks noGrp="1"/>
-          </p:cNvSpPr>
-          <p:nvPr>
-            <p:ph type="body" sz="quarter" idx="10"/>
-          </p:nvPr>
-        </p:nvSpPr>
-        <p:spPr/>
-        <p:txBody>
-          <a:bodyPr/>
-          <a:lstStyle/>
-          <a:p>
-            <a:r>
-              <a:rPr lang="en-US" dirty="0" smtClean="0"/>
-              <a:t>Solving equations of motion numerically </a:t>
-            </a:r>
-            <a:endParaRPr lang="en-US" dirty="0"/>
-          </a:p>
-        </p:txBody>
-      </p:sp>
-      <p:sp>
-        <p:nvSpPr>
-          <p:cNvPr id="4" name="Text Placeholder 3"/>
-          <p:cNvSpPr>
-            <a:spLocks noGrp="1"/>
-          </p:cNvSpPr>
-          <p:nvPr>
-            <p:ph type="body" sz="quarter" idx="12"/>
-          </p:nvPr>
-        </p:nvSpPr>
-        <p:spPr>
-          <a:xfrm>
-            <a:off x="671757" y="1148005"/>
-            <a:ext cx="8184662" cy="411171"/>
-          </a:xfrm>
-          <a:solidFill>
-            <a:schemeClr val="bg2"/>
-          </a:solidFill>
-        </p:spPr>
-        <p:txBody>
-          <a:bodyPr/>
-          <a:lstStyle/>
-          <a:p>
-            <a:r>
-              <a:rPr lang="en-US" dirty="0" smtClean="0"/>
-              <a:t>Velocity </a:t>
-            </a:r>
-            <a:r>
-              <a:rPr lang="en-US" dirty="0" err="1" smtClean="0"/>
-              <a:t>Verlet</a:t>
-            </a:r>
-            <a:endParaRPr lang="en-US" dirty="0"/>
-          </a:p>
-        </p:txBody>
-      </p:sp>
       <p:pic>
         <p:nvPicPr>
-          <p:cNvPr id="6" name="Picture 5"/>
+          <p:cNvPr id="5" name="Picture 4"/>
           <p:cNvPicPr>
             <a:picLocks noChangeAspect="1"/>
           </p:cNvPicPr>
@@ -5538,1389 +5469,40 @@
         </p:blipFill>
         <p:spPr>
           <a:xfrm>
-            <a:off x="530535" y="1545458"/>
-            <a:ext cx="8134595" cy="2114278"/>
+            <a:off x="1365819" y="1485442"/>
+            <a:ext cx="7221905" cy="5262599"/>
           </a:xfrm>
           <a:prstGeom prst="rect">
             <a:avLst/>
           </a:prstGeom>
         </p:spPr>
       </p:pic>
-      <p:pic>
-        <p:nvPicPr>
-          <p:cNvPr id="35" name="Picture 34"/>
-          <p:cNvPicPr>
-            <a:picLocks noChangeAspect="1"/>
-          </p:cNvPicPr>
-          <p:nvPr/>
-        </p:nvPicPr>
-        <p:blipFill>
-          <a:blip r:embed="rId4">
-            <a:extLst>
-              <a:ext uri="{28A0092B-C50C-407E-A947-70E740481C1C}">
-                <a14:useLocalDpi xmlns:a14="http://schemas.microsoft.com/office/drawing/2010/main" val="0"/>
-              </a:ext>
-            </a:extLst>
-          </a:blip>
-          <a:stretch>
-            <a:fillRect/>
-          </a:stretch>
-        </p:blipFill>
-        <p:spPr>
-          <a:xfrm>
-            <a:off x="4077132" y="5930353"/>
-            <a:ext cx="1041400" cy="381000"/>
-          </a:xfrm>
-          <a:prstGeom prst="rect">
-            <a:avLst/>
-          </a:prstGeom>
-        </p:spPr>
-      </p:pic>
-      <p:pic>
-        <p:nvPicPr>
-          <p:cNvPr id="36" name="Picture 35"/>
-          <p:cNvPicPr>
-            <a:picLocks noChangeAspect="1"/>
-          </p:cNvPicPr>
-          <p:nvPr/>
-        </p:nvPicPr>
-        <p:blipFill>
-          <a:blip r:embed="rId5">
-            <a:extLst>
-              <a:ext uri="{28A0092B-C50C-407E-A947-70E740481C1C}">
-                <a14:useLocalDpi xmlns:a14="http://schemas.microsoft.com/office/drawing/2010/main" val="0"/>
-              </a:ext>
-            </a:extLst>
-          </a:blip>
-          <a:stretch>
-            <a:fillRect/>
-          </a:stretch>
-        </p:blipFill>
-        <p:spPr>
-          <a:xfrm>
-            <a:off x="1510056" y="5959425"/>
-            <a:ext cx="431800" cy="330200"/>
-          </a:xfrm>
-          <a:prstGeom prst="rect">
-            <a:avLst/>
-          </a:prstGeom>
-        </p:spPr>
-      </p:pic>
-      <p:pic>
-        <p:nvPicPr>
-          <p:cNvPr id="37" name="Picture 36"/>
-          <p:cNvPicPr>
-            <a:picLocks noChangeAspect="1"/>
-          </p:cNvPicPr>
-          <p:nvPr/>
-        </p:nvPicPr>
-        <p:blipFill>
-          <a:blip r:embed="rId6">
-            <a:extLst>
-              <a:ext uri="{28A0092B-C50C-407E-A947-70E740481C1C}">
-                <a14:useLocalDpi xmlns:a14="http://schemas.microsoft.com/office/drawing/2010/main" val="0"/>
-              </a:ext>
-            </a:extLst>
-          </a:blip>
-          <a:stretch>
-            <a:fillRect/>
-          </a:stretch>
-        </p:blipFill>
-        <p:spPr>
-          <a:xfrm>
-            <a:off x="2108989" y="5937743"/>
-            <a:ext cx="457200" cy="368300"/>
-          </a:xfrm>
-          <a:prstGeom prst="rect">
-            <a:avLst/>
-          </a:prstGeom>
-        </p:spPr>
-      </p:pic>
-      <p:pic>
-        <p:nvPicPr>
-          <p:cNvPr id="38" name="Picture 37"/>
-          <p:cNvPicPr>
-            <a:picLocks noChangeAspect="1"/>
-          </p:cNvPicPr>
-          <p:nvPr/>
-        </p:nvPicPr>
-        <p:blipFill>
-          <a:blip r:embed="rId7">
-            <a:extLst>
-              <a:ext uri="{28A0092B-C50C-407E-A947-70E740481C1C}">
-                <a14:useLocalDpi xmlns:a14="http://schemas.microsoft.com/office/drawing/2010/main" val="0"/>
-              </a:ext>
-            </a:extLst>
-          </a:blip>
-          <a:stretch>
-            <a:fillRect/>
-          </a:stretch>
-        </p:blipFill>
-        <p:spPr>
-          <a:xfrm>
-            <a:off x="2993270" y="5921703"/>
-            <a:ext cx="1028700" cy="393700"/>
-          </a:xfrm>
-          <a:prstGeom prst="rect">
-            <a:avLst/>
-          </a:prstGeom>
-        </p:spPr>
-      </p:pic>
-      <p:pic>
-        <p:nvPicPr>
-          <p:cNvPr id="39" name="Picture 38"/>
-          <p:cNvPicPr>
-            <a:picLocks noChangeAspect="1"/>
-          </p:cNvPicPr>
-          <p:nvPr/>
-        </p:nvPicPr>
-        <p:blipFill>
-          <a:blip r:embed="rId8">
-            <a:extLst>
-              <a:ext uri="{28A0092B-C50C-407E-A947-70E740481C1C}">
-                <a14:useLocalDpi xmlns:a14="http://schemas.microsoft.com/office/drawing/2010/main" val="0"/>
-              </a:ext>
-            </a:extLst>
-          </a:blip>
-          <a:stretch>
-            <a:fillRect/>
-          </a:stretch>
-        </p:blipFill>
-        <p:spPr>
-          <a:xfrm>
-            <a:off x="865156" y="5897544"/>
-            <a:ext cx="495300" cy="368300"/>
-          </a:xfrm>
-          <a:prstGeom prst="rect">
-            <a:avLst/>
-          </a:prstGeom>
-        </p:spPr>
-      </p:pic>
-      <p:sp>
-        <p:nvSpPr>
-          <p:cNvPr id="42" name="Rectangle 41"/>
-          <p:cNvSpPr/>
-          <p:nvPr/>
-        </p:nvSpPr>
-        <p:spPr>
-          <a:xfrm>
-            <a:off x="865156" y="4236342"/>
-            <a:ext cx="1640541" cy="1600200"/>
-          </a:xfrm>
-          <a:prstGeom prst="rect">
-            <a:avLst/>
-          </a:prstGeom>
-          <a:noFill/>
-          <a:effectLst/>
-        </p:spPr>
-        <p:style>
-          <a:lnRef idx="1">
-            <a:schemeClr val="accent1"/>
-          </a:lnRef>
-          <a:fillRef idx="3">
-            <a:schemeClr val="accent1"/>
-          </a:fillRef>
-          <a:effectRef idx="2">
-            <a:schemeClr val="accent1"/>
-          </a:effectRef>
-          <a:fontRef idx="minor">
-            <a:schemeClr val="lt1"/>
-          </a:fontRef>
-        </p:style>
-        <p:txBody>
-          <a:bodyPr rtlCol="0" anchor="ctr"/>
-          <a:lstStyle/>
-          <a:p>
-            <a:pPr algn="ctr"/>
-            <a:endParaRPr lang="en-US"/>
-          </a:p>
-        </p:txBody>
-      </p:sp>
-      <p:sp>
-        <p:nvSpPr>
-          <p:cNvPr id="43" name="Oval 42"/>
-          <p:cNvSpPr/>
-          <p:nvPr/>
-        </p:nvSpPr>
-        <p:spPr>
-          <a:xfrm>
-            <a:off x="1731371" y="4473181"/>
-            <a:ext cx="188258" cy="188259"/>
-          </a:xfrm>
-          <a:prstGeom prst="ellipse">
-            <a:avLst/>
-          </a:prstGeom>
-          <a:solidFill>
-            <a:schemeClr val="tx2"/>
-          </a:solidFill>
-        </p:spPr>
-        <p:style>
-          <a:lnRef idx="1">
-            <a:schemeClr val="accent1"/>
-          </a:lnRef>
-          <a:fillRef idx="3">
-            <a:schemeClr val="accent1"/>
-          </a:fillRef>
-          <a:effectRef idx="2">
-            <a:schemeClr val="accent1"/>
-          </a:effectRef>
-          <a:fontRef idx="minor">
-            <a:schemeClr val="lt1"/>
-          </a:fontRef>
-        </p:style>
-        <p:txBody>
-          <a:bodyPr rtlCol="0" anchor="ctr"/>
-          <a:lstStyle/>
-          <a:p>
-            <a:pPr algn="ctr"/>
-            <a:endParaRPr lang="en-US"/>
-          </a:p>
-        </p:txBody>
-      </p:sp>
-      <p:sp>
-        <p:nvSpPr>
-          <p:cNvPr id="44" name="Oval 43"/>
-          <p:cNvSpPr/>
-          <p:nvPr/>
-        </p:nvSpPr>
-        <p:spPr>
-          <a:xfrm>
-            <a:off x="1118409" y="5303142"/>
-            <a:ext cx="188258" cy="188259"/>
-          </a:xfrm>
-          <a:prstGeom prst="ellipse">
-            <a:avLst/>
-          </a:prstGeom>
-          <a:solidFill>
-            <a:schemeClr val="tx2"/>
-          </a:solidFill>
-        </p:spPr>
-        <p:style>
-          <a:lnRef idx="1">
-            <a:schemeClr val="accent1"/>
-          </a:lnRef>
-          <a:fillRef idx="3">
-            <a:schemeClr val="accent1"/>
-          </a:fillRef>
-          <a:effectRef idx="2">
-            <a:schemeClr val="accent1"/>
-          </a:effectRef>
-          <a:fontRef idx="minor">
-            <a:schemeClr val="lt1"/>
-          </a:fontRef>
-        </p:style>
-        <p:txBody>
-          <a:bodyPr rtlCol="0" anchor="ctr"/>
-          <a:lstStyle/>
-          <a:p>
-            <a:pPr algn="ctr"/>
-            <a:endParaRPr lang="en-US"/>
-          </a:p>
-        </p:txBody>
-      </p:sp>
-      <p:sp>
-        <p:nvSpPr>
-          <p:cNvPr id="45" name="Oval 44"/>
-          <p:cNvSpPr/>
-          <p:nvPr/>
-        </p:nvSpPr>
-        <p:spPr>
-          <a:xfrm>
-            <a:off x="1825500" y="5361411"/>
-            <a:ext cx="188258" cy="188259"/>
-          </a:xfrm>
-          <a:prstGeom prst="ellipse">
-            <a:avLst/>
-          </a:prstGeom>
-          <a:solidFill>
-            <a:schemeClr val="tx2"/>
-          </a:solidFill>
-        </p:spPr>
-        <p:style>
-          <a:lnRef idx="1">
-            <a:schemeClr val="accent1"/>
-          </a:lnRef>
-          <a:fillRef idx="3">
-            <a:schemeClr val="accent1"/>
-          </a:fillRef>
-          <a:effectRef idx="2">
-            <a:schemeClr val="accent1"/>
-          </a:effectRef>
-          <a:fontRef idx="minor">
-            <a:schemeClr val="lt1"/>
-          </a:fontRef>
-        </p:style>
-        <p:txBody>
-          <a:bodyPr rtlCol="0" anchor="ctr"/>
-          <a:lstStyle/>
-          <a:p>
-            <a:pPr algn="ctr"/>
-            <a:endParaRPr lang="en-US"/>
-          </a:p>
-        </p:txBody>
-      </p:sp>
-      <p:sp>
-        <p:nvSpPr>
-          <p:cNvPr id="46" name="Oval 45"/>
-          <p:cNvSpPr/>
-          <p:nvPr/>
-        </p:nvSpPr>
-        <p:spPr>
-          <a:xfrm>
-            <a:off x="2165038" y="4805603"/>
-            <a:ext cx="188258" cy="188259"/>
-          </a:xfrm>
-          <a:prstGeom prst="ellipse">
-            <a:avLst/>
-          </a:prstGeom>
-          <a:solidFill>
-            <a:schemeClr val="tx2"/>
-          </a:solidFill>
-        </p:spPr>
-        <p:style>
-          <a:lnRef idx="1">
-            <a:schemeClr val="accent1"/>
-          </a:lnRef>
-          <a:fillRef idx="3">
-            <a:schemeClr val="accent1"/>
-          </a:fillRef>
-          <a:effectRef idx="2">
-            <a:schemeClr val="accent1"/>
-          </a:effectRef>
-          <a:fontRef idx="minor">
-            <a:schemeClr val="lt1"/>
-          </a:fontRef>
-        </p:style>
-        <p:txBody>
-          <a:bodyPr rtlCol="0" anchor="ctr"/>
-          <a:lstStyle/>
-          <a:p>
-            <a:pPr algn="ctr"/>
-            <a:endParaRPr lang="en-US"/>
-          </a:p>
-        </p:txBody>
-      </p:sp>
-      <p:sp>
-        <p:nvSpPr>
-          <p:cNvPr id="47" name="Oval 46"/>
-          <p:cNvSpPr/>
-          <p:nvPr/>
-        </p:nvSpPr>
-        <p:spPr>
-          <a:xfrm>
-            <a:off x="1502772" y="4969207"/>
-            <a:ext cx="188258" cy="188259"/>
-          </a:xfrm>
-          <a:prstGeom prst="ellipse">
-            <a:avLst/>
-          </a:prstGeom>
-          <a:solidFill>
-            <a:schemeClr val="tx2"/>
-          </a:solidFill>
-        </p:spPr>
-        <p:style>
-          <a:lnRef idx="1">
-            <a:schemeClr val="accent1"/>
-          </a:lnRef>
-          <a:fillRef idx="3">
-            <a:schemeClr val="accent1"/>
-          </a:fillRef>
-          <a:effectRef idx="2">
-            <a:schemeClr val="accent1"/>
-          </a:effectRef>
-          <a:fontRef idx="minor">
-            <a:schemeClr val="lt1"/>
-          </a:fontRef>
-        </p:style>
-        <p:txBody>
-          <a:bodyPr rtlCol="0" anchor="ctr"/>
-          <a:lstStyle/>
-          <a:p>
-            <a:pPr algn="ctr"/>
-            <a:endParaRPr lang="en-US"/>
-          </a:p>
-        </p:txBody>
-      </p:sp>
-      <p:sp>
-        <p:nvSpPr>
-          <p:cNvPr id="48" name="Oval 47"/>
-          <p:cNvSpPr/>
-          <p:nvPr/>
-        </p:nvSpPr>
-        <p:spPr>
-          <a:xfrm>
-            <a:off x="1028763" y="4653203"/>
-            <a:ext cx="188258" cy="188259"/>
-          </a:xfrm>
-          <a:prstGeom prst="ellipse">
-            <a:avLst/>
-          </a:prstGeom>
-          <a:solidFill>
-            <a:schemeClr val="tx2"/>
-          </a:solidFill>
-        </p:spPr>
-        <p:style>
-          <a:lnRef idx="1">
-            <a:schemeClr val="accent1"/>
-          </a:lnRef>
-          <a:fillRef idx="3">
-            <a:schemeClr val="accent1"/>
-          </a:fillRef>
-          <a:effectRef idx="2">
-            <a:schemeClr val="accent1"/>
-          </a:effectRef>
-          <a:fontRef idx="minor">
-            <a:schemeClr val="lt1"/>
-          </a:fontRef>
-        </p:style>
-        <p:txBody>
-          <a:bodyPr rtlCol="0" anchor="ctr"/>
-          <a:lstStyle/>
-          <a:p>
-            <a:pPr algn="ctr"/>
-            <a:endParaRPr lang="en-US"/>
-          </a:p>
-        </p:txBody>
-      </p:sp>
-      <p:sp>
-        <p:nvSpPr>
-          <p:cNvPr id="49" name="Rectangle 48"/>
-          <p:cNvSpPr/>
-          <p:nvPr/>
-        </p:nvSpPr>
-        <p:spPr>
-          <a:xfrm>
-            <a:off x="3192617" y="4236342"/>
-            <a:ext cx="1640541" cy="1600200"/>
-          </a:xfrm>
-          <a:prstGeom prst="rect">
-            <a:avLst/>
-          </a:prstGeom>
-          <a:noFill/>
-          <a:effectLst/>
-        </p:spPr>
-        <p:style>
-          <a:lnRef idx="1">
-            <a:schemeClr val="accent1"/>
-          </a:lnRef>
-          <a:fillRef idx="3">
-            <a:schemeClr val="accent1"/>
-          </a:fillRef>
-          <a:effectRef idx="2">
-            <a:schemeClr val="accent1"/>
-          </a:effectRef>
-          <a:fontRef idx="minor">
-            <a:schemeClr val="lt1"/>
-          </a:fontRef>
-        </p:style>
-        <p:txBody>
-          <a:bodyPr rtlCol="0" anchor="ctr"/>
-          <a:lstStyle/>
-          <a:p>
-            <a:pPr algn="ctr"/>
-            <a:endParaRPr lang="en-US"/>
-          </a:p>
-        </p:txBody>
-      </p:sp>
-      <p:sp>
-        <p:nvSpPr>
-          <p:cNvPr id="50" name="Oval 49"/>
-          <p:cNvSpPr/>
-          <p:nvPr/>
-        </p:nvSpPr>
-        <p:spPr>
-          <a:xfrm>
-            <a:off x="3657655" y="4563175"/>
-            <a:ext cx="188258" cy="188259"/>
-          </a:xfrm>
-          <a:prstGeom prst="ellipse">
-            <a:avLst/>
-          </a:prstGeom>
-          <a:solidFill>
-            <a:schemeClr val="tx2"/>
-          </a:solidFill>
-        </p:spPr>
-        <p:style>
-          <a:lnRef idx="1">
-            <a:schemeClr val="accent1"/>
-          </a:lnRef>
-          <a:fillRef idx="3">
-            <a:schemeClr val="accent1"/>
-          </a:fillRef>
-          <a:effectRef idx="2">
-            <a:schemeClr val="accent1"/>
-          </a:effectRef>
-          <a:fontRef idx="minor">
-            <a:schemeClr val="lt1"/>
-          </a:fontRef>
-        </p:style>
-        <p:txBody>
-          <a:bodyPr rtlCol="0" anchor="ctr"/>
-          <a:lstStyle/>
-          <a:p>
-            <a:pPr algn="ctr"/>
-            <a:endParaRPr lang="en-US"/>
-          </a:p>
-        </p:txBody>
-      </p:sp>
-      <p:sp>
-        <p:nvSpPr>
-          <p:cNvPr id="51" name="Oval 50"/>
-          <p:cNvSpPr/>
-          <p:nvPr/>
-        </p:nvSpPr>
-        <p:spPr>
-          <a:xfrm>
-            <a:off x="3739460" y="5462983"/>
-            <a:ext cx="188258" cy="188259"/>
-          </a:xfrm>
-          <a:prstGeom prst="ellipse">
-            <a:avLst/>
-          </a:prstGeom>
-          <a:solidFill>
-            <a:schemeClr val="tx2"/>
-          </a:solidFill>
-        </p:spPr>
-        <p:style>
-          <a:lnRef idx="1">
-            <a:schemeClr val="accent1"/>
-          </a:lnRef>
-          <a:fillRef idx="3">
-            <a:schemeClr val="accent1"/>
-          </a:fillRef>
-          <a:effectRef idx="2">
-            <a:schemeClr val="accent1"/>
-          </a:effectRef>
-          <a:fontRef idx="minor">
-            <a:schemeClr val="lt1"/>
-          </a:fontRef>
-        </p:style>
-        <p:txBody>
-          <a:bodyPr rtlCol="0" anchor="ctr"/>
-          <a:lstStyle/>
-          <a:p>
-            <a:pPr algn="ctr"/>
-            <a:endParaRPr lang="en-US"/>
-          </a:p>
-        </p:txBody>
-      </p:sp>
-      <p:sp>
-        <p:nvSpPr>
-          <p:cNvPr id="52" name="Oval 51"/>
-          <p:cNvSpPr/>
-          <p:nvPr/>
-        </p:nvSpPr>
-        <p:spPr>
-          <a:xfrm>
-            <a:off x="4258295" y="4351351"/>
-            <a:ext cx="188258" cy="188259"/>
-          </a:xfrm>
-          <a:prstGeom prst="ellipse">
-            <a:avLst/>
-          </a:prstGeom>
-          <a:solidFill>
-            <a:schemeClr val="tx2"/>
-          </a:solidFill>
-        </p:spPr>
-        <p:style>
-          <a:lnRef idx="1">
-            <a:schemeClr val="accent1"/>
-          </a:lnRef>
-          <a:fillRef idx="3">
-            <a:schemeClr val="accent1"/>
-          </a:fillRef>
-          <a:effectRef idx="2">
-            <a:schemeClr val="accent1"/>
-          </a:effectRef>
-          <a:fontRef idx="minor">
-            <a:schemeClr val="lt1"/>
-          </a:fontRef>
-        </p:style>
-        <p:txBody>
-          <a:bodyPr rtlCol="0" anchor="ctr"/>
-          <a:lstStyle/>
-          <a:p>
-            <a:pPr algn="ctr"/>
-            <a:endParaRPr lang="en-US"/>
-          </a:p>
-        </p:txBody>
-      </p:sp>
-      <p:sp>
-        <p:nvSpPr>
-          <p:cNvPr id="53" name="Oval 52"/>
-          <p:cNvSpPr/>
-          <p:nvPr/>
-        </p:nvSpPr>
-        <p:spPr>
-          <a:xfrm>
-            <a:off x="4445431" y="5274724"/>
-            <a:ext cx="188258" cy="188259"/>
-          </a:xfrm>
-          <a:prstGeom prst="ellipse">
-            <a:avLst/>
-          </a:prstGeom>
-          <a:solidFill>
-            <a:schemeClr val="tx2"/>
-          </a:solidFill>
-        </p:spPr>
-        <p:style>
-          <a:lnRef idx="1">
-            <a:schemeClr val="accent1"/>
-          </a:lnRef>
-          <a:fillRef idx="3">
-            <a:schemeClr val="accent1"/>
-          </a:fillRef>
-          <a:effectRef idx="2">
-            <a:schemeClr val="accent1"/>
-          </a:effectRef>
-          <a:fontRef idx="minor">
-            <a:schemeClr val="lt1"/>
-          </a:fontRef>
-        </p:style>
-        <p:txBody>
-          <a:bodyPr rtlCol="0" anchor="ctr"/>
-          <a:lstStyle/>
-          <a:p>
-            <a:pPr algn="ctr"/>
-            <a:endParaRPr lang="en-US"/>
-          </a:p>
-        </p:txBody>
-      </p:sp>
-      <p:sp>
-        <p:nvSpPr>
-          <p:cNvPr id="54" name="Oval 53"/>
-          <p:cNvSpPr/>
-          <p:nvPr/>
-        </p:nvSpPr>
-        <p:spPr>
-          <a:xfrm>
-            <a:off x="4140632" y="4899732"/>
-            <a:ext cx="188258" cy="188259"/>
-          </a:xfrm>
-          <a:prstGeom prst="ellipse">
-            <a:avLst/>
-          </a:prstGeom>
-          <a:solidFill>
-            <a:schemeClr val="tx2"/>
-          </a:solidFill>
-        </p:spPr>
-        <p:style>
-          <a:lnRef idx="1">
-            <a:schemeClr val="accent1"/>
-          </a:lnRef>
-          <a:fillRef idx="3">
-            <a:schemeClr val="accent1"/>
-          </a:fillRef>
-          <a:effectRef idx="2">
-            <a:schemeClr val="accent1"/>
-          </a:effectRef>
-          <a:fontRef idx="minor">
-            <a:schemeClr val="lt1"/>
-          </a:fontRef>
-        </p:style>
-        <p:txBody>
-          <a:bodyPr rtlCol="0" anchor="ctr"/>
-          <a:lstStyle/>
-          <a:p>
-            <a:pPr algn="ctr"/>
-            <a:endParaRPr lang="en-US"/>
-          </a:p>
-        </p:txBody>
-      </p:sp>
-      <p:sp>
-        <p:nvSpPr>
-          <p:cNvPr id="55" name="Oval 54"/>
-          <p:cNvSpPr/>
-          <p:nvPr/>
-        </p:nvSpPr>
-        <p:spPr>
-          <a:xfrm>
-            <a:off x="3439708" y="5042030"/>
-            <a:ext cx="188258" cy="188259"/>
-          </a:xfrm>
-          <a:prstGeom prst="ellipse">
-            <a:avLst/>
-          </a:prstGeom>
-          <a:solidFill>
-            <a:schemeClr val="tx2"/>
-          </a:solidFill>
-        </p:spPr>
-        <p:style>
-          <a:lnRef idx="1">
-            <a:schemeClr val="accent1"/>
-          </a:lnRef>
-          <a:fillRef idx="3">
-            <a:schemeClr val="accent1"/>
-          </a:fillRef>
-          <a:effectRef idx="2">
-            <a:schemeClr val="accent1"/>
-          </a:effectRef>
-          <a:fontRef idx="minor">
-            <a:schemeClr val="lt1"/>
-          </a:fontRef>
-        </p:style>
-        <p:txBody>
-          <a:bodyPr rtlCol="0" anchor="ctr"/>
-          <a:lstStyle/>
-          <a:p>
-            <a:pPr algn="ctr"/>
-            <a:endParaRPr lang="en-US"/>
-          </a:p>
-        </p:txBody>
-      </p:sp>
-      <p:sp>
-        <p:nvSpPr>
-          <p:cNvPr id="56" name="Rectangle 55"/>
-          <p:cNvSpPr/>
-          <p:nvPr/>
-        </p:nvSpPr>
-        <p:spPr>
-          <a:xfrm>
-            <a:off x="5520078" y="4236342"/>
-            <a:ext cx="1640541" cy="1600200"/>
-          </a:xfrm>
-          <a:prstGeom prst="rect">
-            <a:avLst/>
-          </a:prstGeom>
-          <a:noFill/>
-        </p:spPr>
-        <p:style>
-          <a:lnRef idx="1">
-            <a:schemeClr val="accent1"/>
-          </a:lnRef>
-          <a:fillRef idx="3">
-            <a:schemeClr val="accent1"/>
-          </a:fillRef>
-          <a:effectRef idx="2">
-            <a:schemeClr val="accent1"/>
-          </a:effectRef>
-          <a:fontRef idx="minor">
-            <a:schemeClr val="lt1"/>
-          </a:fontRef>
-        </p:style>
-        <p:txBody>
-          <a:bodyPr rtlCol="0" anchor="ctr"/>
-          <a:lstStyle/>
-          <a:p>
-            <a:pPr algn="ctr"/>
-            <a:endParaRPr lang="en-US"/>
-          </a:p>
-        </p:txBody>
-      </p:sp>
-      <p:sp>
-        <p:nvSpPr>
-          <p:cNvPr id="57" name="Oval 56"/>
-          <p:cNvSpPr/>
-          <p:nvPr/>
-        </p:nvSpPr>
-        <p:spPr>
-          <a:xfrm>
-            <a:off x="6184026" y="4565779"/>
-            <a:ext cx="188258" cy="188259"/>
-          </a:xfrm>
-          <a:prstGeom prst="ellipse">
-            <a:avLst/>
-          </a:prstGeom>
-          <a:solidFill>
-            <a:schemeClr val="tx2"/>
-          </a:solidFill>
-        </p:spPr>
-        <p:style>
-          <a:lnRef idx="1">
-            <a:schemeClr val="accent1"/>
-          </a:lnRef>
-          <a:fillRef idx="3">
-            <a:schemeClr val="accent1"/>
-          </a:fillRef>
-          <a:effectRef idx="2">
-            <a:schemeClr val="accent1"/>
-          </a:effectRef>
-          <a:fontRef idx="minor">
-            <a:schemeClr val="lt1"/>
-          </a:fontRef>
-        </p:style>
-        <p:txBody>
-          <a:bodyPr rtlCol="0" anchor="ctr"/>
-          <a:lstStyle/>
-          <a:p>
-            <a:pPr algn="ctr"/>
-            <a:endParaRPr lang="en-US"/>
-          </a:p>
-        </p:txBody>
-      </p:sp>
-      <p:sp>
-        <p:nvSpPr>
-          <p:cNvPr id="58" name="Oval 57"/>
-          <p:cNvSpPr/>
-          <p:nvPr/>
-        </p:nvSpPr>
-        <p:spPr>
-          <a:xfrm>
-            <a:off x="6088208" y="5209012"/>
-            <a:ext cx="188258" cy="188259"/>
-          </a:xfrm>
-          <a:prstGeom prst="ellipse">
-            <a:avLst/>
-          </a:prstGeom>
-          <a:solidFill>
-            <a:schemeClr val="tx2"/>
-          </a:solidFill>
-        </p:spPr>
-        <p:style>
-          <a:lnRef idx="1">
-            <a:schemeClr val="accent1"/>
-          </a:lnRef>
-          <a:fillRef idx="3">
-            <a:schemeClr val="accent1"/>
-          </a:fillRef>
-          <a:effectRef idx="2">
-            <a:schemeClr val="accent1"/>
-          </a:effectRef>
-          <a:fontRef idx="minor">
-            <a:schemeClr val="lt1"/>
-          </a:fontRef>
-        </p:style>
-        <p:txBody>
-          <a:bodyPr rtlCol="0" anchor="ctr"/>
-          <a:lstStyle/>
-          <a:p>
-            <a:pPr algn="ctr"/>
-            <a:endParaRPr lang="en-US"/>
-          </a:p>
-        </p:txBody>
-      </p:sp>
-      <p:sp>
-        <p:nvSpPr>
-          <p:cNvPr id="59" name="Oval 58"/>
-          <p:cNvSpPr/>
-          <p:nvPr/>
-        </p:nvSpPr>
-        <p:spPr>
-          <a:xfrm>
-            <a:off x="6614891" y="4398395"/>
-            <a:ext cx="188258" cy="188259"/>
-          </a:xfrm>
-          <a:prstGeom prst="ellipse">
-            <a:avLst/>
-          </a:prstGeom>
-          <a:solidFill>
-            <a:schemeClr val="tx2"/>
-          </a:solidFill>
-        </p:spPr>
-        <p:style>
-          <a:lnRef idx="1">
-            <a:schemeClr val="accent1"/>
-          </a:lnRef>
-          <a:fillRef idx="3">
-            <a:schemeClr val="accent1"/>
-          </a:fillRef>
-          <a:effectRef idx="2">
-            <a:schemeClr val="accent1"/>
-          </a:effectRef>
-          <a:fontRef idx="minor">
-            <a:schemeClr val="lt1"/>
-          </a:fontRef>
-        </p:style>
-        <p:txBody>
-          <a:bodyPr rtlCol="0" anchor="ctr"/>
-          <a:lstStyle/>
-          <a:p>
-            <a:pPr algn="ctr"/>
-            <a:endParaRPr lang="en-US"/>
-          </a:p>
-        </p:txBody>
-      </p:sp>
-      <p:sp>
-        <p:nvSpPr>
-          <p:cNvPr id="60" name="Oval 59"/>
-          <p:cNvSpPr/>
-          <p:nvPr/>
-        </p:nvSpPr>
-        <p:spPr>
-          <a:xfrm>
-            <a:off x="6766171" y="5063336"/>
-            <a:ext cx="188258" cy="188259"/>
-          </a:xfrm>
-          <a:prstGeom prst="ellipse">
-            <a:avLst/>
-          </a:prstGeom>
-          <a:solidFill>
-            <a:schemeClr val="tx2"/>
-          </a:solidFill>
-        </p:spPr>
-        <p:style>
-          <a:lnRef idx="1">
-            <a:schemeClr val="accent1"/>
-          </a:lnRef>
-          <a:fillRef idx="3">
-            <a:schemeClr val="accent1"/>
-          </a:fillRef>
-          <a:effectRef idx="2">
-            <a:schemeClr val="accent1"/>
-          </a:effectRef>
-          <a:fontRef idx="minor">
-            <a:schemeClr val="lt1"/>
-          </a:fontRef>
-        </p:style>
-        <p:txBody>
-          <a:bodyPr rtlCol="0" anchor="ctr"/>
-          <a:lstStyle/>
-          <a:p>
-            <a:pPr algn="ctr"/>
-            <a:endParaRPr lang="en-US"/>
-          </a:p>
-        </p:txBody>
-      </p:sp>
-      <p:sp>
-        <p:nvSpPr>
-          <p:cNvPr id="61" name="Oval 60"/>
-          <p:cNvSpPr/>
-          <p:nvPr/>
-        </p:nvSpPr>
-        <p:spPr>
-          <a:xfrm>
-            <a:off x="6506194" y="5557112"/>
-            <a:ext cx="188258" cy="188259"/>
-          </a:xfrm>
-          <a:prstGeom prst="ellipse">
-            <a:avLst/>
-          </a:prstGeom>
-          <a:solidFill>
-            <a:schemeClr val="tx2"/>
-          </a:solidFill>
-        </p:spPr>
-        <p:style>
-          <a:lnRef idx="1">
-            <a:schemeClr val="accent1"/>
-          </a:lnRef>
-          <a:fillRef idx="3">
-            <a:schemeClr val="accent1"/>
-          </a:fillRef>
-          <a:effectRef idx="2">
-            <a:schemeClr val="accent1"/>
-          </a:effectRef>
-          <a:fontRef idx="minor">
-            <a:schemeClr val="lt1"/>
-          </a:fontRef>
-        </p:style>
-        <p:txBody>
-          <a:bodyPr rtlCol="0" anchor="ctr"/>
-          <a:lstStyle/>
-          <a:p>
-            <a:pPr algn="ctr"/>
-            <a:endParaRPr lang="en-US"/>
-          </a:p>
-        </p:txBody>
-      </p:sp>
-      <p:sp>
-        <p:nvSpPr>
-          <p:cNvPr id="62" name="Oval 61"/>
-          <p:cNvSpPr/>
-          <p:nvPr/>
-        </p:nvSpPr>
-        <p:spPr>
-          <a:xfrm>
-            <a:off x="5643342" y="4901971"/>
-            <a:ext cx="188258" cy="188259"/>
-          </a:xfrm>
-          <a:prstGeom prst="ellipse">
-            <a:avLst/>
-          </a:prstGeom>
-          <a:solidFill>
-            <a:schemeClr val="tx2"/>
-          </a:solidFill>
-        </p:spPr>
-        <p:style>
-          <a:lnRef idx="1">
-            <a:schemeClr val="accent1"/>
-          </a:lnRef>
-          <a:fillRef idx="3">
-            <a:schemeClr val="accent1"/>
-          </a:fillRef>
-          <a:effectRef idx="2">
-            <a:schemeClr val="accent1"/>
-          </a:effectRef>
-          <a:fontRef idx="minor">
-            <a:schemeClr val="lt1"/>
-          </a:fontRef>
-        </p:style>
-        <p:txBody>
-          <a:bodyPr rtlCol="0" anchor="ctr"/>
-          <a:lstStyle/>
-          <a:p>
-            <a:pPr algn="ctr"/>
-            <a:endParaRPr lang="en-US"/>
-          </a:p>
-        </p:txBody>
-      </p:sp>
-      <p:cxnSp>
-        <p:nvCxnSpPr>
-          <p:cNvPr id="63" name="Straight Arrow Connector 62"/>
-          <p:cNvCxnSpPr/>
-          <p:nvPr/>
-        </p:nvCxnSpPr>
-        <p:spPr>
-          <a:xfrm>
-            <a:off x="4338978" y="4969208"/>
-            <a:ext cx="258855" cy="24653"/>
-          </a:xfrm>
-          <a:prstGeom prst="straightConnector1">
-            <a:avLst/>
-          </a:prstGeom>
-          <a:ln>
-            <a:tailEnd type="triangle"/>
-          </a:ln>
-        </p:spPr>
-        <p:style>
-          <a:lnRef idx="2">
-            <a:schemeClr val="accent1"/>
-          </a:lnRef>
-          <a:fillRef idx="0">
-            <a:schemeClr val="accent1"/>
-          </a:fillRef>
-          <a:effectRef idx="1">
-            <a:schemeClr val="accent1"/>
-          </a:effectRef>
-          <a:fontRef idx="minor">
-            <a:schemeClr val="tx1"/>
-          </a:fontRef>
-        </p:style>
-      </p:cxnSp>
-      <p:cxnSp>
-        <p:nvCxnSpPr>
-          <p:cNvPr id="64" name="Straight Arrow Connector 63"/>
-          <p:cNvCxnSpPr/>
-          <p:nvPr/>
-        </p:nvCxnSpPr>
-        <p:spPr>
-          <a:xfrm>
-            <a:off x="1136339" y="4803758"/>
-            <a:ext cx="3362" cy="286472"/>
-          </a:xfrm>
-          <a:prstGeom prst="straightConnector1">
-            <a:avLst/>
-          </a:prstGeom>
-          <a:ln>
-            <a:tailEnd type="triangle"/>
-          </a:ln>
-        </p:spPr>
-        <p:style>
-          <a:lnRef idx="2">
-            <a:schemeClr val="accent1"/>
-          </a:lnRef>
-          <a:fillRef idx="0">
-            <a:schemeClr val="accent1"/>
-          </a:fillRef>
-          <a:effectRef idx="1">
-            <a:schemeClr val="accent1"/>
-          </a:effectRef>
-          <a:fontRef idx="minor">
-            <a:schemeClr val="tx1"/>
-          </a:fontRef>
-        </p:style>
-      </p:cxnSp>
-      <p:cxnSp>
-        <p:nvCxnSpPr>
-          <p:cNvPr id="65" name="Straight Arrow Connector 64"/>
-          <p:cNvCxnSpPr>
-            <a:stCxn id="53" idx="3"/>
-          </p:cNvCxnSpPr>
-          <p:nvPr/>
-        </p:nvCxnSpPr>
-        <p:spPr>
-          <a:xfrm flipH="1">
-            <a:off x="1578971" y="4633870"/>
-            <a:ext cx="179970" cy="113323"/>
-          </a:xfrm>
-          <a:prstGeom prst="straightConnector1">
-            <a:avLst/>
-          </a:prstGeom>
-          <a:ln>
-            <a:tailEnd type="triangle"/>
-          </a:ln>
-        </p:spPr>
-        <p:style>
-          <a:lnRef idx="2">
-            <a:schemeClr val="accent1"/>
-          </a:lnRef>
-          <a:fillRef idx="0">
-            <a:schemeClr val="accent1"/>
-          </a:fillRef>
-          <a:effectRef idx="1">
-            <a:schemeClr val="accent1"/>
-          </a:effectRef>
-          <a:fontRef idx="minor">
-            <a:schemeClr val="tx1"/>
-          </a:fontRef>
-        </p:style>
-      </p:cxnSp>
-      <p:cxnSp>
-        <p:nvCxnSpPr>
-          <p:cNvPr id="66" name="Straight Arrow Connector 65"/>
-          <p:cNvCxnSpPr/>
-          <p:nvPr/>
-        </p:nvCxnSpPr>
-        <p:spPr>
-          <a:xfrm flipH="1">
-            <a:off x="1807570" y="5560869"/>
-            <a:ext cx="82922" cy="175544"/>
-          </a:xfrm>
-          <a:prstGeom prst="straightConnector1">
-            <a:avLst/>
-          </a:prstGeom>
-          <a:ln>
-            <a:tailEnd type="triangle"/>
-          </a:ln>
-        </p:spPr>
-        <p:style>
-          <a:lnRef idx="2">
-            <a:schemeClr val="accent1"/>
-          </a:lnRef>
-          <a:fillRef idx="0">
-            <a:schemeClr val="accent1"/>
-          </a:fillRef>
-          <a:effectRef idx="1">
-            <a:schemeClr val="accent1"/>
-          </a:effectRef>
-          <a:fontRef idx="minor">
-            <a:schemeClr val="tx1"/>
-          </a:fontRef>
-        </p:style>
-      </p:cxnSp>
-      <p:cxnSp>
-        <p:nvCxnSpPr>
-          <p:cNvPr id="67" name="Straight Arrow Connector 66"/>
-          <p:cNvCxnSpPr/>
-          <p:nvPr/>
-        </p:nvCxnSpPr>
-        <p:spPr>
-          <a:xfrm flipH="1">
-            <a:off x="2161676" y="4996848"/>
-            <a:ext cx="82922" cy="175544"/>
-          </a:xfrm>
-          <a:prstGeom prst="straightConnector1">
-            <a:avLst/>
-          </a:prstGeom>
-          <a:ln>
-            <a:tailEnd type="triangle"/>
-          </a:ln>
-        </p:spPr>
-        <p:style>
-          <a:lnRef idx="2">
-            <a:schemeClr val="accent1"/>
-          </a:lnRef>
-          <a:fillRef idx="0">
-            <a:schemeClr val="accent1"/>
-          </a:fillRef>
-          <a:effectRef idx="1">
-            <a:schemeClr val="accent1"/>
-          </a:effectRef>
-          <a:fontRef idx="minor">
-            <a:schemeClr val="tx1"/>
-          </a:fontRef>
-        </p:style>
-      </p:cxnSp>
-      <p:cxnSp>
-        <p:nvCxnSpPr>
-          <p:cNvPr id="68" name="Straight Arrow Connector 67"/>
-          <p:cNvCxnSpPr/>
-          <p:nvPr/>
-        </p:nvCxnSpPr>
-        <p:spPr>
-          <a:xfrm>
-            <a:off x="1267442" y="5494387"/>
-            <a:ext cx="217400" cy="154254"/>
-          </a:xfrm>
-          <a:prstGeom prst="straightConnector1">
-            <a:avLst/>
-          </a:prstGeom>
-          <a:ln>
-            <a:tailEnd type="triangle"/>
-          </a:ln>
-        </p:spPr>
-        <p:style>
-          <a:lnRef idx="2">
-            <a:schemeClr val="accent1"/>
-          </a:lnRef>
-          <a:fillRef idx="0">
-            <a:schemeClr val="accent1"/>
-          </a:fillRef>
-          <a:effectRef idx="1">
-            <a:schemeClr val="accent1"/>
-          </a:effectRef>
-          <a:fontRef idx="minor">
-            <a:schemeClr val="tx1"/>
-          </a:fontRef>
-        </p:style>
-      </p:cxnSp>
-      <p:cxnSp>
-        <p:nvCxnSpPr>
-          <p:cNvPr id="69" name="Straight Arrow Connector 68"/>
-          <p:cNvCxnSpPr/>
-          <p:nvPr/>
-        </p:nvCxnSpPr>
-        <p:spPr>
-          <a:xfrm flipH="1">
-            <a:off x="4437592" y="5491401"/>
-            <a:ext cx="82922" cy="175544"/>
-          </a:xfrm>
-          <a:prstGeom prst="straightConnector1">
-            <a:avLst/>
-          </a:prstGeom>
-          <a:ln>
-            <a:tailEnd type="triangle"/>
-          </a:ln>
-        </p:spPr>
-        <p:style>
-          <a:lnRef idx="2">
-            <a:schemeClr val="accent1"/>
-          </a:lnRef>
-          <a:fillRef idx="0">
-            <a:schemeClr val="accent1"/>
-          </a:fillRef>
-          <a:effectRef idx="1">
-            <a:schemeClr val="accent1"/>
-          </a:effectRef>
-          <a:fontRef idx="minor">
-            <a:schemeClr val="tx1"/>
-          </a:fontRef>
-        </p:style>
-      </p:cxnSp>
-      <p:cxnSp>
-        <p:nvCxnSpPr>
-          <p:cNvPr id="70" name="Straight Arrow Connector 69"/>
-          <p:cNvCxnSpPr/>
-          <p:nvPr/>
-        </p:nvCxnSpPr>
-        <p:spPr>
-          <a:xfrm>
-            <a:off x="1641722" y="5083133"/>
-            <a:ext cx="258855" cy="24653"/>
-          </a:xfrm>
-          <a:prstGeom prst="straightConnector1">
-            <a:avLst/>
-          </a:prstGeom>
-          <a:ln>
-            <a:tailEnd type="triangle"/>
-          </a:ln>
-        </p:spPr>
-        <p:style>
-          <a:lnRef idx="2">
-            <a:schemeClr val="accent1"/>
-          </a:lnRef>
-          <a:fillRef idx="0">
-            <a:schemeClr val="accent1"/>
-          </a:fillRef>
-          <a:effectRef idx="1">
-            <a:schemeClr val="accent1"/>
-          </a:effectRef>
-          <a:fontRef idx="minor">
-            <a:schemeClr val="tx1"/>
-          </a:fontRef>
-        </p:style>
-      </p:cxnSp>
-      <p:cxnSp>
-        <p:nvCxnSpPr>
-          <p:cNvPr id="71" name="Straight Arrow Connector 70"/>
-          <p:cNvCxnSpPr/>
-          <p:nvPr/>
-        </p:nvCxnSpPr>
-        <p:spPr>
-          <a:xfrm flipH="1" flipV="1">
-            <a:off x="3833589" y="5303141"/>
-            <a:ext cx="42581" cy="263705"/>
-          </a:xfrm>
-          <a:prstGeom prst="straightConnector1">
-            <a:avLst/>
-          </a:prstGeom>
-          <a:ln>
-            <a:tailEnd type="triangle"/>
-          </a:ln>
-        </p:spPr>
-        <p:style>
-          <a:lnRef idx="2">
-            <a:schemeClr val="accent1"/>
-          </a:lnRef>
-          <a:fillRef idx="0">
-            <a:schemeClr val="accent1"/>
-          </a:fillRef>
-          <a:effectRef idx="1">
-            <a:schemeClr val="accent1"/>
-          </a:effectRef>
-          <a:fontRef idx="minor">
-            <a:schemeClr val="tx1"/>
-          </a:fontRef>
-        </p:style>
-      </p:cxnSp>
-      <p:cxnSp>
-        <p:nvCxnSpPr>
-          <p:cNvPr id="72" name="Straight Arrow Connector 71"/>
-          <p:cNvCxnSpPr/>
-          <p:nvPr/>
-        </p:nvCxnSpPr>
-        <p:spPr>
-          <a:xfrm flipH="1" flipV="1">
-            <a:off x="3345018" y="4993861"/>
-            <a:ext cx="199461" cy="145653"/>
-          </a:xfrm>
-          <a:prstGeom prst="straightConnector1">
-            <a:avLst/>
-          </a:prstGeom>
-          <a:ln>
-            <a:tailEnd type="triangle"/>
-          </a:ln>
-        </p:spPr>
-        <p:style>
-          <a:lnRef idx="2">
-            <a:schemeClr val="accent1"/>
-          </a:lnRef>
-          <a:fillRef idx="0">
-            <a:schemeClr val="accent1"/>
-          </a:fillRef>
-          <a:effectRef idx="1">
-            <a:schemeClr val="accent1"/>
-          </a:effectRef>
-          <a:fontRef idx="minor">
-            <a:schemeClr val="tx1"/>
-          </a:fontRef>
-        </p:style>
-      </p:cxnSp>
-      <p:cxnSp>
-        <p:nvCxnSpPr>
-          <p:cNvPr id="73" name="Straight Arrow Connector 72"/>
-          <p:cNvCxnSpPr/>
-          <p:nvPr/>
-        </p:nvCxnSpPr>
-        <p:spPr>
-          <a:xfrm flipV="1">
-            <a:off x="3696880" y="4586654"/>
-            <a:ext cx="291910" cy="100146"/>
-          </a:xfrm>
-          <a:prstGeom prst="straightConnector1">
-            <a:avLst/>
-          </a:prstGeom>
-          <a:ln>
-            <a:tailEnd type="triangle"/>
-          </a:ln>
-        </p:spPr>
-        <p:style>
-          <a:lnRef idx="2">
-            <a:schemeClr val="accent1"/>
-          </a:lnRef>
-          <a:fillRef idx="0">
-            <a:schemeClr val="accent1"/>
-          </a:fillRef>
-          <a:effectRef idx="1">
-            <a:schemeClr val="accent1"/>
-          </a:effectRef>
-          <a:fontRef idx="minor">
-            <a:schemeClr val="tx1"/>
-          </a:fontRef>
-        </p:style>
-      </p:cxnSp>
-      <p:sp>
-        <p:nvSpPr>
-          <p:cNvPr id="74" name="Text Placeholder 3"/>
+      <p:sp>
+        <p:nvSpPr>
+          <p:cNvPr id="2" name="Text Placeholder 1"/>
+          <p:cNvSpPr>
+            <a:spLocks noGrp="1"/>
+          </p:cNvSpPr>
+          <p:nvPr>
+            <p:ph type="body" sz="quarter" idx="10"/>
+          </p:nvPr>
+        </p:nvSpPr>
+        <p:spPr/>
+        <p:txBody>
+          <a:bodyPr/>
+          <a:lstStyle/>
+          <a:p>
+            <a:r>
+              <a:rPr lang="en-US" dirty="0" smtClean="0"/>
+              <a:t>MD Basics</a:t>
+            </a:r>
+            <a:endParaRPr lang="en-US" dirty="0"/>
+          </a:p>
+        </p:txBody>
+      </p:sp>
+      <p:sp>
+        <p:nvSpPr>
+          <p:cNvPr id="4" name="Text Placeholder 3"/>
           <p:cNvSpPr>
             <a:spLocks noGrp="1"/>
           </p:cNvSpPr>
@@ -6930,8 +5512,8 @@
         </p:nvSpPr>
         <p:spPr>
           <a:xfrm>
-            <a:off x="2629547" y="4722740"/>
-            <a:ext cx="517124" cy="411171"/>
+            <a:off x="3264490" y="1157922"/>
+            <a:ext cx="2372385" cy="411171"/>
           </a:xfrm>
         </p:spPr>
         <p:txBody>
@@ -6940,7 +5522,7 @@
           <a:p>
             <a:r>
               <a:rPr lang="en-US" dirty="0" smtClean="0"/>
-              <a:t>𝛅t</a:t>
+              <a:t>MD Algorithm</a:t>
             </a:r>
             <a:endParaRPr lang="en-US" dirty="0"/>
           </a:p>
@@ -6948,53 +5530,72 @@
       </p:sp>
       <p:sp>
         <p:nvSpPr>
-          <p:cNvPr id="75" name="Text Placeholder 3"/>
-          <p:cNvSpPr>
-            <a:spLocks noGrp="1"/>
-          </p:cNvSpPr>
-          <p:nvPr>
-            <p:ph type="body" sz="quarter" idx="12"/>
-          </p:nvPr>
-        </p:nvSpPr>
-        <p:spPr>
-          <a:xfrm>
-            <a:off x="4930641" y="4741408"/>
-            <a:ext cx="517124" cy="411171"/>
-          </a:xfrm>
-        </p:spPr>
-        <p:txBody>
-          <a:bodyPr/>
-          <a:lstStyle/>
-          <a:p>
-            <a:r>
-              <a:rPr lang="en-US" dirty="0"/>
-              <a:t>𝛅</a:t>
-            </a:r>
-            <a:r>
-              <a:rPr lang="en-US" dirty="0" smtClean="0"/>
-              <a:t>t</a:t>
-            </a:r>
-            <a:endParaRPr lang="en-US" dirty="0"/>
-          </a:p>
-        </p:txBody>
-      </p:sp>
-      <p:sp>
-        <p:nvSpPr>
-          <p:cNvPr id="76" name="Rectangle 75"/>
+          <p:cNvPr id="6" name="Rectangle 5"/>
           <p:cNvSpPr/>
           <p:nvPr/>
         </p:nvSpPr>
         <p:spPr>
           <a:xfrm>
-            <a:off x="4930641" y="4039989"/>
-            <a:ext cx="3099454" cy="1857555"/>
+            <a:off x="8587723" y="6296628"/>
+            <a:ext cx="396019" cy="451413"/>
+          </a:xfrm>
+          <a:prstGeom prst="rect">
+            <a:avLst/>
+          </a:prstGeom>
+          <a:solidFill>
+            <a:schemeClr val="bg2"/>
+          </a:solidFill>
+          <a:ln>
+            <a:noFill/>
+          </a:ln>
+          <a:effectLst/>
+        </p:spPr>
+        <p:style>
+          <a:lnRef idx="1">
+            <a:schemeClr val="accent1"/>
+          </a:lnRef>
+          <a:fillRef idx="3">
+            <a:schemeClr val="accent1"/>
+          </a:fillRef>
+          <a:effectRef idx="2">
+            <a:schemeClr val="accent1"/>
+          </a:effectRef>
+          <a:fontRef idx="minor">
+            <a:schemeClr val="lt1"/>
+          </a:fontRef>
+        </p:style>
+        <p:txBody>
+          <a:bodyPr rtlCol="0" anchor="ctr"/>
+          <a:lstStyle/>
+          <a:p>
+            <a:pPr algn="ctr"/>
+            <a:endParaRPr lang="en-US">
+              <a:solidFill>
+                <a:schemeClr val="accent4">
+                  <a:lumMod val="10000"/>
+                </a:schemeClr>
+              </a:solidFill>
+            </a:endParaRPr>
+          </a:p>
+        </p:txBody>
+      </p:sp>
+      <p:sp>
+        <p:nvSpPr>
+          <p:cNvPr id="3" name="Rectangle 2"/>
+          <p:cNvSpPr/>
+          <p:nvPr/>
+        </p:nvSpPr>
+        <p:spPr>
+          <a:xfrm>
+            <a:off x="1365819" y="1569093"/>
+            <a:ext cx="5648439" cy="1961186"/>
           </a:xfrm>
           <a:prstGeom prst="rect">
             <a:avLst/>
           </a:prstGeom>
           <a:solidFill>
             <a:schemeClr val="bg2">
-              <a:alpha val="65000"/>
+              <a:alpha val="76000"/>
             </a:schemeClr>
           </a:solidFill>
           <a:ln>
@@ -7027,100 +5628,102 @@
       </p:sp>
       <p:sp>
         <p:nvSpPr>
-          <p:cNvPr id="77" name="Text Placeholder 3"/>
-          <p:cNvSpPr>
-            <a:spLocks noGrp="1"/>
-          </p:cNvSpPr>
-          <p:nvPr>
-            <p:ph type="body" sz="quarter" idx="12"/>
-          </p:nvPr>
-        </p:nvSpPr>
-        <p:spPr>
-          <a:xfrm>
-            <a:off x="1014533" y="3760937"/>
-            <a:ext cx="1422845" cy="411171"/>
-          </a:xfrm>
-        </p:spPr>
-        <p:txBody>
-          <a:bodyPr/>
+          <p:cNvPr id="7" name="Rectangle 6"/>
+          <p:cNvSpPr/>
+          <p:nvPr/>
+        </p:nvSpPr>
+        <p:spPr>
+          <a:xfrm>
+            <a:off x="1365819" y="3992544"/>
+            <a:ext cx="7221904" cy="2766349"/>
+          </a:xfrm>
+          <a:prstGeom prst="rect">
+            <a:avLst/>
+          </a:prstGeom>
+          <a:solidFill>
+            <a:schemeClr val="bg2">
+              <a:alpha val="76000"/>
+            </a:schemeClr>
+          </a:solidFill>
+          <a:ln>
+            <a:noFill/>
+          </a:ln>
+          <a:effectLst/>
+        </p:spPr>
+        <p:style>
+          <a:lnRef idx="1">
+            <a:schemeClr val="accent1"/>
+          </a:lnRef>
+          <a:fillRef idx="3">
+            <a:schemeClr val="accent1"/>
+          </a:fillRef>
+          <a:effectRef idx="2">
+            <a:schemeClr val="accent1"/>
+          </a:effectRef>
+          <a:fontRef idx="minor">
+            <a:schemeClr val="lt1"/>
+          </a:fontRef>
+        </p:style>
+        <p:txBody>
+          <a:bodyPr rtlCol="0" anchor="ctr"/>
           <a:lstStyle/>
           <a:p>
             <a:pPr algn="ctr"/>
-            <a:r>
-              <a:rPr lang="en-US"/>
-              <a:t>t</a:t>
-            </a:r>
-            <a:r>
-              <a:rPr lang="en-US" smtClean="0"/>
-              <a:t>his step</a:t>
-            </a:r>
-            <a:endParaRPr lang="en-US" dirty="0"/>
-          </a:p>
-        </p:txBody>
-      </p:sp>
-      <p:sp>
-        <p:nvSpPr>
-          <p:cNvPr id="78" name="Text Placeholder 3"/>
-          <p:cNvSpPr>
-            <a:spLocks noGrp="1"/>
-          </p:cNvSpPr>
-          <p:nvPr>
-            <p:ph type="body" sz="quarter" idx="12"/>
-          </p:nvPr>
-        </p:nvSpPr>
-        <p:spPr>
-          <a:xfrm>
-            <a:off x="3301464" y="3762321"/>
-            <a:ext cx="1422845" cy="411171"/>
-          </a:xfrm>
-        </p:spPr>
-        <p:txBody>
-          <a:bodyPr/>
+            <a:endParaRPr lang="en-US"/>
+          </a:p>
+        </p:txBody>
+      </p:sp>
+      <p:sp>
+        <p:nvSpPr>
+          <p:cNvPr id="9" name="Rectangle 8"/>
+          <p:cNvSpPr/>
+          <p:nvPr/>
+        </p:nvSpPr>
+        <p:spPr>
+          <a:xfrm>
+            <a:off x="579086" y="3414533"/>
+            <a:ext cx="1249714" cy="567156"/>
+          </a:xfrm>
+          <a:prstGeom prst="rect">
+            <a:avLst/>
+          </a:prstGeom>
+          <a:solidFill>
+            <a:schemeClr val="bg2">
+              <a:alpha val="76000"/>
+            </a:schemeClr>
+          </a:solidFill>
+          <a:ln>
+            <a:noFill/>
+          </a:ln>
+          <a:effectLst/>
+        </p:spPr>
+        <p:style>
+          <a:lnRef idx="1">
+            <a:schemeClr val="accent1"/>
+          </a:lnRef>
+          <a:fillRef idx="3">
+            <a:schemeClr val="accent1"/>
+          </a:fillRef>
+          <a:effectRef idx="2">
+            <a:schemeClr val="accent1"/>
+          </a:effectRef>
+          <a:fontRef idx="minor">
+            <a:schemeClr val="lt1"/>
+          </a:fontRef>
+        </p:style>
+        <p:txBody>
+          <a:bodyPr rtlCol="0" anchor="ctr"/>
           <a:lstStyle/>
           <a:p>
             <a:pPr algn="ctr"/>
-            <a:r>
-              <a:rPr lang="en-US" dirty="0" smtClean="0"/>
-              <a:t>next step</a:t>
-            </a:r>
-            <a:endParaRPr lang="en-US" dirty="0"/>
-          </a:p>
-        </p:txBody>
-      </p:sp>
-      <p:pic>
-        <p:nvPicPr>
-          <p:cNvPr id="3" name="Picture 2"/>
-          <p:cNvPicPr>
-            <a:picLocks noChangeAspect="1"/>
-          </p:cNvPicPr>
-          <p:nvPr/>
-        </p:nvPicPr>
-        <p:blipFill>
-          <a:blip r:embed="rId9">
-            <a:extLst>
-              <a:ext uri="{28A0092B-C50C-407E-A947-70E740481C1C}">
-                <a14:useLocalDpi xmlns:a14="http://schemas.microsoft.com/office/drawing/2010/main" val="0"/>
-              </a:ext>
-            </a:extLst>
-          </a:blip>
-          <a:stretch>
-            <a:fillRect/>
-          </a:stretch>
-        </p:blipFill>
-        <p:spPr>
-          <a:xfrm>
-            <a:off x="3533837" y="6303912"/>
-            <a:ext cx="1028700" cy="342900"/>
-          </a:xfrm>
-          <a:prstGeom prst="rect">
-            <a:avLst/>
-          </a:prstGeom>
-        </p:spPr>
-      </p:pic>
+            <a:endParaRPr lang="en-US"/>
+          </a:p>
+        </p:txBody>
+      </p:sp>
     </p:spTree>
     <p:extLst>
       <p:ext uri="{BB962C8B-B14F-4D97-AF65-F5344CB8AC3E}">
-        <p14:creationId xmlns:p14="http://schemas.microsoft.com/office/powerpoint/2010/main" val="1204265342"/>
+        <p14:creationId xmlns:p14="http://schemas.microsoft.com/office/powerpoint/2010/main" val="1984517544"/>
       </p:ext>
     </p:extLst>
   </p:cSld>
@@ -7154,9 +5757,67 @@
           <a:chExt cx="0" cy="0"/>
         </a:xfrm>
       </p:grpSpPr>
+      <p:sp>
+        <p:nvSpPr>
+          <p:cNvPr id="2" name="Text Placeholder 1"/>
+          <p:cNvSpPr>
+            <a:spLocks noGrp="1"/>
+          </p:cNvSpPr>
+          <p:nvPr>
+            <p:ph type="body" sz="quarter" idx="10"/>
+          </p:nvPr>
+        </p:nvSpPr>
+        <p:spPr/>
+        <p:txBody>
+          <a:bodyPr/>
+          <a:lstStyle/>
+          <a:p>
+            <a:r>
+              <a:rPr lang="en-US" dirty="0" smtClean="0"/>
+              <a:t>Solving equations of motion numerically </a:t>
+            </a:r>
+            <a:endParaRPr lang="en-US" dirty="0"/>
+          </a:p>
+        </p:txBody>
+      </p:sp>
+      <p:sp>
+        <p:nvSpPr>
+          <p:cNvPr id="4" name="Text Placeholder 3"/>
+          <p:cNvSpPr>
+            <a:spLocks noGrp="1"/>
+          </p:cNvSpPr>
+          <p:nvPr>
+            <p:ph type="body" sz="quarter" idx="12"/>
+          </p:nvPr>
+        </p:nvSpPr>
+        <p:spPr>
+          <a:xfrm>
+            <a:off x="671757" y="1148005"/>
+            <a:ext cx="8184662" cy="411171"/>
+          </a:xfrm>
+          <a:solidFill>
+            <a:schemeClr val="bg2"/>
+          </a:solidFill>
+        </p:spPr>
+        <p:txBody>
+          <a:bodyPr/>
+          <a:lstStyle/>
+          <a:p>
+            <a:r>
+              <a:rPr lang="en-US" dirty="0" smtClean="0"/>
+              <a:t>Velocity </a:t>
+            </a:r>
+            <a:r>
+              <a:rPr lang="en-US" dirty="0" err="1" smtClean="0"/>
+              <a:t>Verlet</a:t>
+            </a:r>
+            <a:endParaRPr lang="en-US" dirty="0"/>
+          </a:p>
+        </p:txBody>
+      </p:sp>
       <p:pic>
         <p:nvPicPr>
-          <p:cNvPr id="5" name="Picture 4"/>
+          <p:cNvPr id="6" name="Picture 5"/>
           <p:cNvPicPr>
             <a:picLocks noChangeAspect="1"/>
           </p:cNvPicPr>
@@ -7176,40 +5837,1389 @@
         </p:blipFill>
         <p:spPr>
           <a:xfrm>
-            <a:off x="1365819" y="1485442"/>
-            <a:ext cx="7221905" cy="5262599"/>
+            <a:off x="530535" y="1545458"/>
+            <a:ext cx="8134595" cy="2114278"/>
           </a:xfrm>
           <a:prstGeom prst="rect">
             <a:avLst/>
           </a:prstGeom>
         </p:spPr>
       </p:pic>
-      <p:sp>
-        <p:nvSpPr>
-          <p:cNvPr id="2" name="Text Placeholder 1"/>
-          <p:cNvSpPr>
-            <a:spLocks noGrp="1"/>
-          </p:cNvSpPr>
-          <p:nvPr>
-            <p:ph type="body" sz="quarter" idx="10"/>
-          </p:nvPr>
-        </p:nvSpPr>
-        <p:spPr/>
-        <p:txBody>
-          <a:bodyPr/>
-          <a:lstStyle/>
-          <a:p>
-            <a:r>
-              <a:rPr lang="en-US" dirty="0" smtClean="0"/>
-              <a:t>Choosing Our Ensemble</a:t>
-            </a:r>
-            <a:endParaRPr lang="en-US" dirty="0"/>
-          </a:p>
-        </p:txBody>
-      </p:sp>
-      <p:sp>
-        <p:nvSpPr>
-          <p:cNvPr id="4" name="Text Placeholder 3"/>
+      <p:pic>
+        <p:nvPicPr>
+          <p:cNvPr id="35" name="Picture 34"/>
+          <p:cNvPicPr>
+            <a:picLocks noChangeAspect="1"/>
+          </p:cNvPicPr>
+          <p:nvPr/>
+        </p:nvPicPr>
+        <p:blipFill>
+          <a:blip r:embed="rId4">
+            <a:extLst>
+              <a:ext uri="{28A0092B-C50C-407E-A947-70E740481C1C}">
+                <a14:useLocalDpi xmlns:a14="http://schemas.microsoft.com/office/drawing/2010/main" val="0"/>
+              </a:ext>
+            </a:extLst>
+          </a:blip>
+          <a:stretch>
+            <a:fillRect/>
+          </a:stretch>
+        </p:blipFill>
+        <p:spPr>
+          <a:xfrm>
+            <a:off x="4077132" y="5930353"/>
+            <a:ext cx="1041400" cy="381000"/>
+          </a:xfrm>
+          <a:prstGeom prst="rect">
+            <a:avLst/>
+          </a:prstGeom>
+        </p:spPr>
+      </p:pic>
+      <p:pic>
+        <p:nvPicPr>
+          <p:cNvPr id="36" name="Picture 35"/>
+          <p:cNvPicPr>
+            <a:picLocks noChangeAspect="1"/>
+          </p:cNvPicPr>
+          <p:nvPr/>
+        </p:nvPicPr>
+        <p:blipFill>
+          <a:blip r:embed="rId5">
+            <a:extLst>
+              <a:ext uri="{28A0092B-C50C-407E-A947-70E740481C1C}">
+                <a14:useLocalDpi xmlns:a14="http://schemas.microsoft.com/office/drawing/2010/main" val="0"/>
+              </a:ext>
+            </a:extLst>
+          </a:blip>
+          <a:stretch>
+            <a:fillRect/>
+          </a:stretch>
+        </p:blipFill>
+        <p:spPr>
+          <a:xfrm>
+            <a:off x="1510056" y="5959425"/>
+            <a:ext cx="431800" cy="330200"/>
+          </a:xfrm>
+          <a:prstGeom prst="rect">
+            <a:avLst/>
+          </a:prstGeom>
+        </p:spPr>
+      </p:pic>
+      <p:pic>
+        <p:nvPicPr>
+          <p:cNvPr id="37" name="Picture 36"/>
+          <p:cNvPicPr>
+            <a:picLocks noChangeAspect="1"/>
+          </p:cNvPicPr>
+          <p:nvPr/>
+        </p:nvPicPr>
+        <p:blipFill>
+          <a:blip r:embed="rId6">
+            <a:extLst>
+              <a:ext uri="{28A0092B-C50C-407E-A947-70E740481C1C}">
+                <a14:useLocalDpi xmlns:a14="http://schemas.microsoft.com/office/drawing/2010/main" val="0"/>
+              </a:ext>
+            </a:extLst>
+          </a:blip>
+          <a:stretch>
+            <a:fillRect/>
+          </a:stretch>
+        </p:blipFill>
+        <p:spPr>
+          <a:xfrm>
+            <a:off x="2108989" y="5937743"/>
+            <a:ext cx="457200" cy="368300"/>
+          </a:xfrm>
+          <a:prstGeom prst="rect">
+            <a:avLst/>
+          </a:prstGeom>
+        </p:spPr>
+      </p:pic>
+      <p:pic>
+        <p:nvPicPr>
+          <p:cNvPr id="38" name="Picture 37"/>
+          <p:cNvPicPr>
+            <a:picLocks noChangeAspect="1"/>
+          </p:cNvPicPr>
+          <p:nvPr/>
+        </p:nvPicPr>
+        <p:blipFill>
+          <a:blip r:embed="rId7">
+            <a:extLst>
+              <a:ext uri="{28A0092B-C50C-407E-A947-70E740481C1C}">
+                <a14:useLocalDpi xmlns:a14="http://schemas.microsoft.com/office/drawing/2010/main" val="0"/>
+              </a:ext>
+            </a:extLst>
+          </a:blip>
+          <a:stretch>
+            <a:fillRect/>
+          </a:stretch>
+        </p:blipFill>
+        <p:spPr>
+          <a:xfrm>
+            <a:off x="2993270" y="5921703"/>
+            <a:ext cx="1028700" cy="393700"/>
+          </a:xfrm>
+          <a:prstGeom prst="rect">
+            <a:avLst/>
+          </a:prstGeom>
+        </p:spPr>
+      </p:pic>
+      <p:pic>
+        <p:nvPicPr>
+          <p:cNvPr id="39" name="Picture 38"/>
+          <p:cNvPicPr>
+            <a:picLocks noChangeAspect="1"/>
+          </p:cNvPicPr>
+          <p:nvPr/>
+        </p:nvPicPr>
+        <p:blipFill>
+          <a:blip r:embed="rId8">
+            <a:extLst>
+              <a:ext uri="{28A0092B-C50C-407E-A947-70E740481C1C}">
+                <a14:useLocalDpi xmlns:a14="http://schemas.microsoft.com/office/drawing/2010/main" val="0"/>
+              </a:ext>
+            </a:extLst>
+          </a:blip>
+          <a:stretch>
+            <a:fillRect/>
+          </a:stretch>
+        </p:blipFill>
+        <p:spPr>
+          <a:xfrm>
+            <a:off x="865156" y="5897544"/>
+            <a:ext cx="495300" cy="368300"/>
+          </a:xfrm>
+          <a:prstGeom prst="rect">
+            <a:avLst/>
+          </a:prstGeom>
+        </p:spPr>
+      </p:pic>
+      <p:sp>
+        <p:nvSpPr>
+          <p:cNvPr id="42" name="Rectangle 41"/>
+          <p:cNvSpPr/>
+          <p:nvPr/>
+        </p:nvSpPr>
+        <p:spPr>
+          <a:xfrm>
+            <a:off x="865156" y="4236342"/>
+            <a:ext cx="1640541" cy="1600200"/>
+          </a:xfrm>
+          <a:prstGeom prst="rect">
+            <a:avLst/>
+          </a:prstGeom>
+          <a:noFill/>
+          <a:effectLst/>
+        </p:spPr>
+        <p:style>
+          <a:lnRef idx="1">
+            <a:schemeClr val="accent1"/>
+          </a:lnRef>
+          <a:fillRef idx="3">
+            <a:schemeClr val="accent1"/>
+          </a:fillRef>
+          <a:effectRef idx="2">
+            <a:schemeClr val="accent1"/>
+          </a:effectRef>
+          <a:fontRef idx="minor">
+            <a:schemeClr val="lt1"/>
+          </a:fontRef>
+        </p:style>
+        <p:txBody>
+          <a:bodyPr rtlCol="0" anchor="ctr"/>
+          <a:lstStyle/>
+          <a:p>
+            <a:pPr algn="ctr"/>
+            <a:endParaRPr lang="en-US"/>
+          </a:p>
+        </p:txBody>
+      </p:sp>
+      <p:sp>
+        <p:nvSpPr>
+          <p:cNvPr id="43" name="Oval 42"/>
+          <p:cNvSpPr/>
+          <p:nvPr/>
+        </p:nvSpPr>
+        <p:spPr>
+          <a:xfrm>
+            <a:off x="1731371" y="4473181"/>
+            <a:ext cx="188258" cy="188259"/>
+          </a:xfrm>
+          <a:prstGeom prst="ellipse">
+            <a:avLst/>
+          </a:prstGeom>
+          <a:solidFill>
+            <a:schemeClr val="tx2"/>
+          </a:solidFill>
+        </p:spPr>
+        <p:style>
+          <a:lnRef idx="1">
+            <a:schemeClr val="accent1"/>
+          </a:lnRef>
+          <a:fillRef idx="3">
+            <a:schemeClr val="accent1"/>
+          </a:fillRef>
+          <a:effectRef idx="2">
+            <a:schemeClr val="accent1"/>
+          </a:effectRef>
+          <a:fontRef idx="minor">
+            <a:schemeClr val="lt1"/>
+          </a:fontRef>
+        </p:style>
+        <p:txBody>
+          <a:bodyPr rtlCol="0" anchor="ctr"/>
+          <a:lstStyle/>
+          <a:p>
+            <a:pPr algn="ctr"/>
+            <a:endParaRPr lang="en-US"/>
+          </a:p>
+        </p:txBody>
+      </p:sp>
+      <p:sp>
+        <p:nvSpPr>
+          <p:cNvPr id="44" name="Oval 43"/>
+          <p:cNvSpPr/>
+          <p:nvPr/>
+        </p:nvSpPr>
+        <p:spPr>
+          <a:xfrm>
+            <a:off x="1118409" y="5303142"/>
+            <a:ext cx="188258" cy="188259"/>
+          </a:xfrm>
+          <a:prstGeom prst="ellipse">
+            <a:avLst/>
+          </a:prstGeom>
+          <a:solidFill>
+            <a:schemeClr val="tx2"/>
+          </a:solidFill>
+        </p:spPr>
+        <p:style>
+          <a:lnRef idx="1">
+            <a:schemeClr val="accent1"/>
+          </a:lnRef>
+          <a:fillRef idx="3">
+            <a:schemeClr val="accent1"/>
+          </a:fillRef>
+          <a:effectRef idx="2">
+            <a:schemeClr val="accent1"/>
+          </a:effectRef>
+          <a:fontRef idx="minor">
+            <a:schemeClr val="lt1"/>
+          </a:fontRef>
+        </p:style>
+        <p:txBody>
+          <a:bodyPr rtlCol="0" anchor="ctr"/>
+          <a:lstStyle/>
+          <a:p>
+            <a:pPr algn="ctr"/>
+            <a:endParaRPr lang="en-US"/>
+          </a:p>
+        </p:txBody>
+      </p:sp>
+      <p:sp>
+        <p:nvSpPr>
+          <p:cNvPr id="45" name="Oval 44"/>
+          <p:cNvSpPr/>
+          <p:nvPr/>
+        </p:nvSpPr>
+        <p:spPr>
+          <a:xfrm>
+            <a:off x="1825500" y="5361411"/>
+            <a:ext cx="188258" cy="188259"/>
+          </a:xfrm>
+          <a:prstGeom prst="ellipse">
+            <a:avLst/>
+          </a:prstGeom>
+          <a:solidFill>
+            <a:schemeClr val="tx2"/>
+          </a:solidFill>
+        </p:spPr>
+        <p:style>
+          <a:lnRef idx="1">
+            <a:schemeClr val="accent1"/>
+          </a:lnRef>
+          <a:fillRef idx="3">
+            <a:schemeClr val="accent1"/>
+          </a:fillRef>
+          <a:effectRef idx="2">
+            <a:schemeClr val="accent1"/>
+          </a:effectRef>
+          <a:fontRef idx="minor">
+            <a:schemeClr val="lt1"/>
+          </a:fontRef>
+        </p:style>
+        <p:txBody>
+          <a:bodyPr rtlCol="0" anchor="ctr"/>
+          <a:lstStyle/>
+          <a:p>
+            <a:pPr algn="ctr"/>
+            <a:endParaRPr lang="en-US"/>
+          </a:p>
+        </p:txBody>
+      </p:sp>
+      <p:sp>
+        <p:nvSpPr>
+          <p:cNvPr id="46" name="Oval 45"/>
+          <p:cNvSpPr/>
+          <p:nvPr/>
+        </p:nvSpPr>
+        <p:spPr>
+          <a:xfrm>
+            <a:off x="2165038" y="4805603"/>
+            <a:ext cx="188258" cy="188259"/>
+          </a:xfrm>
+          <a:prstGeom prst="ellipse">
+            <a:avLst/>
+          </a:prstGeom>
+          <a:solidFill>
+            <a:schemeClr val="tx2"/>
+          </a:solidFill>
+        </p:spPr>
+        <p:style>
+          <a:lnRef idx="1">
+            <a:schemeClr val="accent1"/>
+          </a:lnRef>
+          <a:fillRef idx="3">
+            <a:schemeClr val="accent1"/>
+          </a:fillRef>
+          <a:effectRef idx="2">
+            <a:schemeClr val="accent1"/>
+          </a:effectRef>
+          <a:fontRef idx="minor">
+            <a:schemeClr val="lt1"/>
+          </a:fontRef>
+        </p:style>
+        <p:txBody>
+          <a:bodyPr rtlCol="0" anchor="ctr"/>
+          <a:lstStyle/>
+          <a:p>
+            <a:pPr algn="ctr"/>
+            <a:endParaRPr lang="en-US"/>
+          </a:p>
+        </p:txBody>
+      </p:sp>
+      <p:sp>
+        <p:nvSpPr>
+          <p:cNvPr id="47" name="Oval 46"/>
+          <p:cNvSpPr/>
+          <p:nvPr/>
+        </p:nvSpPr>
+        <p:spPr>
+          <a:xfrm>
+            <a:off x="1502772" y="4969207"/>
+            <a:ext cx="188258" cy="188259"/>
+          </a:xfrm>
+          <a:prstGeom prst="ellipse">
+            <a:avLst/>
+          </a:prstGeom>
+          <a:solidFill>
+            <a:schemeClr val="tx2"/>
+          </a:solidFill>
+        </p:spPr>
+        <p:style>
+          <a:lnRef idx="1">
+            <a:schemeClr val="accent1"/>
+          </a:lnRef>
+          <a:fillRef idx="3">
+            <a:schemeClr val="accent1"/>
+          </a:fillRef>
+          <a:effectRef idx="2">
+            <a:schemeClr val="accent1"/>
+          </a:effectRef>
+          <a:fontRef idx="minor">
+            <a:schemeClr val="lt1"/>
+          </a:fontRef>
+        </p:style>
+        <p:txBody>
+          <a:bodyPr rtlCol="0" anchor="ctr"/>
+          <a:lstStyle/>
+          <a:p>
+            <a:pPr algn="ctr"/>
+            <a:endParaRPr lang="en-US"/>
+          </a:p>
+        </p:txBody>
+      </p:sp>
+      <p:sp>
+        <p:nvSpPr>
+          <p:cNvPr id="48" name="Oval 47"/>
+          <p:cNvSpPr/>
+          <p:nvPr/>
+        </p:nvSpPr>
+        <p:spPr>
+          <a:xfrm>
+            <a:off x="1028763" y="4653203"/>
+            <a:ext cx="188258" cy="188259"/>
+          </a:xfrm>
+          <a:prstGeom prst="ellipse">
+            <a:avLst/>
+          </a:prstGeom>
+          <a:solidFill>
+            <a:schemeClr val="tx2"/>
+          </a:solidFill>
+        </p:spPr>
+        <p:style>
+          <a:lnRef idx="1">
+            <a:schemeClr val="accent1"/>
+          </a:lnRef>
+          <a:fillRef idx="3">
+            <a:schemeClr val="accent1"/>
+          </a:fillRef>
+          <a:effectRef idx="2">
+            <a:schemeClr val="accent1"/>
+          </a:effectRef>
+          <a:fontRef idx="minor">
+            <a:schemeClr val="lt1"/>
+          </a:fontRef>
+        </p:style>
+        <p:txBody>
+          <a:bodyPr rtlCol="0" anchor="ctr"/>
+          <a:lstStyle/>
+          <a:p>
+            <a:pPr algn="ctr"/>
+            <a:endParaRPr lang="en-US"/>
+          </a:p>
+        </p:txBody>
+      </p:sp>
+      <p:sp>
+        <p:nvSpPr>
+          <p:cNvPr id="49" name="Rectangle 48"/>
+          <p:cNvSpPr/>
+          <p:nvPr/>
+        </p:nvSpPr>
+        <p:spPr>
+          <a:xfrm>
+            <a:off x="3192617" y="4236342"/>
+            <a:ext cx="1640541" cy="1600200"/>
+          </a:xfrm>
+          <a:prstGeom prst="rect">
+            <a:avLst/>
+          </a:prstGeom>
+          <a:noFill/>
+          <a:effectLst/>
+        </p:spPr>
+        <p:style>
+          <a:lnRef idx="1">
+            <a:schemeClr val="accent1"/>
+          </a:lnRef>
+          <a:fillRef idx="3">
+            <a:schemeClr val="accent1"/>
+          </a:fillRef>
+          <a:effectRef idx="2">
+            <a:schemeClr val="accent1"/>
+          </a:effectRef>
+          <a:fontRef idx="minor">
+            <a:schemeClr val="lt1"/>
+          </a:fontRef>
+        </p:style>
+        <p:txBody>
+          <a:bodyPr rtlCol="0" anchor="ctr"/>
+          <a:lstStyle/>
+          <a:p>
+            <a:pPr algn="ctr"/>
+            <a:endParaRPr lang="en-US"/>
+          </a:p>
+        </p:txBody>
+      </p:sp>
+      <p:sp>
+        <p:nvSpPr>
+          <p:cNvPr id="50" name="Oval 49"/>
+          <p:cNvSpPr/>
+          <p:nvPr/>
+        </p:nvSpPr>
+        <p:spPr>
+          <a:xfrm>
+            <a:off x="3657655" y="4563175"/>
+            <a:ext cx="188258" cy="188259"/>
+          </a:xfrm>
+          <a:prstGeom prst="ellipse">
+            <a:avLst/>
+          </a:prstGeom>
+          <a:solidFill>
+            <a:schemeClr val="tx2"/>
+          </a:solidFill>
+        </p:spPr>
+        <p:style>
+          <a:lnRef idx="1">
+            <a:schemeClr val="accent1"/>
+          </a:lnRef>
+          <a:fillRef idx="3">
+            <a:schemeClr val="accent1"/>
+          </a:fillRef>
+          <a:effectRef idx="2">
+            <a:schemeClr val="accent1"/>
+          </a:effectRef>
+          <a:fontRef idx="minor">
+            <a:schemeClr val="lt1"/>
+          </a:fontRef>
+        </p:style>
+        <p:txBody>
+          <a:bodyPr rtlCol="0" anchor="ctr"/>
+          <a:lstStyle/>
+          <a:p>
+            <a:pPr algn="ctr"/>
+            <a:endParaRPr lang="en-US"/>
+          </a:p>
+        </p:txBody>
+      </p:sp>
+      <p:sp>
+        <p:nvSpPr>
+          <p:cNvPr id="51" name="Oval 50"/>
+          <p:cNvSpPr/>
+          <p:nvPr/>
+        </p:nvSpPr>
+        <p:spPr>
+          <a:xfrm>
+            <a:off x="3739460" y="5462983"/>
+            <a:ext cx="188258" cy="188259"/>
+          </a:xfrm>
+          <a:prstGeom prst="ellipse">
+            <a:avLst/>
+          </a:prstGeom>
+          <a:solidFill>
+            <a:schemeClr val="tx2"/>
+          </a:solidFill>
+        </p:spPr>
+        <p:style>
+          <a:lnRef idx="1">
+            <a:schemeClr val="accent1"/>
+          </a:lnRef>
+          <a:fillRef idx="3">
+            <a:schemeClr val="accent1"/>
+          </a:fillRef>
+          <a:effectRef idx="2">
+            <a:schemeClr val="accent1"/>
+          </a:effectRef>
+          <a:fontRef idx="minor">
+            <a:schemeClr val="lt1"/>
+          </a:fontRef>
+        </p:style>
+        <p:txBody>
+          <a:bodyPr rtlCol="0" anchor="ctr"/>
+          <a:lstStyle/>
+          <a:p>
+            <a:pPr algn="ctr"/>
+            <a:endParaRPr lang="en-US"/>
+          </a:p>
+        </p:txBody>
+      </p:sp>
+      <p:sp>
+        <p:nvSpPr>
+          <p:cNvPr id="52" name="Oval 51"/>
+          <p:cNvSpPr/>
+          <p:nvPr/>
+        </p:nvSpPr>
+        <p:spPr>
+          <a:xfrm>
+            <a:off x="4258295" y="4351351"/>
+            <a:ext cx="188258" cy="188259"/>
+          </a:xfrm>
+          <a:prstGeom prst="ellipse">
+            <a:avLst/>
+          </a:prstGeom>
+          <a:solidFill>
+            <a:schemeClr val="tx2"/>
+          </a:solidFill>
+        </p:spPr>
+        <p:style>
+          <a:lnRef idx="1">
+            <a:schemeClr val="accent1"/>
+          </a:lnRef>
+          <a:fillRef idx="3">
+            <a:schemeClr val="accent1"/>
+          </a:fillRef>
+          <a:effectRef idx="2">
+            <a:schemeClr val="accent1"/>
+          </a:effectRef>
+          <a:fontRef idx="minor">
+            <a:schemeClr val="lt1"/>
+          </a:fontRef>
+        </p:style>
+        <p:txBody>
+          <a:bodyPr rtlCol="0" anchor="ctr"/>
+          <a:lstStyle/>
+          <a:p>
+            <a:pPr algn="ctr"/>
+            <a:endParaRPr lang="en-US"/>
+          </a:p>
+        </p:txBody>
+      </p:sp>
+      <p:sp>
+        <p:nvSpPr>
+          <p:cNvPr id="53" name="Oval 52"/>
+          <p:cNvSpPr/>
+          <p:nvPr/>
+        </p:nvSpPr>
+        <p:spPr>
+          <a:xfrm>
+            <a:off x="4445431" y="5274724"/>
+            <a:ext cx="188258" cy="188259"/>
+          </a:xfrm>
+          <a:prstGeom prst="ellipse">
+            <a:avLst/>
+          </a:prstGeom>
+          <a:solidFill>
+            <a:schemeClr val="tx2"/>
+          </a:solidFill>
+        </p:spPr>
+        <p:style>
+          <a:lnRef idx="1">
+            <a:schemeClr val="accent1"/>
+          </a:lnRef>
+          <a:fillRef idx="3">
+            <a:schemeClr val="accent1"/>
+          </a:fillRef>
+          <a:effectRef idx="2">
+            <a:schemeClr val="accent1"/>
+          </a:effectRef>
+          <a:fontRef idx="minor">
+            <a:schemeClr val="lt1"/>
+          </a:fontRef>
+        </p:style>
+        <p:txBody>
+          <a:bodyPr rtlCol="0" anchor="ctr"/>
+          <a:lstStyle/>
+          <a:p>
+            <a:pPr algn="ctr"/>
+            <a:endParaRPr lang="en-US"/>
+          </a:p>
+        </p:txBody>
+      </p:sp>
+      <p:sp>
+        <p:nvSpPr>
+          <p:cNvPr id="54" name="Oval 53"/>
+          <p:cNvSpPr/>
+          <p:nvPr/>
+        </p:nvSpPr>
+        <p:spPr>
+          <a:xfrm>
+            <a:off x="4140632" y="4899732"/>
+            <a:ext cx="188258" cy="188259"/>
+          </a:xfrm>
+          <a:prstGeom prst="ellipse">
+            <a:avLst/>
+          </a:prstGeom>
+          <a:solidFill>
+            <a:schemeClr val="tx2"/>
+          </a:solidFill>
+        </p:spPr>
+        <p:style>
+          <a:lnRef idx="1">
+            <a:schemeClr val="accent1"/>
+          </a:lnRef>
+          <a:fillRef idx="3">
+            <a:schemeClr val="accent1"/>
+          </a:fillRef>
+          <a:effectRef idx="2">
+            <a:schemeClr val="accent1"/>
+          </a:effectRef>
+          <a:fontRef idx="minor">
+            <a:schemeClr val="lt1"/>
+          </a:fontRef>
+        </p:style>
+        <p:txBody>
+          <a:bodyPr rtlCol="0" anchor="ctr"/>
+          <a:lstStyle/>
+          <a:p>
+            <a:pPr algn="ctr"/>
+            <a:endParaRPr lang="en-US"/>
+          </a:p>
+        </p:txBody>
+      </p:sp>
+      <p:sp>
+        <p:nvSpPr>
+          <p:cNvPr id="55" name="Oval 54"/>
+          <p:cNvSpPr/>
+          <p:nvPr/>
+        </p:nvSpPr>
+        <p:spPr>
+          <a:xfrm>
+            <a:off x="3439708" y="5042030"/>
+            <a:ext cx="188258" cy="188259"/>
+          </a:xfrm>
+          <a:prstGeom prst="ellipse">
+            <a:avLst/>
+          </a:prstGeom>
+          <a:solidFill>
+            <a:schemeClr val="tx2"/>
+          </a:solidFill>
+        </p:spPr>
+        <p:style>
+          <a:lnRef idx="1">
+            <a:schemeClr val="accent1"/>
+          </a:lnRef>
+          <a:fillRef idx="3">
+            <a:schemeClr val="accent1"/>
+          </a:fillRef>
+          <a:effectRef idx="2">
+            <a:schemeClr val="accent1"/>
+          </a:effectRef>
+          <a:fontRef idx="minor">
+            <a:schemeClr val="lt1"/>
+          </a:fontRef>
+        </p:style>
+        <p:txBody>
+          <a:bodyPr rtlCol="0" anchor="ctr"/>
+          <a:lstStyle/>
+          <a:p>
+            <a:pPr algn="ctr"/>
+            <a:endParaRPr lang="en-US"/>
+          </a:p>
+        </p:txBody>
+      </p:sp>
+      <p:sp>
+        <p:nvSpPr>
+          <p:cNvPr id="56" name="Rectangle 55"/>
+          <p:cNvSpPr/>
+          <p:nvPr/>
+        </p:nvSpPr>
+        <p:spPr>
+          <a:xfrm>
+            <a:off x="5520078" y="4236342"/>
+            <a:ext cx="1640541" cy="1600200"/>
+          </a:xfrm>
+          <a:prstGeom prst="rect">
+            <a:avLst/>
+          </a:prstGeom>
+          <a:noFill/>
+        </p:spPr>
+        <p:style>
+          <a:lnRef idx="1">
+            <a:schemeClr val="accent1"/>
+          </a:lnRef>
+          <a:fillRef idx="3">
+            <a:schemeClr val="accent1"/>
+          </a:fillRef>
+          <a:effectRef idx="2">
+            <a:schemeClr val="accent1"/>
+          </a:effectRef>
+          <a:fontRef idx="minor">
+            <a:schemeClr val="lt1"/>
+          </a:fontRef>
+        </p:style>
+        <p:txBody>
+          <a:bodyPr rtlCol="0" anchor="ctr"/>
+          <a:lstStyle/>
+          <a:p>
+            <a:pPr algn="ctr"/>
+            <a:endParaRPr lang="en-US"/>
+          </a:p>
+        </p:txBody>
+      </p:sp>
+      <p:sp>
+        <p:nvSpPr>
+          <p:cNvPr id="57" name="Oval 56"/>
+          <p:cNvSpPr/>
+          <p:nvPr/>
+        </p:nvSpPr>
+        <p:spPr>
+          <a:xfrm>
+            <a:off x="6184026" y="4565779"/>
+            <a:ext cx="188258" cy="188259"/>
+          </a:xfrm>
+          <a:prstGeom prst="ellipse">
+            <a:avLst/>
+          </a:prstGeom>
+          <a:solidFill>
+            <a:schemeClr val="tx2"/>
+          </a:solidFill>
+        </p:spPr>
+        <p:style>
+          <a:lnRef idx="1">
+            <a:schemeClr val="accent1"/>
+          </a:lnRef>
+          <a:fillRef idx="3">
+            <a:schemeClr val="accent1"/>
+          </a:fillRef>
+          <a:effectRef idx="2">
+            <a:schemeClr val="accent1"/>
+          </a:effectRef>
+          <a:fontRef idx="minor">
+            <a:schemeClr val="lt1"/>
+          </a:fontRef>
+        </p:style>
+        <p:txBody>
+          <a:bodyPr rtlCol="0" anchor="ctr"/>
+          <a:lstStyle/>
+          <a:p>
+            <a:pPr algn="ctr"/>
+            <a:endParaRPr lang="en-US"/>
+          </a:p>
+        </p:txBody>
+      </p:sp>
+      <p:sp>
+        <p:nvSpPr>
+          <p:cNvPr id="58" name="Oval 57"/>
+          <p:cNvSpPr/>
+          <p:nvPr/>
+        </p:nvSpPr>
+        <p:spPr>
+          <a:xfrm>
+            <a:off x="6088208" y="5209012"/>
+            <a:ext cx="188258" cy="188259"/>
+          </a:xfrm>
+          <a:prstGeom prst="ellipse">
+            <a:avLst/>
+          </a:prstGeom>
+          <a:solidFill>
+            <a:schemeClr val="tx2"/>
+          </a:solidFill>
+        </p:spPr>
+        <p:style>
+          <a:lnRef idx="1">
+            <a:schemeClr val="accent1"/>
+          </a:lnRef>
+          <a:fillRef idx="3">
+            <a:schemeClr val="accent1"/>
+          </a:fillRef>
+          <a:effectRef idx="2">
+            <a:schemeClr val="accent1"/>
+          </a:effectRef>
+          <a:fontRef idx="minor">
+            <a:schemeClr val="lt1"/>
+          </a:fontRef>
+        </p:style>
+        <p:txBody>
+          <a:bodyPr rtlCol="0" anchor="ctr"/>
+          <a:lstStyle/>
+          <a:p>
+            <a:pPr algn="ctr"/>
+            <a:endParaRPr lang="en-US"/>
+          </a:p>
+        </p:txBody>
+      </p:sp>
+      <p:sp>
+        <p:nvSpPr>
+          <p:cNvPr id="59" name="Oval 58"/>
+          <p:cNvSpPr/>
+          <p:nvPr/>
+        </p:nvSpPr>
+        <p:spPr>
+          <a:xfrm>
+            <a:off x="6614891" y="4398395"/>
+            <a:ext cx="188258" cy="188259"/>
+          </a:xfrm>
+          <a:prstGeom prst="ellipse">
+            <a:avLst/>
+          </a:prstGeom>
+          <a:solidFill>
+            <a:schemeClr val="tx2"/>
+          </a:solidFill>
+        </p:spPr>
+        <p:style>
+          <a:lnRef idx="1">
+            <a:schemeClr val="accent1"/>
+          </a:lnRef>
+          <a:fillRef idx="3">
+            <a:schemeClr val="accent1"/>
+          </a:fillRef>
+          <a:effectRef idx="2">
+            <a:schemeClr val="accent1"/>
+          </a:effectRef>
+          <a:fontRef idx="minor">
+            <a:schemeClr val="lt1"/>
+          </a:fontRef>
+        </p:style>
+        <p:txBody>
+          <a:bodyPr rtlCol="0" anchor="ctr"/>
+          <a:lstStyle/>
+          <a:p>
+            <a:pPr algn="ctr"/>
+            <a:endParaRPr lang="en-US"/>
+          </a:p>
+        </p:txBody>
+      </p:sp>
+      <p:sp>
+        <p:nvSpPr>
+          <p:cNvPr id="60" name="Oval 59"/>
+          <p:cNvSpPr/>
+          <p:nvPr/>
+        </p:nvSpPr>
+        <p:spPr>
+          <a:xfrm>
+            <a:off x="6766171" y="5063336"/>
+            <a:ext cx="188258" cy="188259"/>
+          </a:xfrm>
+          <a:prstGeom prst="ellipse">
+            <a:avLst/>
+          </a:prstGeom>
+          <a:solidFill>
+            <a:schemeClr val="tx2"/>
+          </a:solidFill>
+        </p:spPr>
+        <p:style>
+          <a:lnRef idx="1">
+            <a:schemeClr val="accent1"/>
+          </a:lnRef>
+          <a:fillRef idx="3">
+            <a:schemeClr val="accent1"/>
+          </a:fillRef>
+          <a:effectRef idx="2">
+            <a:schemeClr val="accent1"/>
+          </a:effectRef>
+          <a:fontRef idx="minor">
+            <a:schemeClr val="lt1"/>
+          </a:fontRef>
+        </p:style>
+        <p:txBody>
+          <a:bodyPr rtlCol="0" anchor="ctr"/>
+          <a:lstStyle/>
+          <a:p>
+            <a:pPr algn="ctr"/>
+            <a:endParaRPr lang="en-US"/>
+          </a:p>
+        </p:txBody>
+      </p:sp>
+      <p:sp>
+        <p:nvSpPr>
+          <p:cNvPr id="61" name="Oval 60"/>
+          <p:cNvSpPr/>
+          <p:nvPr/>
+        </p:nvSpPr>
+        <p:spPr>
+          <a:xfrm>
+            <a:off x="6506194" y="5557112"/>
+            <a:ext cx="188258" cy="188259"/>
+          </a:xfrm>
+          <a:prstGeom prst="ellipse">
+            <a:avLst/>
+          </a:prstGeom>
+          <a:solidFill>
+            <a:schemeClr val="tx2"/>
+          </a:solidFill>
+        </p:spPr>
+        <p:style>
+          <a:lnRef idx="1">
+            <a:schemeClr val="accent1"/>
+          </a:lnRef>
+          <a:fillRef idx="3">
+            <a:schemeClr val="accent1"/>
+          </a:fillRef>
+          <a:effectRef idx="2">
+            <a:schemeClr val="accent1"/>
+          </a:effectRef>
+          <a:fontRef idx="minor">
+            <a:schemeClr val="lt1"/>
+          </a:fontRef>
+        </p:style>
+        <p:txBody>
+          <a:bodyPr rtlCol="0" anchor="ctr"/>
+          <a:lstStyle/>
+          <a:p>
+            <a:pPr algn="ctr"/>
+            <a:endParaRPr lang="en-US"/>
+          </a:p>
+        </p:txBody>
+      </p:sp>
+      <p:sp>
+        <p:nvSpPr>
+          <p:cNvPr id="62" name="Oval 61"/>
+          <p:cNvSpPr/>
+          <p:nvPr/>
+        </p:nvSpPr>
+        <p:spPr>
+          <a:xfrm>
+            <a:off x="5643342" y="4901971"/>
+            <a:ext cx="188258" cy="188259"/>
+          </a:xfrm>
+          <a:prstGeom prst="ellipse">
+            <a:avLst/>
+          </a:prstGeom>
+          <a:solidFill>
+            <a:schemeClr val="tx2"/>
+          </a:solidFill>
+        </p:spPr>
+        <p:style>
+          <a:lnRef idx="1">
+            <a:schemeClr val="accent1"/>
+          </a:lnRef>
+          <a:fillRef idx="3">
+            <a:schemeClr val="accent1"/>
+          </a:fillRef>
+          <a:effectRef idx="2">
+            <a:schemeClr val="accent1"/>
+          </a:effectRef>
+          <a:fontRef idx="minor">
+            <a:schemeClr val="lt1"/>
+          </a:fontRef>
+        </p:style>
+        <p:txBody>
+          <a:bodyPr rtlCol="0" anchor="ctr"/>
+          <a:lstStyle/>
+          <a:p>
+            <a:pPr algn="ctr"/>
+            <a:endParaRPr lang="en-US"/>
+          </a:p>
+        </p:txBody>
+      </p:sp>
+      <p:cxnSp>
+        <p:nvCxnSpPr>
+          <p:cNvPr id="63" name="Straight Arrow Connector 62"/>
+          <p:cNvCxnSpPr/>
+          <p:nvPr/>
+        </p:nvCxnSpPr>
+        <p:spPr>
+          <a:xfrm>
+            <a:off x="4338978" y="4969208"/>
+            <a:ext cx="258855" cy="24653"/>
+          </a:xfrm>
+          <a:prstGeom prst="straightConnector1">
+            <a:avLst/>
+          </a:prstGeom>
+          <a:ln>
+            <a:tailEnd type="triangle"/>
+          </a:ln>
+        </p:spPr>
+        <p:style>
+          <a:lnRef idx="2">
+            <a:schemeClr val="accent1"/>
+          </a:lnRef>
+          <a:fillRef idx="0">
+            <a:schemeClr val="accent1"/>
+          </a:fillRef>
+          <a:effectRef idx="1">
+            <a:schemeClr val="accent1"/>
+          </a:effectRef>
+          <a:fontRef idx="minor">
+            <a:schemeClr val="tx1"/>
+          </a:fontRef>
+        </p:style>
+      </p:cxnSp>
+      <p:cxnSp>
+        <p:nvCxnSpPr>
+          <p:cNvPr id="64" name="Straight Arrow Connector 63"/>
+          <p:cNvCxnSpPr/>
+          <p:nvPr/>
+        </p:nvCxnSpPr>
+        <p:spPr>
+          <a:xfrm>
+            <a:off x="1136339" y="4803758"/>
+            <a:ext cx="3362" cy="286472"/>
+          </a:xfrm>
+          <a:prstGeom prst="straightConnector1">
+            <a:avLst/>
+          </a:prstGeom>
+          <a:ln>
+            <a:tailEnd type="triangle"/>
+          </a:ln>
+        </p:spPr>
+        <p:style>
+          <a:lnRef idx="2">
+            <a:schemeClr val="accent1"/>
+          </a:lnRef>
+          <a:fillRef idx="0">
+            <a:schemeClr val="accent1"/>
+          </a:fillRef>
+          <a:effectRef idx="1">
+            <a:schemeClr val="accent1"/>
+          </a:effectRef>
+          <a:fontRef idx="minor">
+            <a:schemeClr val="tx1"/>
+          </a:fontRef>
+        </p:style>
+      </p:cxnSp>
+      <p:cxnSp>
+        <p:nvCxnSpPr>
+          <p:cNvPr id="65" name="Straight Arrow Connector 64"/>
+          <p:cNvCxnSpPr>
+            <a:stCxn id="53" idx="3"/>
+          </p:cNvCxnSpPr>
+          <p:nvPr/>
+        </p:nvCxnSpPr>
+        <p:spPr>
+          <a:xfrm flipH="1">
+            <a:off x="1578971" y="4633870"/>
+            <a:ext cx="179970" cy="113323"/>
+          </a:xfrm>
+          <a:prstGeom prst="straightConnector1">
+            <a:avLst/>
+          </a:prstGeom>
+          <a:ln>
+            <a:tailEnd type="triangle"/>
+          </a:ln>
+        </p:spPr>
+        <p:style>
+          <a:lnRef idx="2">
+            <a:schemeClr val="accent1"/>
+          </a:lnRef>
+          <a:fillRef idx="0">
+            <a:schemeClr val="accent1"/>
+          </a:fillRef>
+          <a:effectRef idx="1">
+            <a:schemeClr val="accent1"/>
+          </a:effectRef>
+          <a:fontRef idx="minor">
+            <a:schemeClr val="tx1"/>
+          </a:fontRef>
+        </p:style>
+      </p:cxnSp>
+      <p:cxnSp>
+        <p:nvCxnSpPr>
+          <p:cNvPr id="66" name="Straight Arrow Connector 65"/>
+          <p:cNvCxnSpPr/>
+          <p:nvPr/>
+        </p:nvCxnSpPr>
+        <p:spPr>
+          <a:xfrm flipH="1">
+            <a:off x="1807570" y="5560869"/>
+            <a:ext cx="82922" cy="175544"/>
+          </a:xfrm>
+          <a:prstGeom prst="straightConnector1">
+            <a:avLst/>
+          </a:prstGeom>
+          <a:ln>
+            <a:tailEnd type="triangle"/>
+          </a:ln>
+        </p:spPr>
+        <p:style>
+          <a:lnRef idx="2">
+            <a:schemeClr val="accent1"/>
+          </a:lnRef>
+          <a:fillRef idx="0">
+            <a:schemeClr val="accent1"/>
+          </a:fillRef>
+          <a:effectRef idx="1">
+            <a:schemeClr val="accent1"/>
+          </a:effectRef>
+          <a:fontRef idx="minor">
+            <a:schemeClr val="tx1"/>
+          </a:fontRef>
+        </p:style>
+      </p:cxnSp>
+      <p:cxnSp>
+        <p:nvCxnSpPr>
+          <p:cNvPr id="67" name="Straight Arrow Connector 66"/>
+          <p:cNvCxnSpPr/>
+          <p:nvPr/>
+        </p:nvCxnSpPr>
+        <p:spPr>
+          <a:xfrm flipH="1">
+            <a:off x="2161676" y="4996848"/>
+            <a:ext cx="82922" cy="175544"/>
+          </a:xfrm>
+          <a:prstGeom prst="straightConnector1">
+            <a:avLst/>
+          </a:prstGeom>
+          <a:ln>
+            <a:tailEnd type="triangle"/>
+          </a:ln>
+        </p:spPr>
+        <p:style>
+          <a:lnRef idx="2">
+            <a:schemeClr val="accent1"/>
+          </a:lnRef>
+          <a:fillRef idx="0">
+            <a:schemeClr val="accent1"/>
+          </a:fillRef>
+          <a:effectRef idx="1">
+            <a:schemeClr val="accent1"/>
+          </a:effectRef>
+          <a:fontRef idx="minor">
+            <a:schemeClr val="tx1"/>
+          </a:fontRef>
+        </p:style>
+      </p:cxnSp>
+      <p:cxnSp>
+        <p:nvCxnSpPr>
+          <p:cNvPr id="68" name="Straight Arrow Connector 67"/>
+          <p:cNvCxnSpPr/>
+          <p:nvPr/>
+        </p:nvCxnSpPr>
+        <p:spPr>
+          <a:xfrm>
+            <a:off x="1267442" y="5494387"/>
+            <a:ext cx="217400" cy="154254"/>
+          </a:xfrm>
+          <a:prstGeom prst="straightConnector1">
+            <a:avLst/>
+          </a:prstGeom>
+          <a:ln>
+            <a:tailEnd type="triangle"/>
+          </a:ln>
+        </p:spPr>
+        <p:style>
+          <a:lnRef idx="2">
+            <a:schemeClr val="accent1"/>
+          </a:lnRef>
+          <a:fillRef idx="0">
+            <a:schemeClr val="accent1"/>
+          </a:fillRef>
+          <a:effectRef idx="1">
+            <a:schemeClr val="accent1"/>
+          </a:effectRef>
+          <a:fontRef idx="minor">
+            <a:schemeClr val="tx1"/>
+          </a:fontRef>
+        </p:style>
+      </p:cxnSp>
+      <p:cxnSp>
+        <p:nvCxnSpPr>
+          <p:cNvPr id="69" name="Straight Arrow Connector 68"/>
+          <p:cNvCxnSpPr/>
+          <p:nvPr/>
+        </p:nvCxnSpPr>
+        <p:spPr>
+          <a:xfrm flipH="1">
+            <a:off x="4437592" y="5491401"/>
+            <a:ext cx="82922" cy="175544"/>
+          </a:xfrm>
+          <a:prstGeom prst="straightConnector1">
+            <a:avLst/>
+          </a:prstGeom>
+          <a:ln>
+            <a:tailEnd type="triangle"/>
+          </a:ln>
+        </p:spPr>
+        <p:style>
+          <a:lnRef idx="2">
+            <a:schemeClr val="accent1"/>
+          </a:lnRef>
+          <a:fillRef idx="0">
+            <a:schemeClr val="accent1"/>
+          </a:fillRef>
+          <a:effectRef idx="1">
+            <a:schemeClr val="accent1"/>
+          </a:effectRef>
+          <a:fontRef idx="minor">
+            <a:schemeClr val="tx1"/>
+          </a:fontRef>
+        </p:style>
+      </p:cxnSp>
+      <p:cxnSp>
+        <p:nvCxnSpPr>
+          <p:cNvPr id="70" name="Straight Arrow Connector 69"/>
+          <p:cNvCxnSpPr/>
+          <p:nvPr/>
+        </p:nvCxnSpPr>
+        <p:spPr>
+          <a:xfrm>
+            <a:off x="1641722" y="5083133"/>
+            <a:ext cx="258855" cy="24653"/>
+          </a:xfrm>
+          <a:prstGeom prst="straightConnector1">
+            <a:avLst/>
+          </a:prstGeom>
+          <a:ln>
+            <a:tailEnd type="triangle"/>
+          </a:ln>
+        </p:spPr>
+        <p:style>
+          <a:lnRef idx="2">
+            <a:schemeClr val="accent1"/>
+          </a:lnRef>
+          <a:fillRef idx="0">
+            <a:schemeClr val="accent1"/>
+          </a:fillRef>
+          <a:effectRef idx="1">
+            <a:schemeClr val="accent1"/>
+          </a:effectRef>
+          <a:fontRef idx="minor">
+            <a:schemeClr val="tx1"/>
+          </a:fontRef>
+        </p:style>
+      </p:cxnSp>
+      <p:cxnSp>
+        <p:nvCxnSpPr>
+          <p:cNvPr id="71" name="Straight Arrow Connector 70"/>
+          <p:cNvCxnSpPr/>
+          <p:nvPr/>
+        </p:nvCxnSpPr>
+        <p:spPr>
+          <a:xfrm flipH="1" flipV="1">
+            <a:off x="3833589" y="5303141"/>
+            <a:ext cx="42581" cy="263705"/>
+          </a:xfrm>
+          <a:prstGeom prst="straightConnector1">
+            <a:avLst/>
+          </a:prstGeom>
+          <a:ln>
+            <a:tailEnd type="triangle"/>
+          </a:ln>
+        </p:spPr>
+        <p:style>
+          <a:lnRef idx="2">
+            <a:schemeClr val="accent1"/>
+          </a:lnRef>
+          <a:fillRef idx="0">
+            <a:schemeClr val="accent1"/>
+          </a:fillRef>
+          <a:effectRef idx="1">
+            <a:schemeClr val="accent1"/>
+          </a:effectRef>
+          <a:fontRef idx="minor">
+            <a:schemeClr val="tx1"/>
+          </a:fontRef>
+        </p:style>
+      </p:cxnSp>
+      <p:cxnSp>
+        <p:nvCxnSpPr>
+          <p:cNvPr id="72" name="Straight Arrow Connector 71"/>
+          <p:cNvCxnSpPr/>
+          <p:nvPr/>
+        </p:nvCxnSpPr>
+        <p:spPr>
+          <a:xfrm flipH="1" flipV="1">
+            <a:off x="3345018" y="4993861"/>
+            <a:ext cx="199461" cy="145653"/>
+          </a:xfrm>
+          <a:prstGeom prst="straightConnector1">
+            <a:avLst/>
+          </a:prstGeom>
+          <a:ln>
+            <a:tailEnd type="triangle"/>
+          </a:ln>
+        </p:spPr>
+        <p:style>
+          <a:lnRef idx="2">
+            <a:schemeClr val="accent1"/>
+          </a:lnRef>
+          <a:fillRef idx="0">
+            <a:schemeClr val="accent1"/>
+          </a:fillRef>
+          <a:effectRef idx="1">
+            <a:schemeClr val="accent1"/>
+          </a:effectRef>
+          <a:fontRef idx="minor">
+            <a:schemeClr val="tx1"/>
+          </a:fontRef>
+        </p:style>
+      </p:cxnSp>
+      <p:cxnSp>
+        <p:nvCxnSpPr>
+          <p:cNvPr id="73" name="Straight Arrow Connector 72"/>
+          <p:cNvCxnSpPr/>
+          <p:nvPr/>
+        </p:nvCxnSpPr>
+        <p:spPr>
+          <a:xfrm flipV="1">
+            <a:off x="3696880" y="4586654"/>
+            <a:ext cx="291910" cy="100146"/>
+          </a:xfrm>
+          <a:prstGeom prst="straightConnector1">
+            <a:avLst/>
+          </a:prstGeom>
+          <a:ln>
+            <a:tailEnd type="triangle"/>
+          </a:ln>
+        </p:spPr>
+        <p:style>
+          <a:lnRef idx="2">
+            <a:schemeClr val="accent1"/>
+          </a:lnRef>
+          <a:fillRef idx="0">
+            <a:schemeClr val="accent1"/>
+          </a:fillRef>
+          <a:effectRef idx="1">
+            <a:schemeClr val="accent1"/>
+          </a:effectRef>
+          <a:fontRef idx="minor">
+            <a:schemeClr val="tx1"/>
+          </a:fontRef>
+        </p:style>
+      </p:cxnSp>
+      <p:sp>
+        <p:nvSpPr>
+          <p:cNvPr id="74" name="Text Placeholder 3"/>
           <p:cNvSpPr>
             <a:spLocks noGrp="1"/>
           </p:cNvSpPr>
@@ -7219,8 +7229,8 @@
         </p:nvSpPr>
         <p:spPr>
           <a:xfrm>
-            <a:off x="3264490" y="1157922"/>
-            <a:ext cx="2372385" cy="411171"/>
+            <a:off x="2629547" y="4722740"/>
+            <a:ext cx="517124" cy="411171"/>
           </a:xfrm>
         </p:spPr>
         <p:txBody>
@@ -7229,7 +7239,7 @@
           <a:p>
             <a:r>
               <a:rPr lang="en-US" dirty="0" smtClean="0"/>
-              <a:t>MD Algorithm</a:t>
+              <a:t>𝛅t</a:t>
             </a:r>
             <a:endParaRPr lang="en-US" dirty="0"/>
           </a:p>
@@ -7237,72 +7247,53 @@
       </p:sp>
       <p:sp>
         <p:nvSpPr>
-          <p:cNvPr id="6" name="Rectangle 5"/>
+          <p:cNvPr id="75" name="Text Placeholder 3"/>
+          <p:cNvSpPr>
+            <a:spLocks noGrp="1"/>
+          </p:cNvSpPr>
+          <p:nvPr>
+            <p:ph type="body" sz="quarter" idx="12"/>
+          </p:nvPr>
+        </p:nvSpPr>
+        <p:spPr>
+          <a:xfrm>
+            <a:off x="4930641" y="4741408"/>
+            <a:ext cx="517124" cy="411171"/>
+          </a:xfrm>
+        </p:spPr>
+        <p:txBody>
+          <a:bodyPr/>
+          <a:lstStyle/>
+          <a:p>
+            <a:r>
+              <a:rPr lang="en-US" dirty="0"/>
+              <a:t>𝛅</a:t>
+            </a:r>
+            <a:r>
+              <a:rPr lang="en-US" dirty="0" smtClean="0"/>
+              <a:t>t</a:t>
+            </a:r>
+            <a:endParaRPr lang="en-US" dirty="0"/>
+          </a:p>
+        </p:txBody>
+      </p:sp>
+      <p:sp>
+        <p:nvSpPr>
+          <p:cNvPr id="76" name="Rectangle 75"/>
           <p:cNvSpPr/>
           <p:nvPr/>
         </p:nvSpPr>
         <p:spPr>
           <a:xfrm>
-            <a:off x="8587723" y="6296628"/>
-            <a:ext cx="396019" cy="451413"/>
-          </a:xfrm>
-          <a:prstGeom prst="rect">
-            <a:avLst/>
-          </a:prstGeom>
-          <a:solidFill>
-            <a:schemeClr val="bg2"/>
-          </a:solidFill>
-          <a:ln>
-            <a:noFill/>
-          </a:ln>
-          <a:effectLst/>
-        </p:spPr>
-        <p:style>
-          <a:lnRef idx="1">
-            <a:schemeClr val="accent1"/>
-          </a:lnRef>
-          <a:fillRef idx="3">
-            <a:schemeClr val="accent1"/>
-          </a:fillRef>
-          <a:effectRef idx="2">
-            <a:schemeClr val="accent1"/>
-          </a:effectRef>
-          <a:fontRef idx="minor">
-            <a:schemeClr val="lt1"/>
-          </a:fontRef>
-        </p:style>
-        <p:txBody>
-          <a:bodyPr rtlCol="0" anchor="ctr"/>
-          <a:lstStyle/>
-          <a:p>
-            <a:pPr algn="ctr"/>
-            <a:endParaRPr lang="en-US">
-              <a:solidFill>
-                <a:schemeClr val="accent4">
-                  <a:lumMod val="10000"/>
-                </a:schemeClr>
-              </a:solidFill>
-            </a:endParaRPr>
-          </a:p>
-        </p:txBody>
-      </p:sp>
-      <p:sp>
-        <p:nvSpPr>
-          <p:cNvPr id="3" name="Rectangle 2"/>
-          <p:cNvSpPr/>
-          <p:nvPr/>
-        </p:nvSpPr>
-        <p:spPr>
-          <a:xfrm>
-            <a:off x="1365819" y="1569093"/>
-            <a:ext cx="5648439" cy="2620942"/>
+            <a:off x="4930641" y="4039989"/>
+            <a:ext cx="3099454" cy="1857555"/>
           </a:xfrm>
           <a:prstGeom prst="rect">
             <a:avLst/>
           </a:prstGeom>
           <a:solidFill>
             <a:schemeClr val="bg2">
-              <a:alpha val="76000"/>
+              <a:alpha val="65000"/>
             </a:schemeClr>
           </a:solidFill>
           <a:ln>
@@ -7335,102 +7326,100 @@
       </p:sp>
       <p:sp>
         <p:nvSpPr>
-          <p:cNvPr id="7" name="Rectangle 6"/>
-          <p:cNvSpPr/>
-          <p:nvPr/>
-        </p:nvSpPr>
-        <p:spPr>
-          <a:xfrm>
-            <a:off x="1365819" y="4641447"/>
-            <a:ext cx="7221904" cy="2117445"/>
+          <p:cNvPr id="77" name="Text Placeholder 3"/>
+          <p:cNvSpPr>
+            <a:spLocks noGrp="1"/>
+          </p:cNvSpPr>
+          <p:nvPr>
+            <p:ph type="body" sz="quarter" idx="12"/>
+          </p:nvPr>
+        </p:nvSpPr>
+        <p:spPr>
+          <a:xfrm>
+            <a:off x="1014533" y="3760937"/>
+            <a:ext cx="1422845" cy="411171"/>
+          </a:xfrm>
+        </p:spPr>
+        <p:txBody>
+          <a:bodyPr/>
+          <a:lstStyle/>
+          <a:p>
+            <a:pPr algn="ctr"/>
+            <a:r>
+              <a:rPr lang="en-US"/>
+              <a:t>t</a:t>
+            </a:r>
+            <a:r>
+              <a:rPr lang="en-US" smtClean="0"/>
+              <a:t>his step</a:t>
+            </a:r>
+            <a:endParaRPr lang="en-US" dirty="0"/>
+          </a:p>
+        </p:txBody>
+      </p:sp>
+      <p:sp>
+        <p:nvSpPr>
+          <p:cNvPr id="78" name="Text Placeholder 3"/>
+          <p:cNvSpPr>
+            <a:spLocks noGrp="1"/>
+          </p:cNvSpPr>
+          <p:nvPr>
+            <p:ph type="body" sz="quarter" idx="12"/>
+          </p:nvPr>
+        </p:nvSpPr>
+        <p:spPr>
+          <a:xfrm>
+            <a:off x="3301464" y="3762321"/>
+            <a:ext cx="1422845" cy="411171"/>
+          </a:xfrm>
+        </p:spPr>
+        <p:txBody>
+          <a:bodyPr/>
+          <a:lstStyle/>
+          <a:p>
+            <a:pPr algn="ctr"/>
+            <a:r>
+              <a:rPr lang="en-US" dirty="0" smtClean="0"/>
+              <a:t>next step</a:t>
+            </a:r>
+            <a:endParaRPr lang="en-US" dirty="0"/>
+          </a:p>
+        </p:txBody>
+      </p:sp>
+      <p:pic>
+        <p:nvPicPr>
+          <p:cNvPr id="3" name="Picture 2"/>
+          <p:cNvPicPr>
+            <a:picLocks noChangeAspect="1"/>
+          </p:cNvPicPr>
+          <p:nvPr/>
+        </p:nvPicPr>
+        <p:blipFill>
+          <a:blip r:embed="rId9">
+            <a:extLst>
+              <a:ext uri="{28A0092B-C50C-407E-A947-70E740481C1C}">
+                <a14:useLocalDpi xmlns:a14="http://schemas.microsoft.com/office/drawing/2010/main" val="0"/>
+              </a:ext>
+            </a:extLst>
+          </a:blip>
+          <a:stretch>
+            <a:fillRect/>
+          </a:stretch>
+        </p:blipFill>
+        <p:spPr>
+          <a:xfrm>
+            <a:off x="3533837" y="6303912"/>
+            <a:ext cx="1028700" cy="342900"/>
           </a:xfrm>
           <a:prstGeom prst="rect">
             <a:avLst/>
           </a:prstGeom>
-          <a:solidFill>
-            <a:schemeClr val="bg2">
-              <a:alpha val="76000"/>
-            </a:schemeClr>
-          </a:solidFill>
-          <a:ln>
-            <a:noFill/>
-          </a:ln>
-          <a:effectLst/>
-        </p:spPr>
-        <p:style>
-          <a:lnRef idx="1">
-            <a:schemeClr val="accent1"/>
-          </a:lnRef>
-          <a:fillRef idx="3">
-            <a:schemeClr val="accent1"/>
-          </a:fillRef>
-          <a:effectRef idx="2">
-            <a:schemeClr val="accent1"/>
-          </a:effectRef>
-          <a:fontRef idx="minor">
-            <a:schemeClr val="lt1"/>
-          </a:fontRef>
-        </p:style>
-        <p:txBody>
-          <a:bodyPr rtlCol="0" anchor="ctr"/>
-          <a:lstStyle/>
-          <a:p>
-            <a:pPr algn="ctr"/>
-            <a:endParaRPr lang="en-US"/>
-          </a:p>
-        </p:txBody>
-      </p:sp>
-      <p:sp>
-        <p:nvSpPr>
-          <p:cNvPr id="9" name="Rectangle 8"/>
-          <p:cNvSpPr/>
-          <p:nvPr/>
-        </p:nvSpPr>
-        <p:spPr>
-          <a:xfrm>
-            <a:off x="579086" y="4190035"/>
-            <a:ext cx="1249714" cy="451412"/>
-          </a:xfrm>
-          <a:prstGeom prst="rect">
-            <a:avLst/>
-          </a:prstGeom>
-          <a:solidFill>
-            <a:schemeClr val="bg2">
-              <a:alpha val="76000"/>
-            </a:schemeClr>
-          </a:solidFill>
-          <a:ln>
-            <a:noFill/>
-          </a:ln>
-          <a:effectLst/>
-        </p:spPr>
-        <p:style>
-          <a:lnRef idx="1">
-            <a:schemeClr val="accent1"/>
-          </a:lnRef>
-          <a:fillRef idx="3">
-            <a:schemeClr val="accent1"/>
-          </a:fillRef>
-          <a:effectRef idx="2">
-            <a:schemeClr val="accent1"/>
-          </a:effectRef>
-          <a:fontRef idx="minor">
-            <a:schemeClr val="lt1"/>
-          </a:fontRef>
-        </p:style>
-        <p:txBody>
-          <a:bodyPr rtlCol="0" anchor="ctr"/>
-          <a:lstStyle/>
-          <a:p>
-            <a:pPr algn="ctr"/>
-            <a:endParaRPr lang="en-US"/>
-          </a:p>
-        </p:txBody>
-      </p:sp>
+        </p:spPr>
+      </p:pic>
     </p:spTree>
     <p:extLst>
       <p:ext uri="{BB962C8B-B14F-4D97-AF65-F5344CB8AC3E}">
-        <p14:creationId xmlns:p14="http://schemas.microsoft.com/office/powerpoint/2010/main" val="1530330367"/>
+        <p14:creationId xmlns:p14="http://schemas.microsoft.com/office/powerpoint/2010/main" val="1204265342"/>
       </p:ext>
     </p:extLst>
   </p:cSld>
@@ -7464,6 +7453,36 @@
           <a:chExt cx="0" cy="0"/>
         </a:xfrm>
       </p:grpSpPr>
+      <p:pic>
+        <p:nvPicPr>
+          <p:cNvPr id="5" name="Picture 4"/>
+          <p:cNvPicPr>
+            <a:picLocks noChangeAspect="1"/>
+          </p:cNvPicPr>
+          <p:nvPr/>
+        </p:nvPicPr>
+        <p:blipFill>
+          <a:blip r:embed="rId3">
+            <a:extLst>
+              <a:ext uri="{28A0092B-C50C-407E-A947-70E740481C1C}">
+                <a14:useLocalDpi xmlns:a14="http://schemas.microsoft.com/office/drawing/2010/main" val="0"/>
+              </a:ext>
+            </a:extLst>
+          </a:blip>
+          <a:stretch>
+            <a:fillRect/>
+          </a:stretch>
+        </p:blipFill>
+        <p:spPr>
+          <a:xfrm>
+            <a:off x="1365819" y="1485442"/>
+            <a:ext cx="7221905" cy="5262599"/>
+          </a:xfrm>
+          <a:prstGeom prst="rect">
+            <a:avLst/>
+          </a:prstGeom>
+        </p:spPr>
+      </p:pic>
       <p:sp>
         <p:nvSpPr>
           <p:cNvPr id="2" name="Text Placeholder 1"/>
@@ -7489,83 +7508,6 @@
       </p:sp>
       <p:sp>
         <p:nvSpPr>
-          <p:cNvPr id="3" name="Text Placeholder 2"/>
-          <p:cNvSpPr>
-            <a:spLocks noGrp="1"/>
-          </p:cNvSpPr>
-          <p:nvPr>
-            <p:ph type="body" sz="quarter" idx="11"/>
-          </p:nvPr>
-        </p:nvSpPr>
-        <p:spPr>
-          <a:xfrm>
-            <a:off x="659305" y="2320240"/>
-            <a:ext cx="8197114" cy="4786616"/>
-          </a:xfrm>
-        </p:spPr>
-        <p:txBody>
-          <a:bodyPr/>
-          <a:lstStyle/>
-          <a:p>
-            <a:r>
-              <a:rPr lang="en-US" dirty="0" smtClean="0">
-                <a:solidFill>
-                  <a:schemeClr val="accent4">
-                    <a:lumMod val="10000"/>
-                  </a:schemeClr>
-                </a:solidFill>
-              </a:rPr>
-              <a:t>Isolated system (NVE)</a:t>
-            </a:r>
-          </a:p>
-          <a:p>
-            <a:pPr lvl="1"/>
-            <a:endParaRPr lang="en-US" dirty="0" smtClean="0">
-              <a:solidFill>
-                <a:schemeClr val="accent4">
-                  <a:lumMod val="10000"/>
-                </a:schemeClr>
-              </a:solidFill>
-              <a:sym typeface="Wingdings"/>
-            </a:endParaRPr>
-          </a:p>
-          <a:p>
-            <a:pPr lvl="1"/>
-            <a:endParaRPr lang="en-US" dirty="0">
-              <a:solidFill>
-                <a:schemeClr val="accent4">
-                  <a:lumMod val="10000"/>
-                </a:schemeClr>
-              </a:solidFill>
-              <a:sym typeface="Wingdings"/>
-            </a:endParaRPr>
-          </a:p>
-          <a:p>
-            <a:pPr lvl="1"/>
-            <a:endParaRPr lang="en-US" dirty="0" smtClean="0">
-              <a:solidFill>
-                <a:schemeClr val="accent4">
-                  <a:lumMod val="10000"/>
-                </a:schemeClr>
-              </a:solidFill>
-              <a:sym typeface="Wingdings"/>
-            </a:endParaRPr>
-          </a:p>
-          <a:p>
-            <a:pPr lvl="1"/>
-            <a:endParaRPr lang="en-US" dirty="0">
-              <a:solidFill>
-                <a:schemeClr val="accent4">
-                  <a:lumMod val="10000"/>
-                </a:schemeClr>
-              </a:solidFill>
-              <a:sym typeface="Wingdings"/>
-            </a:endParaRPr>
-          </a:p>
-        </p:txBody>
-      </p:sp>
-      <p:sp>
-        <p:nvSpPr>
           <p:cNvPr id="4" name="Text Placeholder 3"/>
           <p:cNvSpPr>
             <a:spLocks noGrp="1"/>
@@ -7574,27 +7516,220 @@
             <p:ph type="body" sz="quarter" idx="12"/>
           </p:nvPr>
         </p:nvSpPr>
-        <p:spPr/>
+        <p:spPr>
+          <a:xfrm>
+            <a:off x="3264490" y="1157922"/>
+            <a:ext cx="2372385" cy="411171"/>
+          </a:xfrm>
+        </p:spPr>
         <p:txBody>
           <a:bodyPr/>
           <a:lstStyle/>
           <a:p>
             <a:r>
               <a:rPr lang="en-US" dirty="0" smtClean="0"/>
-              <a:t>Thermostats and </a:t>
-            </a:r>
-            <a:r>
-              <a:rPr lang="en-US" dirty="0" err="1" smtClean="0"/>
-              <a:t>barostats</a:t>
+              <a:t>MD Algorithm</a:t>
             </a:r>
             <a:endParaRPr lang="en-US" dirty="0"/>
+          </a:p>
+        </p:txBody>
+      </p:sp>
+      <p:sp>
+        <p:nvSpPr>
+          <p:cNvPr id="6" name="Rectangle 5"/>
+          <p:cNvSpPr/>
+          <p:nvPr/>
+        </p:nvSpPr>
+        <p:spPr>
+          <a:xfrm>
+            <a:off x="8587723" y="6296628"/>
+            <a:ext cx="396019" cy="451413"/>
+          </a:xfrm>
+          <a:prstGeom prst="rect">
+            <a:avLst/>
+          </a:prstGeom>
+          <a:solidFill>
+            <a:schemeClr val="bg2"/>
+          </a:solidFill>
+          <a:ln>
+            <a:noFill/>
+          </a:ln>
+          <a:effectLst/>
+        </p:spPr>
+        <p:style>
+          <a:lnRef idx="1">
+            <a:schemeClr val="accent1"/>
+          </a:lnRef>
+          <a:fillRef idx="3">
+            <a:schemeClr val="accent1"/>
+          </a:fillRef>
+          <a:effectRef idx="2">
+            <a:schemeClr val="accent1"/>
+          </a:effectRef>
+          <a:fontRef idx="minor">
+            <a:schemeClr val="lt1"/>
+          </a:fontRef>
+        </p:style>
+        <p:txBody>
+          <a:bodyPr rtlCol="0" anchor="ctr"/>
+          <a:lstStyle/>
+          <a:p>
+            <a:pPr algn="ctr"/>
+            <a:endParaRPr lang="en-US">
+              <a:solidFill>
+                <a:schemeClr val="accent4">
+                  <a:lumMod val="10000"/>
+                </a:schemeClr>
+              </a:solidFill>
+            </a:endParaRPr>
+          </a:p>
+        </p:txBody>
+      </p:sp>
+      <p:sp>
+        <p:nvSpPr>
+          <p:cNvPr id="3" name="Rectangle 2"/>
+          <p:cNvSpPr/>
+          <p:nvPr/>
+        </p:nvSpPr>
+        <p:spPr>
+          <a:xfrm>
+            <a:off x="1365819" y="1569093"/>
+            <a:ext cx="5648439" cy="2620942"/>
+          </a:xfrm>
+          <a:prstGeom prst="rect">
+            <a:avLst/>
+          </a:prstGeom>
+          <a:solidFill>
+            <a:schemeClr val="bg2">
+              <a:alpha val="76000"/>
+            </a:schemeClr>
+          </a:solidFill>
+          <a:ln>
+            <a:noFill/>
+          </a:ln>
+          <a:effectLst/>
+        </p:spPr>
+        <p:style>
+          <a:lnRef idx="1">
+            <a:schemeClr val="accent1"/>
+          </a:lnRef>
+          <a:fillRef idx="3">
+            <a:schemeClr val="accent1"/>
+          </a:fillRef>
+          <a:effectRef idx="2">
+            <a:schemeClr val="accent1"/>
+          </a:effectRef>
+          <a:fontRef idx="minor">
+            <a:schemeClr val="lt1"/>
+          </a:fontRef>
+        </p:style>
+        <p:txBody>
+          <a:bodyPr rtlCol="0" anchor="ctr"/>
+          <a:lstStyle/>
+          <a:p>
+            <a:pPr algn="ctr"/>
+            <a:endParaRPr lang="en-US"/>
+          </a:p>
+        </p:txBody>
+      </p:sp>
+      <p:sp>
+        <p:nvSpPr>
+          <p:cNvPr id="7" name="Rectangle 6"/>
+          <p:cNvSpPr/>
+          <p:nvPr/>
+        </p:nvSpPr>
+        <p:spPr>
+          <a:xfrm>
+            <a:off x="1365819" y="4641447"/>
+            <a:ext cx="7221904" cy="2117445"/>
+          </a:xfrm>
+          <a:prstGeom prst="rect">
+            <a:avLst/>
+          </a:prstGeom>
+          <a:solidFill>
+            <a:schemeClr val="bg2">
+              <a:alpha val="76000"/>
+            </a:schemeClr>
+          </a:solidFill>
+          <a:ln>
+            <a:noFill/>
+          </a:ln>
+          <a:effectLst/>
+        </p:spPr>
+        <p:style>
+          <a:lnRef idx="1">
+            <a:schemeClr val="accent1"/>
+          </a:lnRef>
+          <a:fillRef idx="3">
+            <a:schemeClr val="accent1"/>
+          </a:fillRef>
+          <a:effectRef idx="2">
+            <a:schemeClr val="accent1"/>
+          </a:effectRef>
+          <a:fontRef idx="minor">
+            <a:schemeClr val="lt1"/>
+          </a:fontRef>
+        </p:style>
+        <p:txBody>
+          <a:bodyPr rtlCol="0" anchor="ctr"/>
+          <a:lstStyle/>
+          <a:p>
+            <a:pPr algn="ctr"/>
+            <a:endParaRPr lang="en-US"/>
+          </a:p>
+        </p:txBody>
+      </p:sp>
+      <p:sp>
+        <p:nvSpPr>
+          <p:cNvPr id="9" name="Rectangle 8"/>
+          <p:cNvSpPr/>
+          <p:nvPr/>
+        </p:nvSpPr>
+        <p:spPr>
+          <a:xfrm>
+            <a:off x="579086" y="4190035"/>
+            <a:ext cx="1249714" cy="451412"/>
+          </a:xfrm>
+          <a:prstGeom prst="rect">
+            <a:avLst/>
+          </a:prstGeom>
+          <a:solidFill>
+            <a:schemeClr val="bg2">
+              <a:alpha val="76000"/>
+            </a:schemeClr>
+          </a:solidFill>
+          <a:ln>
+            <a:noFill/>
+          </a:ln>
+          <a:effectLst/>
+        </p:spPr>
+        <p:style>
+          <a:lnRef idx="1">
+            <a:schemeClr val="accent1"/>
+          </a:lnRef>
+          <a:fillRef idx="3">
+            <a:schemeClr val="accent1"/>
+          </a:fillRef>
+          <a:effectRef idx="2">
+            <a:schemeClr val="accent1"/>
+          </a:effectRef>
+          <a:fontRef idx="minor">
+            <a:schemeClr val="lt1"/>
+          </a:fontRef>
+        </p:style>
+        <p:txBody>
+          <a:bodyPr rtlCol="0" anchor="ctr"/>
+          <a:lstStyle/>
+          <a:p>
+            <a:pPr algn="ctr"/>
+            <a:endParaRPr lang="en-US"/>
           </a:p>
         </p:txBody>
       </p:sp>
     </p:spTree>
     <p:extLst>
       <p:ext uri="{BB962C8B-B14F-4D97-AF65-F5344CB8AC3E}">
-        <p14:creationId xmlns:p14="http://schemas.microsoft.com/office/powerpoint/2010/main" val="310653667"/>
+        <p14:creationId xmlns:p14="http://schemas.microsoft.com/office/powerpoint/2010/main" val="1530330367"/>
       </p:ext>
     </p:extLst>
   </p:cSld>
@@ -7681,6 +7816,170 @@
               </a:rPr>
               <a:t>Isolated system (NVE)</a:t>
             </a:r>
+          </a:p>
+          <a:p>
+            <a:pPr lvl="1"/>
+            <a:endParaRPr lang="en-US" dirty="0" smtClean="0">
+              <a:solidFill>
+                <a:schemeClr val="accent4">
+                  <a:lumMod val="10000"/>
+                </a:schemeClr>
+              </a:solidFill>
+              <a:sym typeface="Wingdings"/>
+            </a:endParaRPr>
+          </a:p>
+          <a:p>
+            <a:pPr lvl="1"/>
+            <a:endParaRPr lang="en-US" dirty="0">
+              <a:solidFill>
+                <a:schemeClr val="accent4">
+                  <a:lumMod val="10000"/>
+                </a:schemeClr>
+              </a:solidFill>
+              <a:sym typeface="Wingdings"/>
+            </a:endParaRPr>
+          </a:p>
+          <a:p>
+            <a:pPr lvl="1"/>
+            <a:endParaRPr lang="en-US" dirty="0" smtClean="0">
+              <a:solidFill>
+                <a:schemeClr val="accent4">
+                  <a:lumMod val="10000"/>
+                </a:schemeClr>
+              </a:solidFill>
+              <a:sym typeface="Wingdings"/>
+            </a:endParaRPr>
+          </a:p>
+          <a:p>
+            <a:pPr lvl="1"/>
+            <a:endParaRPr lang="en-US" dirty="0">
+              <a:solidFill>
+                <a:schemeClr val="accent4">
+                  <a:lumMod val="10000"/>
+                </a:schemeClr>
+              </a:solidFill>
+              <a:sym typeface="Wingdings"/>
+            </a:endParaRPr>
+          </a:p>
+        </p:txBody>
+      </p:sp>
+      <p:sp>
+        <p:nvSpPr>
+          <p:cNvPr id="4" name="Text Placeholder 3"/>
+          <p:cNvSpPr>
+            <a:spLocks noGrp="1"/>
+          </p:cNvSpPr>
+          <p:nvPr>
+            <p:ph type="body" sz="quarter" idx="12"/>
+          </p:nvPr>
+        </p:nvSpPr>
+        <p:spPr/>
+        <p:txBody>
+          <a:bodyPr/>
+          <a:lstStyle/>
+          <a:p>
+            <a:r>
+              <a:rPr lang="en-US" dirty="0" smtClean="0"/>
+              <a:t>Thermostats and </a:t>
+            </a:r>
+            <a:r>
+              <a:rPr lang="en-US" dirty="0" err="1" smtClean="0"/>
+              <a:t>barostats</a:t>
+            </a:r>
+            <a:endParaRPr lang="en-US" dirty="0"/>
+          </a:p>
+        </p:txBody>
+      </p:sp>
+    </p:spTree>
+    <p:extLst>
+      <p:ext uri="{BB962C8B-B14F-4D97-AF65-F5344CB8AC3E}">
+        <p14:creationId xmlns:p14="http://schemas.microsoft.com/office/powerpoint/2010/main" val="310653667"/>
+      </p:ext>
+    </p:extLst>
+  </p:cSld>
+  <p:clrMapOvr>
+    <a:masterClrMapping/>
+  </p:clrMapOvr>
+  <p:timing>
+    <p:tnLst>
+      <p:par>
+        <p:cTn id="1" dur="indefinite" restart="never" nodeType="tmRoot"/>
+      </p:par>
+    </p:tnLst>
+  </p:timing>
+</p:sld>
+</file>
+
+<file path=ppt/slides/slide15.xml><?xml version="1.0" encoding="utf-8"?>
+<p:sld xmlns:a="http://schemas.openxmlformats.org/drawingml/2006/main" xmlns:r="http://schemas.openxmlformats.org/officeDocument/2006/relationships" xmlns:p="http://schemas.openxmlformats.org/presentationml/2006/main">
+  <p:cSld>
+    <p:spTree>
+      <p:nvGrpSpPr>
+        <p:cNvPr id="1" name=""/>
+        <p:cNvGrpSpPr/>
+        <p:nvPr/>
+      </p:nvGrpSpPr>
+      <p:grpSpPr>
+        <a:xfrm>
+          <a:off x="0" y="0"/>
+          <a:ext cx="0" cy="0"/>
+          <a:chOff x="0" y="0"/>
+          <a:chExt cx="0" cy="0"/>
+        </a:xfrm>
+      </p:grpSpPr>
+      <p:sp>
+        <p:nvSpPr>
+          <p:cNvPr id="2" name="Text Placeholder 1"/>
+          <p:cNvSpPr>
+            <a:spLocks noGrp="1"/>
+          </p:cNvSpPr>
+          <p:nvPr>
+            <p:ph type="body" sz="quarter" idx="10"/>
+          </p:nvPr>
+        </p:nvSpPr>
+        <p:spPr/>
+        <p:txBody>
+          <a:bodyPr/>
+          <a:lstStyle/>
+          <a:p>
+            <a:r>
+              <a:rPr lang="en-US" dirty="0" smtClean="0"/>
+              <a:t>Choosing Our Ensemble</a:t>
+            </a:r>
+            <a:endParaRPr lang="en-US" dirty="0"/>
+          </a:p>
+        </p:txBody>
+      </p:sp>
+      <p:sp>
+        <p:nvSpPr>
+          <p:cNvPr id="3" name="Text Placeholder 2"/>
+          <p:cNvSpPr>
+            <a:spLocks noGrp="1"/>
+          </p:cNvSpPr>
+          <p:nvPr>
+            <p:ph type="body" sz="quarter" idx="11"/>
+          </p:nvPr>
+        </p:nvSpPr>
+        <p:spPr>
+          <a:xfrm>
+            <a:off x="659305" y="2320240"/>
+            <a:ext cx="8197114" cy="4786616"/>
+          </a:xfrm>
+        </p:spPr>
+        <p:txBody>
+          <a:bodyPr/>
+          <a:lstStyle/>
+          <a:p>
+            <a:r>
+              <a:rPr lang="en-US" dirty="0" smtClean="0">
+                <a:solidFill>
+                  <a:schemeClr val="accent4">
+                    <a:lumMod val="10000"/>
+                  </a:schemeClr>
+                </a:solidFill>
+              </a:rPr>
+              <a:t>Isolated system (NVE)</a:t>
+            </a:r>
             <a:endParaRPr lang="en-US" dirty="0">
               <a:solidFill>
                 <a:schemeClr val="accent4">
@@ -8267,7 +8566,7 @@
 </p:sld>
 </file>
 
-<file path=ppt/slides/slide15.xml><?xml version="1.0" encoding="utf-8"?>
+<file path=ppt/slides/slide16.xml><?xml version="1.0" encoding="utf-8"?>
 <p:sld xmlns:a="http://schemas.openxmlformats.org/drawingml/2006/main" xmlns:r="http://schemas.openxmlformats.org/officeDocument/2006/relationships" xmlns:p="http://schemas.openxmlformats.org/presentationml/2006/main">
   <p:cSld>
     <p:spTree>
@@ -9610,7 +9909,7 @@
 </p:sld>
 </file>
 
-<file path=ppt/slides/slide16.xml><?xml version="1.0" encoding="utf-8"?>
+<file path=ppt/slides/slide17.xml><?xml version="1.0" encoding="utf-8"?>
 <p:sld xmlns:a="http://schemas.openxmlformats.org/drawingml/2006/main" xmlns:r="http://schemas.openxmlformats.org/officeDocument/2006/relationships" xmlns:p="http://schemas.openxmlformats.org/presentationml/2006/main">
   <p:cSld>
     <p:spTree>
@@ -11164,7 +11463,7 @@
 </p:sld>
 </file>
 
-<file path=ppt/slides/slide17.xml><?xml version="1.0" encoding="utf-8"?>
+<file path=ppt/slides/slide18.xml><?xml version="1.0" encoding="utf-8"?>
 <p:sld xmlns:a="http://schemas.openxmlformats.org/drawingml/2006/main" xmlns:r="http://schemas.openxmlformats.org/officeDocument/2006/relationships" xmlns:p="http://schemas.openxmlformats.org/presentationml/2006/main">
   <p:cSld>
     <p:spTree>
@@ -12745,7 +13044,7 @@
 </p:sld>
 </file>
 
-<file path=ppt/slides/slide18.xml><?xml version="1.0" encoding="utf-8"?>
+<file path=ppt/slides/slide19.xml><?xml version="1.0" encoding="utf-8"?>
 <p:sld xmlns:a="http://schemas.openxmlformats.org/drawingml/2006/main" xmlns:r="http://schemas.openxmlformats.org/officeDocument/2006/relationships" xmlns:p="http://schemas.openxmlformats.org/presentationml/2006/main">
   <p:cSld>
     <p:spTree>
@@ -13039,124 +13338,6 @@
     <p:extLst>
       <p:ext uri="{BB962C8B-B14F-4D97-AF65-F5344CB8AC3E}">
         <p14:creationId xmlns:p14="http://schemas.microsoft.com/office/powerpoint/2010/main" val="492936188"/>
-      </p:ext>
-    </p:extLst>
-  </p:cSld>
-  <p:clrMapOvr>
-    <a:masterClrMapping/>
-  </p:clrMapOvr>
-  <p:timing>
-    <p:tnLst>
-      <p:par>
-        <p:cTn id="1" dur="indefinite" restart="never" nodeType="tmRoot"/>
-      </p:par>
-    </p:tnLst>
-  </p:timing>
-</p:sld>
-</file>
-
-<file path=ppt/slides/slide19.xml><?xml version="1.0" encoding="utf-8"?>
-<p:sld xmlns:a="http://schemas.openxmlformats.org/drawingml/2006/main" xmlns:r="http://schemas.openxmlformats.org/officeDocument/2006/relationships" xmlns:p="http://schemas.openxmlformats.org/presentationml/2006/main">
-  <p:cSld>
-    <p:spTree>
-      <p:nvGrpSpPr>
-        <p:cNvPr id="1" name=""/>
-        <p:cNvGrpSpPr/>
-        <p:nvPr/>
-      </p:nvGrpSpPr>
-      <p:grpSpPr>
-        <a:xfrm>
-          <a:off x="0" y="0"/>
-          <a:ext cx="0" cy="0"/>
-          <a:chOff x="0" y="0"/>
-          <a:chExt cx="0" cy="0"/>
-        </a:xfrm>
-      </p:grpSpPr>
-      <p:sp>
-        <p:nvSpPr>
-          <p:cNvPr id="2" name="Text Placeholder 1"/>
-          <p:cNvSpPr>
-            <a:spLocks noGrp="1"/>
-          </p:cNvSpPr>
-          <p:nvPr>
-            <p:ph type="body" sz="quarter" idx="10"/>
-          </p:nvPr>
-        </p:nvSpPr>
-        <p:spPr/>
-        <p:txBody>
-          <a:bodyPr/>
-          <a:lstStyle/>
-          <a:p>
-            <a:r>
-              <a:rPr lang="en-US" dirty="0" smtClean="0"/>
-              <a:t>Other Considerations</a:t>
-            </a:r>
-            <a:endParaRPr lang="en-US" dirty="0"/>
-          </a:p>
-        </p:txBody>
-      </p:sp>
-      <p:sp>
-        <p:nvSpPr>
-          <p:cNvPr id="3" name="Text Placeholder 2"/>
-          <p:cNvSpPr>
-            <a:spLocks noGrp="1"/>
-          </p:cNvSpPr>
-          <p:nvPr>
-            <p:ph type="body" sz="quarter" idx="11"/>
-          </p:nvPr>
-        </p:nvSpPr>
-        <p:spPr/>
-        <p:txBody>
-          <a:bodyPr/>
-          <a:lstStyle/>
-          <a:p>
-            <a:r>
-              <a:rPr lang="en-US" dirty="0" smtClean="0">
-                <a:solidFill>
-                  <a:schemeClr val="accent4">
-                    <a:lumMod val="10000"/>
-                  </a:schemeClr>
-                </a:solidFill>
-              </a:rPr>
-              <a:t>In the limit of infinite time, time avg. = ensemble avg.</a:t>
-            </a:r>
-            <a:endParaRPr lang="en-US" dirty="0">
-              <a:solidFill>
-                <a:schemeClr val="accent4">
-                  <a:lumMod val="10000"/>
-                </a:schemeClr>
-              </a:solidFill>
-            </a:endParaRPr>
-          </a:p>
-        </p:txBody>
-      </p:sp>
-      <p:sp>
-        <p:nvSpPr>
-          <p:cNvPr id="4" name="Text Placeholder 3"/>
-          <p:cNvSpPr>
-            <a:spLocks noGrp="1"/>
-          </p:cNvSpPr>
-          <p:nvPr>
-            <p:ph type="body" sz="quarter" idx="12"/>
-          </p:nvPr>
-        </p:nvSpPr>
-        <p:spPr/>
-        <p:txBody>
-          <a:bodyPr/>
-          <a:lstStyle/>
-          <a:p>
-            <a:r>
-              <a:rPr lang="en-US" dirty="0" smtClean="0"/>
-              <a:t>THE ERGODIC HYPOTHESIS</a:t>
-            </a:r>
-            <a:endParaRPr lang="en-US" dirty="0"/>
-          </a:p>
-        </p:txBody>
-      </p:sp>
-    </p:spTree>
-    <p:extLst>
-      <p:ext uri="{BB962C8B-B14F-4D97-AF65-F5344CB8AC3E}">
-        <p14:creationId xmlns:p14="http://schemas.microsoft.com/office/powerpoint/2010/main" val="415901229"/>
       </p:ext>
     </p:extLst>
   </p:cSld>
@@ -13402,13 +13583,6 @@
               </a:rPr>
               <a:t>Basic 2D simulations in Python </a:t>
             </a:r>
-            <a:endParaRPr lang="en-US" dirty="0" smtClean="0">
-              <a:solidFill>
-                <a:schemeClr val="accent4">
-                  <a:lumMod val="10000"/>
-                </a:schemeClr>
-              </a:solidFill>
-            </a:endParaRPr>
           </a:p>
           <a:p>
             <a:endParaRPr lang="en-US" dirty="0" smtClean="0">
@@ -13548,190 +13722,10 @@
           </a:p>
         </p:txBody>
       </p:sp>
-      <p:pic>
-        <p:nvPicPr>
-          <p:cNvPr id="6" name="Picture 5"/>
-          <p:cNvPicPr>
-            <a:picLocks noChangeAspect="1"/>
-          </p:cNvPicPr>
-          <p:nvPr/>
-        </p:nvPicPr>
-        <p:blipFill>
-          <a:blip r:embed="rId2">
-            <a:extLst>
-              <a:ext uri="{28A0092B-C50C-407E-A947-70E740481C1C}">
-                <a14:useLocalDpi xmlns:a14="http://schemas.microsoft.com/office/drawing/2010/main" val="0"/>
-              </a:ext>
-            </a:extLst>
-          </a:blip>
-          <a:stretch>
-            <a:fillRect/>
-          </a:stretch>
-        </p:blipFill>
-        <p:spPr>
-          <a:xfrm>
-            <a:off x="268817" y="3453652"/>
-            <a:ext cx="3035300" cy="1155700"/>
-          </a:xfrm>
-          <a:prstGeom prst="rect">
-            <a:avLst/>
-          </a:prstGeom>
-        </p:spPr>
-      </p:pic>
-      <p:pic>
-        <p:nvPicPr>
-          <p:cNvPr id="7" name="Picture 6"/>
-          <p:cNvPicPr>
-            <a:picLocks noChangeAspect="1"/>
-          </p:cNvPicPr>
-          <p:nvPr/>
-        </p:nvPicPr>
-        <p:blipFill>
-          <a:blip r:embed="rId3">
-            <a:extLst>
-              <a:ext uri="{28A0092B-C50C-407E-A947-70E740481C1C}">
-                <a14:useLocalDpi xmlns:a14="http://schemas.microsoft.com/office/drawing/2010/main" val="0"/>
-              </a:ext>
-            </a:extLst>
-          </a:blip>
-          <a:stretch>
-            <a:fillRect/>
-          </a:stretch>
-        </p:blipFill>
-        <p:spPr>
-          <a:xfrm>
-            <a:off x="3851178" y="3308363"/>
-            <a:ext cx="4889500" cy="1282700"/>
-          </a:xfrm>
-          <a:prstGeom prst="rect">
-            <a:avLst/>
-          </a:prstGeom>
-        </p:spPr>
-      </p:pic>
-      <p:sp>
-        <p:nvSpPr>
-          <p:cNvPr id="8" name="TextBox 7"/>
-          <p:cNvSpPr txBox="1"/>
-          <p:nvPr/>
-        </p:nvSpPr>
-        <p:spPr>
-          <a:xfrm>
-            <a:off x="891251" y="3102015"/>
-            <a:ext cx="1460366" cy="369332"/>
-          </a:xfrm>
-          <a:prstGeom prst="rect">
-            <a:avLst/>
-          </a:prstGeom>
-          <a:noFill/>
-        </p:spPr>
-        <p:txBody>
-          <a:bodyPr wrap="square" rtlCol="0">
-            <a:spAutoFit/>
-          </a:bodyPr>
-          <a:lstStyle/>
-          <a:p>
-            <a:r>
-              <a:rPr lang="en-US" smtClean="0"/>
-              <a:t>We want:</a:t>
-            </a:r>
-            <a:endParaRPr lang="en-US"/>
-          </a:p>
-        </p:txBody>
-      </p:sp>
-      <p:sp>
-        <p:nvSpPr>
-          <p:cNvPr id="9" name="TextBox 8"/>
-          <p:cNvSpPr txBox="1"/>
-          <p:nvPr/>
-        </p:nvSpPr>
-        <p:spPr>
-          <a:xfrm>
-            <a:off x="3997616" y="3104358"/>
-            <a:ext cx="1460366" cy="369332"/>
-          </a:xfrm>
-          <a:prstGeom prst="rect">
-            <a:avLst/>
-          </a:prstGeom>
-          <a:noFill/>
-        </p:spPr>
-        <p:txBody>
-          <a:bodyPr wrap="square" rtlCol="0">
-            <a:spAutoFit/>
-          </a:bodyPr>
-          <a:lstStyle/>
-          <a:p>
-            <a:r>
-              <a:rPr lang="en-US" dirty="0" smtClean="0"/>
-              <a:t>We have:</a:t>
-            </a:r>
-            <a:endParaRPr lang="en-US" dirty="0"/>
-          </a:p>
-        </p:txBody>
-      </p:sp>
-      <p:cxnSp>
-        <p:nvCxnSpPr>
-          <p:cNvPr id="13" name="Straight Connector 12"/>
-          <p:cNvCxnSpPr/>
-          <p:nvPr/>
-        </p:nvCxnSpPr>
-        <p:spPr>
-          <a:xfrm>
-            <a:off x="798653" y="4271582"/>
-            <a:ext cx="474562" cy="0"/>
-          </a:xfrm>
-          <a:prstGeom prst="line">
-            <a:avLst/>
-          </a:prstGeom>
-        </p:spPr>
-        <p:style>
-          <a:lnRef idx="2">
-            <a:schemeClr val="accent1"/>
-          </a:lnRef>
-          <a:fillRef idx="0">
-            <a:schemeClr val="accent1"/>
-          </a:fillRef>
-          <a:effectRef idx="1">
-            <a:schemeClr val="accent1"/>
-          </a:effectRef>
-          <a:fontRef idx="minor">
-            <a:schemeClr val="tx1"/>
-          </a:fontRef>
-        </p:style>
-      </p:cxnSp>
-      <p:cxnSp>
-        <p:nvCxnSpPr>
-          <p:cNvPr id="15" name="Straight Connector 14"/>
-          <p:cNvCxnSpPr/>
-          <p:nvPr/>
-        </p:nvCxnSpPr>
-        <p:spPr>
-          <a:xfrm>
-            <a:off x="3997616" y="4294732"/>
-            <a:ext cx="760246" cy="0"/>
-          </a:xfrm>
-          <a:prstGeom prst="line">
-            <a:avLst/>
-          </a:prstGeom>
-        </p:spPr>
-        <p:style>
-          <a:lnRef idx="2">
-            <a:schemeClr val="accent1"/>
-          </a:lnRef>
-          <a:fillRef idx="0">
-            <a:schemeClr val="accent1"/>
-          </a:fillRef>
-          <a:effectRef idx="1">
-            <a:schemeClr val="accent1"/>
-          </a:effectRef>
-          <a:fontRef idx="minor">
-            <a:schemeClr val="tx1"/>
-          </a:fontRef>
-        </p:style>
-      </p:cxnSp>
     </p:spTree>
     <p:extLst>
       <p:ext uri="{BB962C8B-B14F-4D97-AF65-F5344CB8AC3E}">
-        <p14:creationId xmlns:p14="http://schemas.microsoft.com/office/powerpoint/2010/main" val="397782620"/>
+        <p14:creationId xmlns:p14="http://schemas.microsoft.com/office/powerpoint/2010/main" val="415901229"/>
       </p:ext>
     </p:extLst>
   </p:cSld>
@@ -13848,7 +13842,7 @@
       </p:sp>
       <p:pic>
         <p:nvPicPr>
-          <p:cNvPr id="5" name="Picture 4"/>
+          <p:cNvPr id="6" name="Picture 5"/>
           <p:cNvPicPr>
             <a:picLocks noChangeAspect="1"/>
           </p:cNvPicPr>
@@ -13868,8 +13862,8 @@
         </p:blipFill>
         <p:spPr>
           <a:xfrm>
-            <a:off x="659305" y="5163425"/>
-            <a:ext cx="2544475" cy="966900"/>
+            <a:off x="268817" y="3453652"/>
+            <a:ext cx="3035300" cy="1155700"/>
           </a:xfrm>
           <a:prstGeom prst="rect">
             <a:avLst/>
@@ -13878,7 +13872,7 @@
       </p:pic>
       <p:pic>
         <p:nvPicPr>
-          <p:cNvPr id="6" name="Picture 5"/>
+          <p:cNvPr id="7" name="Picture 6"/>
           <p:cNvPicPr>
             <a:picLocks noChangeAspect="1"/>
           </p:cNvPicPr>
@@ -13898,36 +13892,6 @@
         </p:blipFill>
         <p:spPr>
           <a:xfrm>
-            <a:off x="268817" y="3453652"/>
-            <a:ext cx="3035300" cy="1155700"/>
-          </a:xfrm>
-          <a:prstGeom prst="rect">
-            <a:avLst/>
-          </a:prstGeom>
-        </p:spPr>
-      </p:pic>
-      <p:pic>
-        <p:nvPicPr>
-          <p:cNvPr id="7" name="Picture 6"/>
-          <p:cNvPicPr>
-            <a:picLocks noChangeAspect="1"/>
-          </p:cNvPicPr>
-          <p:nvPr/>
-        </p:nvPicPr>
-        <p:blipFill>
-          <a:blip r:embed="rId4">
-            <a:extLst>
-              <a:ext uri="{28A0092B-C50C-407E-A947-70E740481C1C}">
-                <a14:useLocalDpi xmlns:a14="http://schemas.microsoft.com/office/drawing/2010/main" val="0"/>
-              </a:ext>
-            </a:extLst>
-          </a:blip>
-          <a:stretch>
-            <a:fillRect/>
-          </a:stretch>
-        </p:blipFill>
-        <p:spPr>
-          <a:xfrm>
             <a:off x="3851178" y="3308363"/>
             <a:ext cx="4889500" cy="1282700"/>
           </a:xfrm>
@@ -13991,66 +13955,6 @@
             <a:r>
               <a:rPr lang="en-US" dirty="0" smtClean="0"/>
               <a:t>We have:</a:t>
-            </a:r>
-            <a:endParaRPr lang="en-US" dirty="0"/>
-          </a:p>
-        </p:txBody>
-      </p:sp>
-      <p:pic>
-        <p:nvPicPr>
-          <p:cNvPr id="10" name="Picture 9"/>
-          <p:cNvPicPr>
-            <a:picLocks noChangeAspect="1"/>
-          </p:cNvPicPr>
-          <p:nvPr/>
-        </p:nvPicPr>
-        <p:blipFill>
-          <a:blip r:embed="rId5">
-            <a:extLst>
-              <a:ext uri="{28A0092B-C50C-407E-A947-70E740481C1C}">
-                <a14:useLocalDpi xmlns:a14="http://schemas.microsoft.com/office/drawing/2010/main" val="0"/>
-              </a:ext>
-            </a:extLst>
-          </a:blip>
-          <a:stretch>
-            <a:fillRect/>
-          </a:stretch>
-        </p:blipFill>
-        <p:spPr>
-          <a:xfrm>
-            <a:off x="3699018" y="4919247"/>
-            <a:ext cx="1270000" cy="1422400"/>
-          </a:xfrm>
-          <a:prstGeom prst="rect">
-            <a:avLst/>
-          </a:prstGeom>
-        </p:spPr>
-      </p:pic>
-      <p:sp>
-        <p:nvSpPr>
-          <p:cNvPr id="11" name="TextBox 10"/>
-          <p:cNvSpPr txBox="1"/>
-          <p:nvPr/>
-        </p:nvSpPr>
-        <p:spPr>
-          <a:xfrm>
-            <a:off x="891251" y="4764512"/>
-            <a:ext cx="1460366" cy="369332"/>
-          </a:xfrm>
-          <a:prstGeom prst="rect">
-            <a:avLst/>
-          </a:prstGeom>
-          <a:noFill/>
-        </p:spPr>
-        <p:txBody>
-          <a:bodyPr wrap="square" rtlCol="0">
-            <a:spAutoFit/>
-          </a:bodyPr>
-          <a:lstStyle/>
-          <a:p>
-            <a:r>
-              <a:rPr lang="en-US" smtClean="0"/>
-              <a:t>Thankfully:</a:t>
             </a:r>
             <a:endParaRPr lang="en-US" dirty="0"/>
           </a:p>
@@ -14119,7 +14023,7 @@
     </p:spTree>
     <p:extLst>
       <p:ext uri="{BB962C8B-B14F-4D97-AF65-F5344CB8AC3E}">
-        <p14:creationId xmlns:p14="http://schemas.microsoft.com/office/powerpoint/2010/main" val="522617774"/>
+        <p14:creationId xmlns:p14="http://schemas.microsoft.com/office/powerpoint/2010/main" val="397782620"/>
       </p:ext>
     </p:extLst>
   </p:cSld>
@@ -14178,6 +14082,41 @@
       </p:sp>
       <p:sp>
         <p:nvSpPr>
+          <p:cNvPr id="3" name="Text Placeholder 2"/>
+          <p:cNvSpPr>
+            <a:spLocks noGrp="1"/>
+          </p:cNvSpPr>
+          <p:nvPr>
+            <p:ph type="body" sz="quarter" idx="11"/>
+          </p:nvPr>
+        </p:nvSpPr>
+        <p:spPr/>
+        <p:txBody>
+          <a:bodyPr/>
+          <a:lstStyle/>
+          <a:p>
+            <a:r>
+              <a:rPr lang="en-US" dirty="0" smtClean="0">
+                <a:solidFill>
+                  <a:schemeClr val="accent4">
+                    <a:lumMod val="10000"/>
+                  </a:schemeClr>
+                </a:solidFill>
+              </a:rPr>
+              <a:t>In the limit of infinite time, time avg. = ensemble avg.</a:t>
+            </a:r>
+            <a:endParaRPr lang="en-US" dirty="0">
+              <a:solidFill>
+                <a:schemeClr val="accent4">
+                  <a:lumMod val="10000"/>
+                </a:schemeClr>
+              </a:solidFill>
+            </a:endParaRPr>
+          </a:p>
+        </p:txBody>
+      </p:sp>
+      <p:sp>
+        <p:nvSpPr>
           <p:cNvPr id="4" name="Text Placeholder 3"/>
           <p:cNvSpPr>
             <a:spLocks noGrp="1"/>
@@ -14186,327 +14125,243 @@
             <p:ph type="body" sz="quarter" idx="12"/>
           </p:nvPr>
         </p:nvSpPr>
-        <p:spPr>
-          <a:xfrm>
-            <a:off x="671757" y="978313"/>
-            <a:ext cx="8184662" cy="411171"/>
-          </a:xfrm>
-        </p:spPr>
+        <p:spPr/>
         <p:txBody>
           <a:bodyPr/>
           <a:lstStyle/>
           <a:p>
             <a:r>
               <a:rPr lang="en-US" dirty="0" smtClean="0"/>
-              <a:t>Periodic Boundary Conditions (PBC)</a:t>
+              <a:t>THE ERGODIC HYPOTHESIS</a:t>
             </a:r>
             <a:endParaRPr lang="en-US" dirty="0"/>
           </a:p>
         </p:txBody>
       </p:sp>
-      <p:sp>
-        <p:nvSpPr>
-          <p:cNvPr id="5" name="Rectangle 4"/>
-          <p:cNvSpPr/>
-          <p:nvPr/>
-        </p:nvSpPr>
-        <p:spPr>
-          <a:xfrm>
-            <a:off x="2455564" y="3209808"/>
-            <a:ext cx="1640541" cy="1600200"/>
+      <p:pic>
+        <p:nvPicPr>
+          <p:cNvPr id="5" name="Picture 4"/>
+          <p:cNvPicPr>
+            <a:picLocks noChangeAspect="1"/>
+          </p:cNvPicPr>
+          <p:nvPr/>
+        </p:nvPicPr>
+        <p:blipFill>
+          <a:blip r:embed="rId2">
+            <a:extLst>
+              <a:ext uri="{28A0092B-C50C-407E-A947-70E740481C1C}">
+                <a14:useLocalDpi xmlns:a14="http://schemas.microsoft.com/office/drawing/2010/main" val="0"/>
+              </a:ext>
+            </a:extLst>
+          </a:blip>
+          <a:stretch>
+            <a:fillRect/>
+          </a:stretch>
+        </p:blipFill>
+        <p:spPr>
+          <a:xfrm>
+            <a:off x="659305" y="5163425"/>
+            <a:ext cx="2544475" cy="966900"/>
           </a:xfrm>
           <a:prstGeom prst="rect">
             <a:avLst/>
           </a:prstGeom>
+        </p:spPr>
+      </p:pic>
+      <p:pic>
+        <p:nvPicPr>
+          <p:cNvPr id="6" name="Picture 5"/>
+          <p:cNvPicPr>
+            <a:picLocks noChangeAspect="1"/>
+          </p:cNvPicPr>
+          <p:nvPr/>
+        </p:nvPicPr>
+        <p:blipFill>
+          <a:blip r:embed="rId3">
+            <a:extLst>
+              <a:ext uri="{28A0092B-C50C-407E-A947-70E740481C1C}">
+                <a14:useLocalDpi xmlns:a14="http://schemas.microsoft.com/office/drawing/2010/main" val="0"/>
+              </a:ext>
+            </a:extLst>
+          </a:blip>
+          <a:stretch>
+            <a:fillRect/>
+          </a:stretch>
+        </p:blipFill>
+        <p:spPr>
+          <a:xfrm>
+            <a:off x="268817" y="3453652"/>
+            <a:ext cx="3035300" cy="1155700"/>
+          </a:xfrm>
+          <a:prstGeom prst="rect">
+            <a:avLst/>
+          </a:prstGeom>
+        </p:spPr>
+      </p:pic>
+      <p:pic>
+        <p:nvPicPr>
+          <p:cNvPr id="7" name="Picture 6"/>
+          <p:cNvPicPr>
+            <a:picLocks noChangeAspect="1"/>
+          </p:cNvPicPr>
+          <p:nvPr/>
+        </p:nvPicPr>
+        <p:blipFill>
+          <a:blip r:embed="rId4">
+            <a:extLst>
+              <a:ext uri="{28A0092B-C50C-407E-A947-70E740481C1C}">
+                <a14:useLocalDpi xmlns:a14="http://schemas.microsoft.com/office/drawing/2010/main" val="0"/>
+              </a:ext>
+            </a:extLst>
+          </a:blip>
+          <a:stretch>
+            <a:fillRect/>
+          </a:stretch>
+        </p:blipFill>
+        <p:spPr>
+          <a:xfrm>
+            <a:off x="3851178" y="3308363"/>
+            <a:ext cx="4889500" cy="1282700"/>
+          </a:xfrm>
+          <a:prstGeom prst="rect">
+            <a:avLst/>
+          </a:prstGeom>
+        </p:spPr>
+      </p:pic>
+      <p:sp>
+        <p:nvSpPr>
+          <p:cNvPr id="8" name="TextBox 7"/>
+          <p:cNvSpPr txBox="1"/>
+          <p:nvPr/>
+        </p:nvSpPr>
+        <p:spPr>
+          <a:xfrm>
+            <a:off x="891251" y="3102015"/>
+            <a:ext cx="1460366" cy="369332"/>
+          </a:xfrm>
+          <a:prstGeom prst="rect">
+            <a:avLst/>
+          </a:prstGeom>
           <a:noFill/>
-          <a:ln w="19050"/>
-        </p:spPr>
-        <p:style>
-          <a:lnRef idx="1">
-            <a:schemeClr val="accent1"/>
-          </a:lnRef>
-          <a:fillRef idx="3">
-            <a:schemeClr val="accent1"/>
-          </a:fillRef>
-          <a:effectRef idx="2">
-            <a:schemeClr val="accent1"/>
-          </a:effectRef>
-          <a:fontRef idx="minor">
-            <a:schemeClr val="lt1"/>
-          </a:fontRef>
-        </p:style>
-        <p:txBody>
-          <a:bodyPr rtlCol="0" anchor="ctr"/>
-          <a:lstStyle/>
-          <a:p>
-            <a:pPr algn="ctr"/>
+        </p:spPr>
+        <p:txBody>
+          <a:bodyPr wrap="square" rtlCol="0">
+            <a:spAutoFit/>
+          </a:bodyPr>
+          <a:lstStyle/>
+          <a:p>
+            <a:r>
+              <a:rPr lang="en-US" smtClean="0"/>
+              <a:t>We want:</a:t>
+            </a:r>
             <a:endParaRPr lang="en-US"/>
           </a:p>
         </p:txBody>
       </p:sp>
       <p:sp>
         <p:nvSpPr>
-          <p:cNvPr id="6" name="Oval 5"/>
-          <p:cNvSpPr/>
-          <p:nvPr/>
-        </p:nvSpPr>
-        <p:spPr>
-          <a:xfrm>
-            <a:off x="3321779" y="3446647"/>
-            <a:ext cx="188258" cy="188259"/>
-          </a:xfrm>
-          <a:prstGeom prst="ellipse">
-            <a:avLst/>
-          </a:prstGeom>
-          <a:solidFill>
-            <a:schemeClr val="tx2"/>
-          </a:solidFill>
-        </p:spPr>
-        <p:style>
-          <a:lnRef idx="1">
-            <a:schemeClr val="accent1"/>
-          </a:lnRef>
-          <a:fillRef idx="3">
-            <a:schemeClr val="accent1"/>
-          </a:fillRef>
-          <a:effectRef idx="2">
-            <a:schemeClr val="accent1"/>
-          </a:effectRef>
-          <a:fontRef idx="minor">
-            <a:schemeClr val="lt1"/>
-          </a:fontRef>
-        </p:style>
-        <p:txBody>
-          <a:bodyPr rtlCol="0" anchor="ctr"/>
-          <a:lstStyle/>
-          <a:p>
-            <a:pPr algn="ctr"/>
-            <a:endParaRPr lang="en-US"/>
-          </a:p>
-        </p:txBody>
-      </p:sp>
-      <p:sp>
-        <p:nvSpPr>
-          <p:cNvPr id="7" name="Oval 6"/>
-          <p:cNvSpPr/>
-          <p:nvPr/>
-        </p:nvSpPr>
-        <p:spPr>
-          <a:xfrm>
-            <a:off x="2708817" y="4276608"/>
-            <a:ext cx="188258" cy="188259"/>
-          </a:xfrm>
-          <a:prstGeom prst="ellipse">
-            <a:avLst/>
-          </a:prstGeom>
-          <a:solidFill>
-            <a:schemeClr val="tx2"/>
-          </a:solidFill>
-        </p:spPr>
-        <p:style>
-          <a:lnRef idx="1">
-            <a:schemeClr val="accent1"/>
-          </a:lnRef>
-          <a:fillRef idx="3">
-            <a:schemeClr val="accent1"/>
-          </a:fillRef>
-          <a:effectRef idx="2">
-            <a:schemeClr val="accent1"/>
-          </a:effectRef>
-          <a:fontRef idx="minor">
-            <a:schemeClr val="lt1"/>
-          </a:fontRef>
-        </p:style>
-        <p:txBody>
-          <a:bodyPr rtlCol="0" anchor="ctr"/>
-          <a:lstStyle/>
-          <a:p>
-            <a:pPr algn="ctr"/>
-            <a:endParaRPr lang="en-US"/>
-          </a:p>
-        </p:txBody>
-      </p:sp>
-      <p:sp>
-        <p:nvSpPr>
-          <p:cNvPr id="8" name="Oval 7"/>
-          <p:cNvSpPr/>
-          <p:nvPr/>
-        </p:nvSpPr>
-        <p:spPr>
-          <a:xfrm>
-            <a:off x="3415908" y="4334877"/>
-            <a:ext cx="188258" cy="188259"/>
-          </a:xfrm>
-          <a:prstGeom prst="ellipse">
-            <a:avLst/>
-          </a:prstGeom>
-          <a:solidFill>
-            <a:schemeClr val="tx2"/>
-          </a:solidFill>
-        </p:spPr>
-        <p:style>
-          <a:lnRef idx="1">
-            <a:schemeClr val="accent1"/>
-          </a:lnRef>
-          <a:fillRef idx="3">
-            <a:schemeClr val="accent1"/>
-          </a:fillRef>
-          <a:effectRef idx="2">
-            <a:schemeClr val="accent1"/>
-          </a:effectRef>
-          <a:fontRef idx="minor">
-            <a:schemeClr val="lt1"/>
-          </a:fontRef>
-        </p:style>
-        <p:txBody>
-          <a:bodyPr rtlCol="0" anchor="ctr"/>
-          <a:lstStyle/>
-          <a:p>
-            <a:pPr algn="ctr"/>
-            <a:endParaRPr lang="en-US"/>
-          </a:p>
-        </p:txBody>
-      </p:sp>
-      <p:sp>
-        <p:nvSpPr>
-          <p:cNvPr id="9" name="Oval 8"/>
-          <p:cNvSpPr/>
-          <p:nvPr/>
-        </p:nvSpPr>
-        <p:spPr>
-          <a:xfrm>
-            <a:off x="3755446" y="3779069"/>
-            <a:ext cx="188258" cy="188259"/>
-          </a:xfrm>
-          <a:prstGeom prst="ellipse">
-            <a:avLst/>
-          </a:prstGeom>
-          <a:solidFill>
-            <a:schemeClr val="tx2"/>
-          </a:solidFill>
-        </p:spPr>
-        <p:style>
-          <a:lnRef idx="1">
-            <a:schemeClr val="accent1"/>
-          </a:lnRef>
-          <a:fillRef idx="3">
-            <a:schemeClr val="accent1"/>
-          </a:fillRef>
-          <a:effectRef idx="2">
-            <a:schemeClr val="accent1"/>
-          </a:effectRef>
-          <a:fontRef idx="minor">
-            <a:schemeClr val="lt1"/>
-          </a:fontRef>
-        </p:style>
-        <p:txBody>
-          <a:bodyPr rtlCol="0" anchor="ctr"/>
-          <a:lstStyle/>
-          <a:p>
-            <a:pPr algn="ctr"/>
-            <a:endParaRPr lang="en-US"/>
-          </a:p>
-        </p:txBody>
-      </p:sp>
-      <p:sp>
-        <p:nvSpPr>
-          <p:cNvPr id="10" name="Oval 9"/>
-          <p:cNvSpPr/>
-          <p:nvPr/>
-        </p:nvSpPr>
-        <p:spPr>
-          <a:xfrm>
-            <a:off x="3093180" y="3942673"/>
-            <a:ext cx="188258" cy="188259"/>
-          </a:xfrm>
-          <a:prstGeom prst="ellipse">
-            <a:avLst/>
-          </a:prstGeom>
-          <a:solidFill>
-            <a:schemeClr val="tx2"/>
-          </a:solidFill>
-        </p:spPr>
-        <p:style>
-          <a:lnRef idx="1">
-            <a:schemeClr val="accent1"/>
-          </a:lnRef>
-          <a:fillRef idx="3">
-            <a:schemeClr val="accent1"/>
-          </a:fillRef>
-          <a:effectRef idx="2">
-            <a:schemeClr val="accent1"/>
-          </a:effectRef>
-          <a:fontRef idx="minor">
-            <a:schemeClr val="lt1"/>
-          </a:fontRef>
-        </p:style>
-        <p:txBody>
-          <a:bodyPr rtlCol="0" anchor="ctr"/>
-          <a:lstStyle/>
-          <a:p>
-            <a:pPr algn="ctr"/>
-            <a:endParaRPr lang="en-US"/>
-          </a:p>
-        </p:txBody>
-      </p:sp>
-      <p:sp>
-        <p:nvSpPr>
-          <p:cNvPr id="11" name="Oval 10"/>
-          <p:cNvSpPr/>
-          <p:nvPr/>
-        </p:nvSpPr>
-        <p:spPr>
-          <a:xfrm>
-            <a:off x="2619171" y="3626669"/>
-            <a:ext cx="188258" cy="188259"/>
-          </a:xfrm>
-          <a:prstGeom prst="ellipse">
-            <a:avLst/>
-          </a:prstGeom>
-          <a:solidFill>
-            <a:schemeClr val="tx2"/>
-          </a:solidFill>
-        </p:spPr>
-        <p:style>
-          <a:lnRef idx="1">
-            <a:schemeClr val="accent1"/>
-          </a:lnRef>
-          <a:fillRef idx="3">
-            <a:schemeClr val="accent1"/>
-          </a:fillRef>
-          <a:effectRef idx="2">
-            <a:schemeClr val="accent1"/>
-          </a:effectRef>
-          <a:fontRef idx="minor">
-            <a:schemeClr val="lt1"/>
-          </a:fontRef>
-        </p:style>
-        <p:txBody>
-          <a:bodyPr rtlCol="0" anchor="ctr"/>
-          <a:lstStyle/>
-          <a:p>
-            <a:pPr algn="ctr"/>
-            <a:endParaRPr lang="en-US"/>
+          <p:cNvPr id="9" name="TextBox 8"/>
+          <p:cNvSpPr txBox="1"/>
+          <p:nvPr/>
+        </p:nvSpPr>
+        <p:spPr>
+          <a:xfrm>
+            <a:off x="3997616" y="3104358"/>
+            <a:ext cx="1460366" cy="369332"/>
+          </a:xfrm>
+          <a:prstGeom prst="rect">
+            <a:avLst/>
+          </a:prstGeom>
+          <a:noFill/>
+        </p:spPr>
+        <p:txBody>
+          <a:bodyPr wrap="square" rtlCol="0">
+            <a:spAutoFit/>
+          </a:bodyPr>
+          <a:lstStyle/>
+          <a:p>
+            <a:r>
+              <a:rPr lang="en-US" dirty="0" smtClean="0"/>
+              <a:t>We have:</a:t>
+            </a:r>
+            <a:endParaRPr lang="en-US" dirty="0"/>
+          </a:p>
+        </p:txBody>
+      </p:sp>
+      <p:pic>
+        <p:nvPicPr>
+          <p:cNvPr id="10" name="Picture 9"/>
+          <p:cNvPicPr>
+            <a:picLocks noChangeAspect="1"/>
+          </p:cNvPicPr>
+          <p:nvPr/>
+        </p:nvPicPr>
+        <p:blipFill>
+          <a:blip r:embed="rId5">
+            <a:extLst>
+              <a:ext uri="{28A0092B-C50C-407E-A947-70E740481C1C}">
+                <a14:useLocalDpi xmlns:a14="http://schemas.microsoft.com/office/drawing/2010/main" val="0"/>
+              </a:ext>
+            </a:extLst>
+          </a:blip>
+          <a:stretch>
+            <a:fillRect/>
+          </a:stretch>
+        </p:blipFill>
+        <p:spPr>
+          <a:xfrm>
+            <a:off x="3699018" y="4919247"/>
+            <a:ext cx="1270000" cy="1422400"/>
+          </a:xfrm>
+          <a:prstGeom prst="rect">
+            <a:avLst/>
+          </a:prstGeom>
+        </p:spPr>
+      </p:pic>
+      <p:sp>
+        <p:nvSpPr>
+          <p:cNvPr id="11" name="TextBox 10"/>
+          <p:cNvSpPr txBox="1"/>
+          <p:nvPr/>
+        </p:nvSpPr>
+        <p:spPr>
+          <a:xfrm>
+            <a:off x="891251" y="4764512"/>
+            <a:ext cx="1460366" cy="369332"/>
+          </a:xfrm>
+          <a:prstGeom prst="rect">
+            <a:avLst/>
+          </a:prstGeom>
+          <a:noFill/>
+        </p:spPr>
+        <p:txBody>
+          <a:bodyPr wrap="square" rtlCol="0">
+            <a:spAutoFit/>
+          </a:bodyPr>
+          <a:lstStyle/>
+          <a:p>
+            <a:r>
+              <a:rPr lang="en-US" smtClean="0"/>
+              <a:t>Thankfully:</a:t>
+            </a:r>
+            <a:endParaRPr lang="en-US" dirty="0"/>
           </a:p>
         </p:txBody>
       </p:sp>
       <p:cxnSp>
         <p:nvCxnSpPr>
-          <p:cNvPr id="12" name="Straight Arrow Connector 11"/>
+          <p:cNvPr id="13" name="Straight Connector 12"/>
           <p:cNvCxnSpPr/>
           <p:nvPr/>
         </p:nvCxnSpPr>
         <p:spPr>
           <a:xfrm>
-            <a:off x="2726747" y="3777224"/>
-            <a:ext cx="3362" cy="286472"/>
-          </a:xfrm>
-          <a:prstGeom prst="straightConnector1">
-            <a:avLst/>
-          </a:prstGeom>
-          <a:ln>
-            <a:tailEnd type="triangle"/>
-          </a:ln>
+            <a:off x="798653" y="4271582"/>
+            <a:ext cx="474562" cy="0"/>
+          </a:xfrm>
+          <a:prstGeom prst="line">
+            <a:avLst/>
+          </a:prstGeom>
         </p:spPr>
         <p:style>
           <a:lnRef idx="2">
@@ -14525,23 +14380,18 @@
       </p:cxnSp>
       <p:cxnSp>
         <p:nvCxnSpPr>
-          <p:cNvPr id="13" name="Straight Arrow Connector 12"/>
-          <p:cNvCxnSpPr>
-            <a:stCxn id="16" idx="3"/>
-          </p:cNvCxnSpPr>
+          <p:cNvPr id="15" name="Straight Connector 14"/>
+          <p:cNvCxnSpPr/>
           <p:nvPr/>
         </p:nvCxnSpPr>
         <p:spPr>
-          <a:xfrm flipH="1">
-            <a:off x="3169379" y="3607336"/>
-            <a:ext cx="179970" cy="113323"/>
-          </a:xfrm>
-          <a:prstGeom prst="straightConnector1">
-            <a:avLst/>
-          </a:prstGeom>
-          <a:ln>
-            <a:tailEnd type="triangle"/>
-          </a:ln>
+          <a:xfrm>
+            <a:off x="3997616" y="4294732"/>
+            <a:ext cx="760246" cy="0"/>
+          </a:xfrm>
+          <a:prstGeom prst="line">
+            <a:avLst/>
+          </a:prstGeom>
         </p:spPr>
         <p:style>
           <a:lnRef idx="2">
@@ -14558,249 +14408,10 @@
           </a:fontRef>
         </p:style>
       </p:cxnSp>
-      <p:cxnSp>
-        <p:nvCxnSpPr>
-          <p:cNvPr id="14" name="Straight Arrow Connector 13"/>
-          <p:cNvCxnSpPr/>
-          <p:nvPr/>
-        </p:nvCxnSpPr>
-        <p:spPr>
-          <a:xfrm flipH="1">
-            <a:off x="3397978" y="4534335"/>
-            <a:ext cx="82922" cy="175544"/>
-          </a:xfrm>
-          <a:prstGeom prst="straightConnector1">
-            <a:avLst/>
-          </a:prstGeom>
-          <a:ln>
-            <a:tailEnd type="triangle"/>
-          </a:ln>
-        </p:spPr>
-        <p:style>
-          <a:lnRef idx="2">
-            <a:schemeClr val="accent1"/>
-          </a:lnRef>
-          <a:fillRef idx="0">
-            <a:schemeClr val="accent1"/>
-          </a:fillRef>
-          <a:effectRef idx="1">
-            <a:schemeClr val="accent1"/>
-          </a:effectRef>
-          <a:fontRef idx="minor">
-            <a:schemeClr val="tx1"/>
-          </a:fontRef>
-        </p:style>
-      </p:cxnSp>
-      <p:cxnSp>
-        <p:nvCxnSpPr>
-          <p:cNvPr id="15" name="Straight Arrow Connector 14"/>
-          <p:cNvCxnSpPr/>
-          <p:nvPr/>
-        </p:nvCxnSpPr>
-        <p:spPr>
-          <a:xfrm flipH="1">
-            <a:off x="3752084" y="3970314"/>
-            <a:ext cx="82922" cy="175544"/>
-          </a:xfrm>
-          <a:prstGeom prst="straightConnector1">
-            <a:avLst/>
-          </a:prstGeom>
-          <a:ln>
-            <a:tailEnd type="triangle"/>
-          </a:ln>
-        </p:spPr>
-        <p:style>
-          <a:lnRef idx="2">
-            <a:schemeClr val="accent1"/>
-          </a:lnRef>
-          <a:fillRef idx="0">
-            <a:schemeClr val="accent1"/>
-          </a:fillRef>
-          <a:effectRef idx="1">
-            <a:schemeClr val="accent1"/>
-          </a:effectRef>
-          <a:fontRef idx="minor">
-            <a:schemeClr val="tx1"/>
-          </a:fontRef>
-        </p:style>
-      </p:cxnSp>
-      <p:cxnSp>
-        <p:nvCxnSpPr>
-          <p:cNvPr id="16" name="Straight Arrow Connector 15"/>
-          <p:cNvCxnSpPr/>
-          <p:nvPr/>
-        </p:nvCxnSpPr>
-        <p:spPr>
-          <a:xfrm>
-            <a:off x="2857850" y="4467853"/>
-            <a:ext cx="217400" cy="154254"/>
-          </a:xfrm>
-          <a:prstGeom prst="straightConnector1">
-            <a:avLst/>
-          </a:prstGeom>
-          <a:ln>
-            <a:tailEnd type="triangle"/>
-          </a:ln>
-        </p:spPr>
-        <p:style>
-          <a:lnRef idx="2">
-            <a:schemeClr val="accent1"/>
-          </a:lnRef>
-          <a:fillRef idx="0">
-            <a:schemeClr val="accent1"/>
-          </a:fillRef>
-          <a:effectRef idx="1">
-            <a:schemeClr val="accent1"/>
-          </a:effectRef>
-          <a:fontRef idx="minor">
-            <a:schemeClr val="tx1"/>
-          </a:fontRef>
-        </p:style>
-      </p:cxnSp>
-      <p:cxnSp>
-        <p:nvCxnSpPr>
-          <p:cNvPr id="17" name="Straight Arrow Connector 16"/>
-          <p:cNvCxnSpPr/>
-          <p:nvPr/>
-        </p:nvCxnSpPr>
-        <p:spPr>
-          <a:xfrm>
-            <a:off x="3232130" y="4056599"/>
-            <a:ext cx="258855" cy="24653"/>
-          </a:xfrm>
-          <a:prstGeom prst="straightConnector1">
-            <a:avLst/>
-          </a:prstGeom>
-          <a:ln>
-            <a:tailEnd type="triangle"/>
-          </a:ln>
-        </p:spPr>
-        <p:style>
-          <a:lnRef idx="2">
-            <a:schemeClr val="accent1"/>
-          </a:lnRef>
-          <a:fillRef idx="0">
-            <a:schemeClr val="accent1"/>
-          </a:fillRef>
-          <a:effectRef idx="1">
-            <a:schemeClr val="accent1"/>
-          </a:effectRef>
-          <a:fontRef idx="minor">
-            <a:schemeClr val="tx1"/>
-          </a:fontRef>
-        </p:style>
-      </p:cxnSp>
-      <p:sp>
-        <p:nvSpPr>
-          <p:cNvPr id="126" name="TextBox 125"/>
-          <p:cNvSpPr txBox="1"/>
-          <p:nvPr/>
-        </p:nvSpPr>
-        <p:spPr>
-          <a:xfrm>
-            <a:off x="1648026" y="5458015"/>
-            <a:ext cx="3912280" cy="646331"/>
-          </a:xfrm>
-          <a:prstGeom prst="rect">
-            <a:avLst/>
-          </a:prstGeom>
-          <a:noFill/>
-        </p:spPr>
-        <p:txBody>
-          <a:bodyPr wrap="square" rtlCol="0">
-            <a:spAutoFit/>
-          </a:bodyPr>
-          <a:lstStyle/>
-          <a:p>
-            <a:r>
-              <a:rPr lang="en-US" dirty="0" smtClean="0"/>
-              <a:t>How does this tiny box tell us </a:t>
-            </a:r>
-            <a:r>
-              <a:rPr lang="en-US" smtClean="0"/>
-              <a:t>anything </a:t>
-            </a:r>
-          </a:p>
-          <a:p>
-            <a:r>
-              <a:rPr lang="en-US" dirty="0" smtClean="0"/>
-              <a:t>about the macroscopic world??</a:t>
-            </a:r>
-            <a:endParaRPr lang="en-US" dirty="0"/>
-          </a:p>
-        </p:txBody>
-      </p:sp>
-      <p:cxnSp>
-        <p:nvCxnSpPr>
-          <p:cNvPr id="127" name="Straight Arrow Connector 126"/>
-          <p:cNvCxnSpPr/>
-          <p:nvPr/>
-        </p:nvCxnSpPr>
-        <p:spPr>
-          <a:xfrm>
-            <a:off x="2455589" y="5023413"/>
-            <a:ext cx="1640541" cy="0"/>
-          </a:xfrm>
-          <a:prstGeom prst="straightConnector1">
-            <a:avLst/>
-          </a:prstGeom>
-          <a:ln>
-            <a:headEnd type="triangle"/>
-            <a:tailEnd type="triangle"/>
-          </a:ln>
-        </p:spPr>
-        <p:style>
-          <a:lnRef idx="2">
-            <a:schemeClr val="accent1"/>
-          </a:lnRef>
-          <a:fillRef idx="0">
-            <a:schemeClr val="accent1"/>
-          </a:fillRef>
-          <a:effectRef idx="1">
-            <a:schemeClr val="accent1"/>
-          </a:effectRef>
-          <a:fontRef idx="minor">
-            <a:schemeClr val="tx1"/>
-          </a:fontRef>
-        </p:style>
-      </p:cxnSp>
-      <p:sp>
-        <p:nvSpPr>
-          <p:cNvPr id="128" name="TextBox 127"/>
-          <p:cNvSpPr txBox="1"/>
-          <p:nvPr/>
-        </p:nvSpPr>
-        <p:spPr>
-          <a:xfrm>
-            <a:off x="2846300" y="4873472"/>
-            <a:ext cx="864534" cy="369332"/>
-          </a:xfrm>
-          <a:prstGeom prst="rect">
-            <a:avLst/>
-          </a:prstGeom>
-          <a:solidFill>
-            <a:schemeClr val="bg2"/>
-          </a:solidFill>
-        </p:spPr>
-        <p:txBody>
-          <a:bodyPr wrap="square" rtlCol="0">
-            <a:spAutoFit/>
-          </a:bodyPr>
-          <a:lstStyle/>
-          <a:p>
-            <a:pPr algn="ctr"/>
-            <a:r>
-              <a:rPr lang="en-US" smtClean="0"/>
-              <a:t>~5 nm</a:t>
-            </a:r>
-            <a:endParaRPr lang="en-US"/>
-          </a:p>
-        </p:txBody>
-      </p:sp>
     </p:spTree>
     <p:extLst>
       <p:ext uri="{BB962C8B-B14F-4D97-AF65-F5344CB8AC3E}">
-        <p14:creationId xmlns:p14="http://schemas.microsoft.com/office/powerpoint/2010/main" val="1361517844"/>
+        <p14:creationId xmlns:p14="http://schemas.microsoft.com/office/powerpoint/2010/main" val="522617774"/>
       </p:ext>
     </p:extLst>
   </p:cSld>
@@ -15373,6 +14984,687 @@
       </p:cxnSp>
       <p:sp>
         <p:nvSpPr>
+          <p:cNvPr id="126" name="TextBox 125"/>
+          <p:cNvSpPr txBox="1"/>
+          <p:nvPr/>
+        </p:nvSpPr>
+        <p:spPr>
+          <a:xfrm>
+            <a:off x="1648026" y="5458015"/>
+            <a:ext cx="3912280" cy="646331"/>
+          </a:xfrm>
+          <a:prstGeom prst="rect">
+            <a:avLst/>
+          </a:prstGeom>
+          <a:noFill/>
+        </p:spPr>
+        <p:txBody>
+          <a:bodyPr wrap="square" rtlCol="0">
+            <a:spAutoFit/>
+          </a:bodyPr>
+          <a:lstStyle/>
+          <a:p>
+            <a:r>
+              <a:rPr lang="en-US" dirty="0" smtClean="0"/>
+              <a:t>How does this tiny box tell us </a:t>
+            </a:r>
+            <a:r>
+              <a:rPr lang="en-US" smtClean="0"/>
+              <a:t>anything </a:t>
+            </a:r>
+          </a:p>
+          <a:p>
+            <a:r>
+              <a:rPr lang="en-US" dirty="0" smtClean="0"/>
+              <a:t>about the macroscopic world??</a:t>
+            </a:r>
+            <a:endParaRPr lang="en-US" dirty="0"/>
+          </a:p>
+        </p:txBody>
+      </p:sp>
+      <p:cxnSp>
+        <p:nvCxnSpPr>
+          <p:cNvPr id="127" name="Straight Arrow Connector 126"/>
+          <p:cNvCxnSpPr/>
+          <p:nvPr/>
+        </p:nvCxnSpPr>
+        <p:spPr>
+          <a:xfrm>
+            <a:off x="2455589" y="5023413"/>
+            <a:ext cx="1640541" cy="0"/>
+          </a:xfrm>
+          <a:prstGeom prst="straightConnector1">
+            <a:avLst/>
+          </a:prstGeom>
+          <a:ln>
+            <a:headEnd type="triangle"/>
+            <a:tailEnd type="triangle"/>
+          </a:ln>
+        </p:spPr>
+        <p:style>
+          <a:lnRef idx="2">
+            <a:schemeClr val="accent1"/>
+          </a:lnRef>
+          <a:fillRef idx="0">
+            <a:schemeClr val="accent1"/>
+          </a:fillRef>
+          <a:effectRef idx="1">
+            <a:schemeClr val="accent1"/>
+          </a:effectRef>
+          <a:fontRef idx="minor">
+            <a:schemeClr val="tx1"/>
+          </a:fontRef>
+        </p:style>
+      </p:cxnSp>
+      <p:sp>
+        <p:nvSpPr>
+          <p:cNvPr id="128" name="TextBox 127"/>
+          <p:cNvSpPr txBox="1"/>
+          <p:nvPr/>
+        </p:nvSpPr>
+        <p:spPr>
+          <a:xfrm>
+            <a:off x="2846300" y="4873472"/>
+            <a:ext cx="864534" cy="369332"/>
+          </a:xfrm>
+          <a:prstGeom prst="rect">
+            <a:avLst/>
+          </a:prstGeom>
+          <a:solidFill>
+            <a:schemeClr val="bg2"/>
+          </a:solidFill>
+        </p:spPr>
+        <p:txBody>
+          <a:bodyPr wrap="square" rtlCol="0">
+            <a:spAutoFit/>
+          </a:bodyPr>
+          <a:lstStyle/>
+          <a:p>
+            <a:pPr algn="ctr"/>
+            <a:r>
+              <a:rPr lang="en-US" smtClean="0"/>
+              <a:t>~5 nm</a:t>
+            </a:r>
+            <a:endParaRPr lang="en-US"/>
+          </a:p>
+        </p:txBody>
+      </p:sp>
+    </p:spTree>
+    <p:extLst>
+      <p:ext uri="{BB962C8B-B14F-4D97-AF65-F5344CB8AC3E}">
+        <p14:creationId xmlns:p14="http://schemas.microsoft.com/office/powerpoint/2010/main" val="1361517844"/>
+      </p:ext>
+    </p:extLst>
+  </p:cSld>
+  <p:clrMapOvr>
+    <a:masterClrMapping/>
+  </p:clrMapOvr>
+  <p:timing>
+    <p:tnLst>
+      <p:par>
+        <p:cTn id="1" dur="indefinite" restart="never" nodeType="tmRoot"/>
+      </p:par>
+    </p:tnLst>
+  </p:timing>
+</p:sld>
+</file>
+
+<file path=ppt/slides/slide24.xml><?xml version="1.0" encoding="utf-8"?>
+<p:sld xmlns:a="http://schemas.openxmlformats.org/drawingml/2006/main" xmlns:r="http://schemas.openxmlformats.org/officeDocument/2006/relationships" xmlns:p="http://schemas.openxmlformats.org/presentationml/2006/main">
+  <p:cSld>
+    <p:spTree>
+      <p:nvGrpSpPr>
+        <p:cNvPr id="1" name=""/>
+        <p:cNvGrpSpPr/>
+        <p:nvPr/>
+      </p:nvGrpSpPr>
+      <p:grpSpPr>
+        <a:xfrm>
+          <a:off x="0" y="0"/>
+          <a:ext cx="0" cy="0"/>
+          <a:chOff x="0" y="0"/>
+          <a:chExt cx="0" cy="0"/>
+        </a:xfrm>
+      </p:grpSpPr>
+      <p:sp>
+        <p:nvSpPr>
+          <p:cNvPr id="2" name="Text Placeholder 1"/>
+          <p:cNvSpPr>
+            <a:spLocks noGrp="1"/>
+          </p:cNvSpPr>
+          <p:nvPr>
+            <p:ph type="body" sz="quarter" idx="10"/>
+          </p:nvPr>
+        </p:nvSpPr>
+        <p:spPr/>
+        <p:txBody>
+          <a:bodyPr/>
+          <a:lstStyle/>
+          <a:p>
+            <a:r>
+              <a:rPr lang="en-US" dirty="0" smtClean="0"/>
+              <a:t>Other Considerations</a:t>
+            </a:r>
+            <a:endParaRPr lang="en-US" dirty="0"/>
+          </a:p>
+        </p:txBody>
+      </p:sp>
+      <p:sp>
+        <p:nvSpPr>
+          <p:cNvPr id="4" name="Text Placeholder 3"/>
+          <p:cNvSpPr>
+            <a:spLocks noGrp="1"/>
+          </p:cNvSpPr>
+          <p:nvPr>
+            <p:ph type="body" sz="quarter" idx="12"/>
+          </p:nvPr>
+        </p:nvSpPr>
+        <p:spPr>
+          <a:xfrm>
+            <a:off x="671757" y="978313"/>
+            <a:ext cx="8184662" cy="411171"/>
+          </a:xfrm>
+        </p:spPr>
+        <p:txBody>
+          <a:bodyPr/>
+          <a:lstStyle/>
+          <a:p>
+            <a:r>
+              <a:rPr lang="en-US" dirty="0" smtClean="0"/>
+              <a:t>Periodic Boundary Conditions (PBC)</a:t>
+            </a:r>
+            <a:endParaRPr lang="en-US" dirty="0"/>
+          </a:p>
+        </p:txBody>
+      </p:sp>
+      <p:sp>
+        <p:nvSpPr>
+          <p:cNvPr id="5" name="Rectangle 4"/>
+          <p:cNvSpPr/>
+          <p:nvPr/>
+        </p:nvSpPr>
+        <p:spPr>
+          <a:xfrm>
+            <a:off x="2455564" y="3209808"/>
+            <a:ext cx="1640541" cy="1600200"/>
+          </a:xfrm>
+          <a:prstGeom prst="rect">
+            <a:avLst/>
+          </a:prstGeom>
+          <a:noFill/>
+          <a:ln w="19050"/>
+        </p:spPr>
+        <p:style>
+          <a:lnRef idx="1">
+            <a:schemeClr val="accent1"/>
+          </a:lnRef>
+          <a:fillRef idx="3">
+            <a:schemeClr val="accent1"/>
+          </a:fillRef>
+          <a:effectRef idx="2">
+            <a:schemeClr val="accent1"/>
+          </a:effectRef>
+          <a:fontRef idx="minor">
+            <a:schemeClr val="lt1"/>
+          </a:fontRef>
+        </p:style>
+        <p:txBody>
+          <a:bodyPr rtlCol="0" anchor="ctr"/>
+          <a:lstStyle/>
+          <a:p>
+            <a:pPr algn="ctr"/>
+            <a:endParaRPr lang="en-US"/>
+          </a:p>
+        </p:txBody>
+      </p:sp>
+      <p:sp>
+        <p:nvSpPr>
+          <p:cNvPr id="6" name="Oval 5"/>
+          <p:cNvSpPr/>
+          <p:nvPr/>
+        </p:nvSpPr>
+        <p:spPr>
+          <a:xfrm>
+            <a:off x="3321779" y="3446647"/>
+            <a:ext cx="188258" cy="188259"/>
+          </a:xfrm>
+          <a:prstGeom prst="ellipse">
+            <a:avLst/>
+          </a:prstGeom>
+          <a:solidFill>
+            <a:schemeClr val="tx2"/>
+          </a:solidFill>
+        </p:spPr>
+        <p:style>
+          <a:lnRef idx="1">
+            <a:schemeClr val="accent1"/>
+          </a:lnRef>
+          <a:fillRef idx="3">
+            <a:schemeClr val="accent1"/>
+          </a:fillRef>
+          <a:effectRef idx="2">
+            <a:schemeClr val="accent1"/>
+          </a:effectRef>
+          <a:fontRef idx="minor">
+            <a:schemeClr val="lt1"/>
+          </a:fontRef>
+        </p:style>
+        <p:txBody>
+          <a:bodyPr rtlCol="0" anchor="ctr"/>
+          <a:lstStyle/>
+          <a:p>
+            <a:pPr algn="ctr"/>
+            <a:endParaRPr lang="en-US"/>
+          </a:p>
+        </p:txBody>
+      </p:sp>
+      <p:sp>
+        <p:nvSpPr>
+          <p:cNvPr id="7" name="Oval 6"/>
+          <p:cNvSpPr/>
+          <p:nvPr/>
+        </p:nvSpPr>
+        <p:spPr>
+          <a:xfrm>
+            <a:off x="2708817" y="4276608"/>
+            <a:ext cx="188258" cy="188259"/>
+          </a:xfrm>
+          <a:prstGeom prst="ellipse">
+            <a:avLst/>
+          </a:prstGeom>
+          <a:solidFill>
+            <a:schemeClr val="tx2"/>
+          </a:solidFill>
+        </p:spPr>
+        <p:style>
+          <a:lnRef idx="1">
+            <a:schemeClr val="accent1"/>
+          </a:lnRef>
+          <a:fillRef idx="3">
+            <a:schemeClr val="accent1"/>
+          </a:fillRef>
+          <a:effectRef idx="2">
+            <a:schemeClr val="accent1"/>
+          </a:effectRef>
+          <a:fontRef idx="minor">
+            <a:schemeClr val="lt1"/>
+          </a:fontRef>
+        </p:style>
+        <p:txBody>
+          <a:bodyPr rtlCol="0" anchor="ctr"/>
+          <a:lstStyle/>
+          <a:p>
+            <a:pPr algn="ctr"/>
+            <a:endParaRPr lang="en-US"/>
+          </a:p>
+        </p:txBody>
+      </p:sp>
+      <p:sp>
+        <p:nvSpPr>
+          <p:cNvPr id="8" name="Oval 7"/>
+          <p:cNvSpPr/>
+          <p:nvPr/>
+        </p:nvSpPr>
+        <p:spPr>
+          <a:xfrm>
+            <a:off x="3415908" y="4334877"/>
+            <a:ext cx="188258" cy="188259"/>
+          </a:xfrm>
+          <a:prstGeom prst="ellipse">
+            <a:avLst/>
+          </a:prstGeom>
+          <a:solidFill>
+            <a:schemeClr val="tx2"/>
+          </a:solidFill>
+        </p:spPr>
+        <p:style>
+          <a:lnRef idx="1">
+            <a:schemeClr val="accent1"/>
+          </a:lnRef>
+          <a:fillRef idx="3">
+            <a:schemeClr val="accent1"/>
+          </a:fillRef>
+          <a:effectRef idx="2">
+            <a:schemeClr val="accent1"/>
+          </a:effectRef>
+          <a:fontRef idx="minor">
+            <a:schemeClr val="lt1"/>
+          </a:fontRef>
+        </p:style>
+        <p:txBody>
+          <a:bodyPr rtlCol="0" anchor="ctr"/>
+          <a:lstStyle/>
+          <a:p>
+            <a:pPr algn="ctr"/>
+            <a:endParaRPr lang="en-US"/>
+          </a:p>
+        </p:txBody>
+      </p:sp>
+      <p:sp>
+        <p:nvSpPr>
+          <p:cNvPr id="9" name="Oval 8"/>
+          <p:cNvSpPr/>
+          <p:nvPr/>
+        </p:nvSpPr>
+        <p:spPr>
+          <a:xfrm>
+            <a:off x="3755446" y="3779069"/>
+            <a:ext cx="188258" cy="188259"/>
+          </a:xfrm>
+          <a:prstGeom prst="ellipse">
+            <a:avLst/>
+          </a:prstGeom>
+          <a:solidFill>
+            <a:schemeClr val="tx2"/>
+          </a:solidFill>
+        </p:spPr>
+        <p:style>
+          <a:lnRef idx="1">
+            <a:schemeClr val="accent1"/>
+          </a:lnRef>
+          <a:fillRef idx="3">
+            <a:schemeClr val="accent1"/>
+          </a:fillRef>
+          <a:effectRef idx="2">
+            <a:schemeClr val="accent1"/>
+          </a:effectRef>
+          <a:fontRef idx="minor">
+            <a:schemeClr val="lt1"/>
+          </a:fontRef>
+        </p:style>
+        <p:txBody>
+          <a:bodyPr rtlCol="0" anchor="ctr"/>
+          <a:lstStyle/>
+          <a:p>
+            <a:pPr algn="ctr"/>
+            <a:endParaRPr lang="en-US"/>
+          </a:p>
+        </p:txBody>
+      </p:sp>
+      <p:sp>
+        <p:nvSpPr>
+          <p:cNvPr id="10" name="Oval 9"/>
+          <p:cNvSpPr/>
+          <p:nvPr/>
+        </p:nvSpPr>
+        <p:spPr>
+          <a:xfrm>
+            <a:off x="3093180" y="3942673"/>
+            <a:ext cx="188258" cy="188259"/>
+          </a:xfrm>
+          <a:prstGeom prst="ellipse">
+            <a:avLst/>
+          </a:prstGeom>
+          <a:solidFill>
+            <a:schemeClr val="tx2"/>
+          </a:solidFill>
+        </p:spPr>
+        <p:style>
+          <a:lnRef idx="1">
+            <a:schemeClr val="accent1"/>
+          </a:lnRef>
+          <a:fillRef idx="3">
+            <a:schemeClr val="accent1"/>
+          </a:fillRef>
+          <a:effectRef idx="2">
+            <a:schemeClr val="accent1"/>
+          </a:effectRef>
+          <a:fontRef idx="minor">
+            <a:schemeClr val="lt1"/>
+          </a:fontRef>
+        </p:style>
+        <p:txBody>
+          <a:bodyPr rtlCol="0" anchor="ctr"/>
+          <a:lstStyle/>
+          <a:p>
+            <a:pPr algn="ctr"/>
+            <a:endParaRPr lang="en-US"/>
+          </a:p>
+        </p:txBody>
+      </p:sp>
+      <p:sp>
+        <p:nvSpPr>
+          <p:cNvPr id="11" name="Oval 10"/>
+          <p:cNvSpPr/>
+          <p:nvPr/>
+        </p:nvSpPr>
+        <p:spPr>
+          <a:xfrm>
+            <a:off x="2619171" y="3626669"/>
+            <a:ext cx="188258" cy="188259"/>
+          </a:xfrm>
+          <a:prstGeom prst="ellipse">
+            <a:avLst/>
+          </a:prstGeom>
+          <a:solidFill>
+            <a:schemeClr val="tx2"/>
+          </a:solidFill>
+        </p:spPr>
+        <p:style>
+          <a:lnRef idx="1">
+            <a:schemeClr val="accent1"/>
+          </a:lnRef>
+          <a:fillRef idx="3">
+            <a:schemeClr val="accent1"/>
+          </a:fillRef>
+          <a:effectRef idx="2">
+            <a:schemeClr val="accent1"/>
+          </a:effectRef>
+          <a:fontRef idx="minor">
+            <a:schemeClr val="lt1"/>
+          </a:fontRef>
+        </p:style>
+        <p:txBody>
+          <a:bodyPr rtlCol="0" anchor="ctr"/>
+          <a:lstStyle/>
+          <a:p>
+            <a:pPr algn="ctr"/>
+            <a:endParaRPr lang="en-US"/>
+          </a:p>
+        </p:txBody>
+      </p:sp>
+      <p:cxnSp>
+        <p:nvCxnSpPr>
+          <p:cNvPr id="12" name="Straight Arrow Connector 11"/>
+          <p:cNvCxnSpPr/>
+          <p:nvPr/>
+        </p:nvCxnSpPr>
+        <p:spPr>
+          <a:xfrm>
+            <a:off x="2726747" y="3777224"/>
+            <a:ext cx="3362" cy="286472"/>
+          </a:xfrm>
+          <a:prstGeom prst="straightConnector1">
+            <a:avLst/>
+          </a:prstGeom>
+          <a:ln>
+            <a:tailEnd type="triangle"/>
+          </a:ln>
+        </p:spPr>
+        <p:style>
+          <a:lnRef idx="2">
+            <a:schemeClr val="accent1"/>
+          </a:lnRef>
+          <a:fillRef idx="0">
+            <a:schemeClr val="accent1"/>
+          </a:fillRef>
+          <a:effectRef idx="1">
+            <a:schemeClr val="accent1"/>
+          </a:effectRef>
+          <a:fontRef idx="minor">
+            <a:schemeClr val="tx1"/>
+          </a:fontRef>
+        </p:style>
+      </p:cxnSp>
+      <p:cxnSp>
+        <p:nvCxnSpPr>
+          <p:cNvPr id="13" name="Straight Arrow Connector 12"/>
+          <p:cNvCxnSpPr>
+            <a:stCxn id="16" idx="3"/>
+          </p:cNvCxnSpPr>
+          <p:nvPr/>
+        </p:nvCxnSpPr>
+        <p:spPr>
+          <a:xfrm flipH="1">
+            <a:off x="3169379" y="3607336"/>
+            <a:ext cx="179970" cy="113323"/>
+          </a:xfrm>
+          <a:prstGeom prst="straightConnector1">
+            <a:avLst/>
+          </a:prstGeom>
+          <a:ln>
+            <a:tailEnd type="triangle"/>
+          </a:ln>
+        </p:spPr>
+        <p:style>
+          <a:lnRef idx="2">
+            <a:schemeClr val="accent1"/>
+          </a:lnRef>
+          <a:fillRef idx="0">
+            <a:schemeClr val="accent1"/>
+          </a:fillRef>
+          <a:effectRef idx="1">
+            <a:schemeClr val="accent1"/>
+          </a:effectRef>
+          <a:fontRef idx="minor">
+            <a:schemeClr val="tx1"/>
+          </a:fontRef>
+        </p:style>
+      </p:cxnSp>
+      <p:cxnSp>
+        <p:nvCxnSpPr>
+          <p:cNvPr id="14" name="Straight Arrow Connector 13"/>
+          <p:cNvCxnSpPr/>
+          <p:nvPr/>
+        </p:nvCxnSpPr>
+        <p:spPr>
+          <a:xfrm flipH="1">
+            <a:off x="3397978" y="4534335"/>
+            <a:ext cx="82922" cy="175544"/>
+          </a:xfrm>
+          <a:prstGeom prst="straightConnector1">
+            <a:avLst/>
+          </a:prstGeom>
+          <a:ln>
+            <a:tailEnd type="triangle"/>
+          </a:ln>
+        </p:spPr>
+        <p:style>
+          <a:lnRef idx="2">
+            <a:schemeClr val="accent1"/>
+          </a:lnRef>
+          <a:fillRef idx="0">
+            <a:schemeClr val="accent1"/>
+          </a:fillRef>
+          <a:effectRef idx="1">
+            <a:schemeClr val="accent1"/>
+          </a:effectRef>
+          <a:fontRef idx="minor">
+            <a:schemeClr val="tx1"/>
+          </a:fontRef>
+        </p:style>
+      </p:cxnSp>
+      <p:cxnSp>
+        <p:nvCxnSpPr>
+          <p:cNvPr id="15" name="Straight Arrow Connector 14"/>
+          <p:cNvCxnSpPr/>
+          <p:nvPr/>
+        </p:nvCxnSpPr>
+        <p:spPr>
+          <a:xfrm flipH="1">
+            <a:off x="3752084" y="3970314"/>
+            <a:ext cx="82922" cy="175544"/>
+          </a:xfrm>
+          <a:prstGeom prst="straightConnector1">
+            <a:avLst/>
+          </a:prstGeom>
+          <a:ln>
+            <a:tailEnd type="triangle"/>
+          </a:ln>
+        </p:spPr>
+        <p:style>
+          <a:lnRef idx="2">
+            <a:schemeClr val="accent1"/>
+          </a:lnRef>
+          <a:fillRef idx="0">
+            <a:schemeClr val="accent1"/>
+          </a:fillRef>
+          <a:effectRef idx="1">
+            <a:schemeClr val="accent1"/>
+          </a:effectRef>
+          <a:fontRef idx="minor">
+            <a:schemeClr val="tx1"/>
+          </a:fontRef>
+        </p:style>
+      </p:cxnSp>
+      <p:cxnSp>
+        <p:nvCxnSpPr>
+          <p:cNvPr id="16" name="Straight Arrow Connector 15"/>
+          <p:cNvCxnSpPr/>
+          <p:nvPr/>
+        </p:nvCxnSpPr>
+        <p:spPr>
+          <a:xfrm>
+            <a:off x="2857850" y="4467853"/>
+            <a:ext cx="217400" cy="154254"/>
+          </a:xfrm>
+          <a:prstGeom prst="straightConnector1">
+            <a:avLst/>
+          </a:prstGeom>
+          <a:ln>
+            <a:tailEnd type="triangle"/>
+          </a:ln>
+        </p:spPr>
+        <p:style>
+          <a:lnRef idx="2">
+            <a:schemeClr val="accent1"/>
+          </a:lnRef>
+          <a:fillRef idx="0">
+            <a:schemeClr val="accent1"/>
+          </a:fillRef>
+          <a:effectRef idx="1">
+            <a:schemeClr val="accent1"/>
+          </a:effectRef>
+          <a:fontRef idx="minor">
+            <a:schemeClr val="tx1"/>
+          </a:fontRef>
+        </p:style>
+      </p:cxnSp>
+      <p:cxnSp>
+        <p:nvCxnSpPr>
+          <p:cNvPr id="17" name="Straight Arrow Connector 16"/>
+          <p:cNvCxnSpPr/>
+          <p:nvPr/>
+        </p:nvCxnSpPr>
+        <p:spPr>
+          <a:xfrm>
+            <a:off x="3232130" y="4056599"/>
+            <a:ext cx="258855" cy="24653"/>
+          </a:xfrm>
+          <a:prstGeom prst="straightConnector1">
+            <a:avLst/>
+          </a:prstGeom>
+          <a:ln>
+            <a:tailEnd type="triangle"/>
+          </a:ln>
+        </p:spPr>
+        <p:style>
+          <a:lnRef idx="2">
+            <a:schemeClr val="accent1"/>
+          </a:lnRef>
+          <a:fillRef idx="0">
+            <a:schemeClr val="accent1"/>
+          </a:fillRef>
+          <a:effectRef idx="1">
+            <a:schemeClr val="accent1"/>
+          </a:effectRef>
+          <a:fontRef idx="minor">
+            <a:schemeClr val="tx1"/>
+          </a:fontRef>
+        </p:style>
+      </p:cxnSp>
+      <p:sp>
+        <p:nvSpPr>
           <p:cNvPr id="18" name="Rectangle 17"/>
           <p:cNvSpPr/>
           <p:nvPr/>
@@ -19549,7 +19841,7 @@
 </p:sld>
 </file>
 
-<file path=ppt/slides/slide24.xml><?xml version="1.0" encoding="utf-8"?>
+<file path=ppt/slides/slide25.xml><?xml version="1.0" encoding="utf-8"?>
 <p:sld xmlns:a="http://schemas.openxmlformats.org/drawingml/2006/main" xmlns:r="http://schemas.openxmlformats.org/officeDocument/2006/relationships" xmlns:p="http://schemas.openxmlformats.org/presentationml/2006/main">
   <p:cSld>
     <p:spTree>
